--- a/Word_PDF_full/Slide.pptx
+++ b/Word_PDF_full/Slide.pptx
@@ -5,7 +5,7 @@
     <p:sldMasterId id="2147483648" r:id="rId1"/>
   </p:sldMasterIdLst>
   <p:notesMasterIdLst>
-    <p:notesMasterId r:id="rId19"/>
+    <p:notesMasterId r:id="rId27"/>
   </p:notesMasterIdLst>
   <p:sldIdLst>
     <p:sldId id="256" r:id="rId2"/>
@@ -24,7 +24,15 @@
     <p:sldId id="271" r:id="rId15"/>
     <p:sldId id="272" r:id="rId16"/>
     <p:sldId id="273" r:id="rId17"/>
-    <p:sldId id="274" r:id="rId18"/>
+    <p:sldId id="281" r:id="rId18"/>
+    <p:sldId id="275" r:id="rId19"/>
+    <p:sldId id="280" r:id="rId20"/>
+    <p:sldId id="276" r:id="rId21"/>
+    <p:sldId id="277" r:id="rId22"/>
+    <p:sldId id="278" r:id="rId23"/>
+    <p:sldId id="279" r:id="rId24"/>
+    <p:sldId id="282" r:id="rId25"/>
+    <p:sldId id="274" r:id="rId26"/>
   </p:sldIdLst>
   <p:sldSz cx="9144000" cy="6858000" type="screen4x3"/>
   <p:notesSz cx="6858000" cy="9144000"/>
@@ -7549,7 +7557,7 @@
         <p:spPr>
           <a:xfrm>
             <a:off x="1366822" y="2712997"/>
-            <a:ext cx="6400800" cy="1200329"/>
+            <a:ext cx="6710378" cy="646331"/>
           </a:xfrm>
           <a:prstGeom prst="rect">
             <a:avLst/>
@@ -7564,117 +7572,1573 @@
           <a:p>
             <a:pPr lvl="0" algn="ctr"/>
             <a:r>
-              <a:rPr lang="vi-VN" sz="3600" b="1" dirty="0" err="1">
-                <a:latin typeface="Arial" panose="020B0604020202020204" pitchFamily="34" charset="0"/>
-                <a:cs typeface="Arial" panose="020B0604020202020204" pitchFamily="34" charset="0"/>
-              </a:rPr>
-              <a:t>Cảm</a:t>
-            </a:r>
-            <a:r>
-              <a:rPr lang="vi-VN" sz="3600" b="1" dirty="0">
-                <a:latin typeface="Arial" panose="020B0604020202020204" pitchFamily="34" charset="0"/>
-                <a:cs typeface="Arial" panose="020B0604020202020204" pitchFamily="34" charset="0"/>
-              </a:rPr>
-              <a:t> ơn </a:t>
-            </a:r>
-            <a:r>
-              <a:rPr lang="vi-VN" sz="3600" b="1" dirty="0" err="1">
-                <a:latin typeface="Arial" panose="020B0604020202020204" pitchFamily="34" charset="0"/>
-                <a:cs typeface="Arial" panose="020B0604020202020204" pitchFamily="34" charset="0"/>
-              </a:rPr>
-              <a:t>thầy</a:t>
-            </a:r>
-            <a:r>
-              <a:rPr lang="vi-VN" sz="3600" b="1" dirty="0">
-                <a:latin typeface="Arial" panose="020B0604020202020204" pitchFamily="34" charset="0"/>
-                <a:cs typeface="Arial" panose="020B0604020202020204" pitchFamily="34" charset="0"/>
-              </a:rPr>
-              <a:t> </a:t>
-            </a:r>
-            <a:r>
-              <a:rPr lang="vi-VN" sz="3600" b="1" dirty="0" err="1">
-                <a:latin typeface="Arial" panose="020B0604020202020204" pitchFamily="34" charset="0"/>
-                <a:cs typeface="Arial" panose="020B0604020202020204" pitchFamily="34" charset="0"/>
-              </a:rPr>
-              <a:t>và</a:t>
-            </a:r>
-            <a:r>
-              <a:rPr lang="vi-VN" sz="3600" b="1" dirty="0">
-                <a:latin typeface="Arial" panose="020B0604020202020204" pitchFamily="34" charset="0"/>
-                <a:cs typeface="Arial" panose="020B0604020202020204" pitchFamily="34" charset="0"/>
-              </a:rPr>
-              <a:t> </a:t>
-            </a:r>
-            <a:r>
-              <a:rPr lang="vi-VN" sz="3600" b="1" dirty="0" err="1">
-                <a:latin typeface="Arial" panose="020B0604020202020204" pitchFamily="34" charset="0"/>
-                <a:cs typeface="Arial" panose="020B0604020202020204" pitchFamily="34" charset="0"/>
-              </a:rPr>
-              <a:t>các</a:t>
-            </a:r>
-            <a:r>
-              <a:rPr lang="vi-VN" sz="3600" b="1" dirty="0">
-                <a:latin typeface="Arial" panose="020B0604020202020204" pitchFamily="34" charset="0"/>
-                <a:cs typeface="Arial" panose="020B0604020202020204" pitchFamily="34" charset="0"/>
-              </a:rPr>
-              <a:t> </a:t>
-            </a:r>
-            <a:r>
-              <a:rPr lang="vi-VN" sz="3600" b="1" dirty="0" err="1">
-                <a:latin typeface="Arial" panose="020B0604020202020204" pitchFamily="34" charset="0"/>
-                <a:cs typeface="Arial" panose="020B0604020202020204" pitchFamily="34" charset="0"/>
-              </a:rPr>
-              <a:t>bạn</a:t>
-            </a:r>
-            <a:r>
-              <a:rPr lang="vi-VN" sz="3600" b="1" dirty="0">
-                <a:latin typeface="Arial" panose="020B0604020202020204" pitchFamily="34" charset="0"/>
-                <a:cs typeface="Arial" panose="020B0604020202020204" pitchFamily="34" charset="0"/>
-              </a:rPr>
-              <a:t> </a:t>
-            </a:r>
-            <a:r>
-              <a:rPr lang="vi-VN" sz="3600" b="1" dirty="0" err="1">
-                <a:latin typeface="Arial" panose="020B0604020202020204" pitchFamily="34" charset="0"/>
-                <a:cs typeface="Arial" panose="020B0604020202020204" pitchFamily="34" charset="0"/>
-              </a:rPr>
-              <a:t>đã</a:t>
-            </a:r>
-            <a:r>
-              <a:rPr lang="vi-VN" sz="3600" b="1" dirty="0">
-                <a:latin typeface="Arial" panose="020B0604020202020204" pitchFamily="34" charset="0"/>
-                <a:cs typeface="Arial" panose="020B0604020202020204" pitchFamily="34" charset="0"/>
-              </a:rPr>
-              <a:t> </a:t>
-            </a:r>
-            <a:r>
-              <a:rPr lang="vi-VN" sz="3600" b="1" dirty="0" err="1">
-                <a:latin typeface="Arial" panose="020B0604020202020204" pitchFamily="34" charset="0"/>
-                <a:cs typeface="Arial" panose="020B0604020202020204" pitchFamily="34" charset="0"/>
-              </a:rPr>
-              <a:t>lắng</a:t>
-            </a:r>
-            <a:r>
-              <a:rPr lang="vi-VN" sz="3600" b="1" dirty="0">
-                <a:latin typeface="Arial" panose="020B0604020202020204" pitchFamily="34" charset="0"/>
-                <a:cs typeface="Arial" panose="020B0604020202020204" pitchFamily="34" charset="0"/>
-              </a:rPr>
-              <a:t> nghe</a:t>
-            </a:r>
-            <a:r>
-              <a:rPr lang="en-US" sz="3600" b="1" dirty="0">
-                <a:latin typeface="Arial" panose="020B0604020202020204" pitchFamily="34" charset="0"/>
-                <a:cs typeface="Arial" panose="020B0604020202020204" pitchFamily="34" charset="0"/>
-              </a:rPr>
-              <a:t>!</a:t>
-            </a:r>
+              <a:rPr lang="vi-VN" sz="3600" b="1">
+                <a:latin typeface="Arial" panose="020B0604020202020204" pitchFamily="34" charset="0"/>
+                <a:cs typeface="Arial" panose="020B0604020202020204" pitchFamily="34" charset="0"/>
+              </a:rPr>
+              <a:t>VII. Bảng phân chia công việc</a:t>
+            </a:r>
+            <a:endParaRPr lang="en-US" sz="3600" b="1" dirty="0">
+              <a:latin typeface="Arial" panose="020B0604020202020204" pitchFamily="34" charset="0"/>
+              <a:cs typeface="Arial" panose="020B0604020202020204" pitchFamily="34" charset="0"/>
+            </a:endParaRPr>
           </a:p>
         </p:txBody>
       </p:sp>
     </p:spTree>
     <p:extLst>
       <p:ext uri="{BB962C8B-B14F-4D97-AF65-F5344CB8AC3E}">
-        <p14:creationId xmlns:p14="http://schemas.microsoft.com/office/powerpoint/2010/main" val="2647419799"/>
+        <p14:creationId xmlns:p14="http://schemas.microsoft.com/office/powerpoint/2010/main" val="306330335"/>
+      </p:ext>
+    </p:extLst>
+  </p:cSld>
+  <p:clrMapOvr>
+    <a:masterClrMapping/>
+  </p:clrMapOvr>
+  <p:transition spd="slow">
+    <p:wipe/>
+  </p:transition>
+</p:sld>
+</file>
+
+<file path=ppt/slides/slide18.xml><?xml version="1.0" encoding="utf-8"?>
+<p:sld xmlns:a="http://schemas.openxmlformats.org/drawingml/2006/main" xmlns:r="http://schemas.openxmlformats.org/officeDocument/2006/relationships" xmlns:p="http://schemas.openxmlformats.org/presentationml/2006/main">
+  <p:cSld>
+    <p:spTree>
+      <p:nvGrpSpPr>
+        <p:cNvPr id="1" name=""/>
+        <p:cNvGrpSpPr/>
+        <p:nvPr/>
+      </p:nvGrpSpPr>
+      <p:grpSpPr>
+        <a:xfrm>
+          <a:off x="0" y="0"/>
+          <a:ext cx="0" cy="0"/>
+          <a:chOff x="0" y="0"/>
+          <a:chExt cx="0" cy="0"/>
+        </a:xfrm>
+      </p:grpSpPr>
+      <p:pic>
+        <p:nvPicPr>
+          <p:cNvPr id="4" name="Picture 3"/>
+          <p:cNvPicPr>
+            <a:picLocks noChangeAspect="1"/>
+          </p:cNvPicPr>
+          <p:nvPr/>
+        </p:nvPicPr>
+        <p:blipFill>
+          <a:blip r:embed="rId2">
+            <a:extLst>
+              <a:ext uri="{28A0092B-C50C-407E-A947-70E740481C1C}">
+                <a14:useLocalDpi xmlns:a14="http://schemas.microsoft.com/office/drawing/2010/main" val="0"/>
+              </a:ext>
+            </a:extLst>
+          </a:blip>
+          <a:stretch>
+            <a:fillRect/>
+          </a:stretch>
+        </p:blipFill>
+        <p:spPr>
+          <a:xfrm>
+            <a:off x="-9556" y="0"/>
+            <a:ext cx="9153556" cy="6858000"/>
+          </a:xfrm>
+          <a:prstGeom prst="rect">
+            <a:avLst/>
+          </a:prstGeom>
+        </p:spPr>
+      </p:pic>
+      <p:graphicFrame>
+        <p:nvGraphicFramePr>
+          <p:cNvPr id="9" name="Table 8"/>
+          <p:cNvGraphicFramePr>
+            <a:graphicFrameLocks noGrp="1"/>
+          </p:cNvGraphicFramePr>
+          <p:nvPr>
+            <p:extLst>
+              <p:ext uri="{D42A27DB-BD31-4B8C-83A1-F6EECF244321}">
+                <p14:modId xmlns:p14="http://schemas.microsoft.com/office/powerpoint/2010/main" val="3771897793"/>
+              </p:ext>
+            </p:extLst>
+          </p:nvPr>
+        </p:nvGraphicFramePr>
+        <p:xfrm>
+          <a:off x="533400" y="990600"/>
+          <a:ext cx="8229599" cy="3663192"/>
+        </p:xfrm>
+        <a:graphic>
+          <a:graphicData uri="http://schemas.openxmlformats.org/drawingml/2006/table">
+            <a:tbl>
+              <a:tblPr firstRow="1" firstCol="1" bandRow="1">
+                <a:tableStyleId>{5C22544A-7EE6-4342-B048-85BDC9FD1C3A}</a:tableStyleId>
+              </a:tblPr>
+              <a:tblGrid>
+                <a:gridCol w="1681178">
+                  <a:extLst>
+                    <a:ext uri="{9D8B030D-6E8A-4147-A177-3AD203B41FA5}">
+                      <a16:colId xmlns:a16="http://schemas.microsoft.com/office/drawing/2014/main" val="20000"/>
+                    </a:ext>
+                  </a:extLst>
+                </a:gridCol>
+                <a:gridCol w="5181600">
+                  <a:extLst>
+                    <a:ext uri="{9D8B030D-6E8A-4147-A177-3AD203B41FA5}">
+                      <a16:colId xmlns:a16="http://schemas.microsoft.com/office/drawing/2014/main" val="20001"/>
+                    </a:ext>
+                  </a:extLst>
+                </a:gridCol>
+                <a:gridCol w="1366821">
+                  <a:extLst>
+                    <a:ext uri="{9D8B030D-6E8A-4147-A177-3AD203B41FA5}">
+                      <a16:colId xmlns:a16="http://schemas.microsoft.com/office/drawing/2014/main" val="20002"/>
+                    </a:ext>
+                  </a:extLst>
+                </a:gridCol>
+              </a:tblGrid>
+              <a:tr h="207716">
+                <a:tc>
+                  <a:txBody>
+                    <a:bodyPr/>
+                    <a:lstStyle/>
+                    <a:p>
+                      <a:pPr marL="0" marR="0" algn="ctr">
+                        <a:lnSpc>
+                          <a:spcPct val="150000"/>
+                        </a:lnSpc>
+                        <a:spcBef>
+                          <a:spcPts val="0"/>
+                        </a:spcBef>
+                        <a:spcAft>
+                          <a:spcPts val="0"/>
+                        </a:spcAft>
+                      </a:pPr>
+                      <a:r>
+                        <a:rPr lang="en-US" sz="2000">
+                          <a:effectLst/>
+                          <a:latin typeface="Arial" panose="020B0604020202020204" pitchFamily="34" charset="0"/>
+                          <a:cs typeface="Arial" panose="020B0604020202020204" pitchFamily="34" charset="0"/>
+                        </a:rPr>
+                        <a:t>Chương</a:t>
+                      </a:r>
+                      <a:endParaRPr lang="en-US" sz="2000">
+                        <a:effectLst/>
+                        <a:latin typeface="Arial" panose="020B0604020202020204" pitchFamily="34" charset="0"/>
+                        <a:ea typeface="Calibri"/>
+                        <a:cs typeface="Arial" panose="020B0604020202020204" pitchFamily="34" charset="0"/>
+                      </a:endParaRPr>
+                    </a:p>
+                  </a:txBody>
+                  <a:tcPr marL="67206" marR="67206" marT="0" marB="0"/>
+                </a:tc>
+                <a:tc>
+                  <a:txBody>
+                    <a:bodyPr/>
+                    <a:lstStyle/>
+                    <a:p>
+                      <a:pPr marL="0" marR="0" algn="ctr">
+                        <a:lnSpc>
+                          <a:spcPct val="150000"/>
+                        </a:lnSpc>
+                        <a:spcBef>
+                          <a:spcPts val="0"/>
+                        </a:spcBef>
+                        <a:spcAft>
+                          <a:spcPts val="0"/>
+                        </a:spcAft>
+                      </a:pPr>
+                      <a:r>
+                        <a:rPr lang="en-US" sz="2000">
+                          <a:effectLst/>
+                          <a:latin typeface="Arial" panose="020B0604020202020204" pitchFamily="34" charset="0"/>
+                          <a:cs typeface="Arial" panose="020B0604020202020204" pitchFamily="34" charset="0"/>
+                        </a:rPr>
+                        <a:t>Công việc</a:t>
+                      </a:r>
+                      <a:endParaRPr lang="en-US" sz="2000">
+                        <a:effectLst/>
+                        <a:latin typeface="Arial" panose="020B0604020202020204" pitchFamily="34" charset="0"/>
+                        <a:ea typeface="Calibri"/>
+                        <a:cs typeface="Arial" panose="020B0604020202020204" pitchFamily="34" charset="0"/>
+                      </a:endParaRPr>
+                    </a:p>
+                  </a:txBody>
+                  <a:tcPr marL="67206" marR="67206" marT="0" marB="0"/>
+                </a:tc>
+                <a:tc>
+                  <a:txBody>
+                    <a:bodyPr/>
+                    <a:lstStyle/>
+                    <a:p>
+                      <a:pPr marL="0" marR="0" algn="ctr">
+                        <a:lnSpc>
+                          <a:spcPct val="150000"/>
+                        </a:lnSpc>
+                        <a:spcBef>
+                          <a:spcPts val="0"/>
+                        </a:spcBef>
+                        <a:spcAft>
+                          <a:spcPts val="0"/>
+                        </a:spcAft>
+                      </a:pPr>
+                      <a:r>
+                        <a:rPr lang="vi-VN" sz="2000">
+                          <a:effectLst/>
+                          <a:latin typeface="Arial" panose="020B0604020202020204" pitchFamily="34" charset="0"/>
+                          <a:cs typeface="Arial" panose="020B0604020202020204" pitchFamily="34" charset="0"/>
+                        </a:rPr>
+                        <a:t>T</a:t>
+                      </a:r>
+                      <a:r>
+                        <a:rPr lang="en-US" sz="2000">
+                          <a:effectLst/>
+                          <a:latin typeface="Arial" panose="020B0604020202020204" pitchFamily="34" charset="0"/>
+                          <a:cs typeface="Arial" panose="020B0604020202020204" pitchFamily="34" charset="0"/>
+                        </a:rPr>
+                        <a:t>hực hiện</a:t>
+                      </a:r>
+                      <a:endParaRPr lang="en-US" sz="2000">
+                        <a:effectLst/>
+                        <a:latin typeface="Arial" panose="020B0604020202020204" pitchFamily="34" charset="0"/>
+                        <a:ea typeface="Calibri"/>
+                        <a:cs typeface="Arial" panose="020B0604020202020204" pitchFamily="34" charset="0"/>
+                      </a:endParaRPr>
+                    </a:p>
+                  </a:txBody>
+                  <a:tcPr marL="67206" marR="67206" marT="0" marB="0"/>
+                </a:tc>
+                <a:extLst>
+                  <a:ext uri="{0D108BD9-81ED-4DB2-BD59-A6C34878D82A}">
+                    <a16:rowId xmlns:a16="http://schemas.microsoft.com/office/drawing/2014/main" val="10000"/>
+                  </a:ext>
+                </a:extLst>
+              </a:tr>
+              <a:tr h="207716">
+                <a:tc rowSpan="7">
+                  <a:txBody>
+                    <a:bodyPr/>
+                    <a:lstStyle/>
+                    <a:p>
+                      <a:pPr marL="0" marR="0" algn="ctr">
+                        <a:lnSpc>
+                          <a:spcPct val="150000"/>
+                        </a:lnSpc>
+                        <a:spcBef>
+                          <a:spcPts val="0"/>
+                        </a:spcBef>
+                        <a:spcAft>
+                          <a:spcPts val="0"/>
+                        </a:spcAft>
+                      </a:pPr>
+                      <a:r>
+                        <a:rPr lang="en-US" sz="2000">
+                          <a:effectLst/>
+                          <a:latin typeface="Arial" panose="020B0604020202020204" pitchFamily="34" charset="0"/>
+                          <a:cs typeface="Arial" panose="020B0604020202020204" pitchFamily="34" charset="0"/>
+                        </a:rPr>
+                        <a:t>1. Tổng quan đồ án</a:t>
+                      </a:r>
+                      <a:endParaRPr lang="en-US" sz="2000">
+                        <a:effectLst/>
+                        <a:latin typeface="Arial" panose="020B0604020202020204" pitchFamily="34" charset="0"/>
+                        <a:ea typeface="Calibri"/>
+                        <a:cs typeface="Arial" panose="020B0604020202020204" pitchFamily="34" charset="0"/>
+                      </a:endParaRPr>
+                    </a:p>
+                  </a:txBody>
+                  <a:tcPr marL="67206" marR="67206" marT="0" marB="0" anchor="ctr"/>
+                </a:tc>
+                <a:tc>
+                  <a:txBody>
+                    <a:bodyPr/>
+                    <a:lstStyle/>
+                    <a:p>
+                      <a:pPr marL="457200" marR="0" indent="-457200" algn="just">
+                        <a:lnSpc>
+                          <a:spcPct val="150000"/>
+                        </a:lnSpc>
+                        <a:spcBef>
+                          <a:spcPts val="0"/>
+                        </a:spcBef>
+                        <a:spcAft>
+                          <a:spcPts val="0"/>
+                        </a:spcAft>
+                      </a:pPr>
+                      <a:r>
+                        <a:rPr lang="en-US" sz="2000">
+                          <a:effectLst/>
+                          <a:latin typeface="Arial" panose="020B0604020202020204" pitchFamily="34" charset="0"/>
+                          <a:cs typeface="Arial" panose="020B0604020202020204" pitchFamily="34" charset="0"/>
+                        </a:rPr>
+                        <a:t>Tìm hiểu quy trình thác nước.</a:t>
+                      </a:r>
+                      <a:endParaRPr lang="en-US" sz="2000">
+                        <a:effectLst/>
+                        <a:latin typeface="Arial" panose="020B0604020202020204" pitchFamily="34" charset="0"/>
+                        <a:ea typeface="Calibri"/>
+                        <a:cs typeface="Arial" panose="020B0604020202020204" pitchFamily="34" charset="0"/>
+                      </a:endParaRPr>
+                    </a:p>
+                  </a:txBody>
+                  <a:tcPr marL="67206" marR="67206" marT="0" marB="0"/>
+                </a:tc>
+                <a:tc>
+                  <a:txBody>
+                    <a:bodyPr/>
+                    <a:lstStyle/>
+                    <a:p>
+                      <a:pPr marL="0" marR="0" algn="just">
+                        <a:lnSpc>
+                          <a:spcPct val="150000"/>
+                        </a:lnSpc>
+                        <a:spcBef>
+                          <a:spcPts val="0"/>
+                        </a:spcBef>
+                        <a:spcAft>
+                          <a:spcPts val="0"/>
+                        </a:spcAft>
+                      </a:pPr>
+                      <a:r>
+                        <a:rPr lang="en-US" sz="2000">
+                          <a:effectLst/>
+                          <a:latin typeface="Arial" panose="020B0604020202020204" pitchFamily="34" charset="0"/>
+                          <a:cs typeface="Arial" panose="020B0604020202020204" pitchFamily="34" charset="0"/>
+                        </a:rPr>
+                        <a:t>Tất cả</a:t>
+                      </a:r>
+                      <a:endParaRPr lang="en-US" sz="2000">
+                        <a:effectLst/>
+                        <a:latin typeface="Arial" panose="020B0604020202020204" pitchFamily="34" charset="0"/>
+                        <a:ea typeface="Calibri"/>
+                        <a:cs typeface="Arial" panose="020B0604020202020204" pitchFamily="34" charset="0"/>
+                      </a:endParaRPr>
+                    </a:p>
+                  </a:txBody>
+                  <a:tcPr marL="67206" marR="67206" marT="0" marB="0"/>
+                </a:tc>
+                <a:extLst>
+                  <a:ext uri="{0D108BD9-81ED-4DB2-BD59-A6C34878D82A}">
+                    <a16:rowId xmlns:a16="http://schemas.microsoft.com/office/drawing/2014/main" val="10001"/>
+                  </a:ext>
+                </a:extLst>
+              </a:tr>
+              <a:tr h="207716">
+                <a:tc vMerge="1">
+                  <a:txBody>
+                    <a:bodyPr/>
+                    <a:lstStyle/>
+                    <a:p>
+                      <a:endParaRPr lang="en-US"/>
+                    </a:p>
+                  </a:txBody>
+                  <a:tcPr/>
+                </a:tc>
+                <a:tc>
+                  <a:txBody>
+                    <a:bodyPr/>
+                    <a:lstStyle/>
+                    <a:p>
+                      <a:pPr marL="0" marR="0" algn="just">
+                        <a:lnSpc>
+                          <a:spcPct val="150000"/>
+                        </a:lnSpc>
+                        <a:spcBef>
+                          <a:spcPts val="0"/>
+                        </a:spcBef>
+                        <a:spcAft>
+                          <a:spcPts val="0"/>
+                        </a:spcAft>
+                      </a:pPr>
+                      <a:r>
+                        <a:rPr lang="en-US" sz="2000">
+                          <a:effectLst/>
+                          <a:latin typeface="Arial" panose="020B0604020202020204" pitchFamily="34" charset="0"/>
+                          <a:cs typeface="Arial" panose="020B0604020202020204" pitchFamily="34" charset="0"/>
+                        </a:rPr>
+                        <a:t>Thiết kế bìa.</a:t>
+                      </a:r>
+                      <a:endParaRPr lang="en-US" sz="2000">
+                        <a:effectLst/>
+                        <a:latin typeface="Arial" panose="020B0604020202020204" pitchFamily="34" charset="0"/>
+                        <a:ea typeface="Calibri"/>
+                        <a:cs typeface="Arial" panose="020B0604020202020204" pitchFamily="34" charset="0"/>
+                      </a:endParaRPr>
+                    </a:p>
+                  </a:txBody>
+                  <a:tcPr marL="67206" marR="67206" marT="0" marB="0"/>
+                </a:tc>
+                <a:tc>
+                  <a:txBody>
+                    <a:bodyPr/>
+                    <a:lstStyle/>
+                    <a:p>
+                      <a:pPr marL="0" marR="0" algn="just">
+                        <a:lnSpc>
+                          <a:spcPct val="150000"/>
+                        </a:lnSpc>
+                        <a:spcBef>
+                          <a:spcPts val="0"/>
+                        </a:spcBef>
+                        <a:spcAft>
+                          <a:spcPts val="0"/>
+                        </a:spcAft>
+                      </a:pPr>
+                      <a:r>
+                        <a:rPr lang="en-US" sz="2000">
+                          <a:effectLst/>
+                          <a:latin typeface="Arial" panose="020B0604020202020204" pitchFamily="34" charset="0"/>
+                          <a:cs typeface="Arial" panose="020B0604020202020204" pitchFamily="34" charset="0"/>
+                        </a:rPr>
+                        <a:t>Trường</a:t>
+                      </a:r>
+                      <a:endParaRPr lang="en-US" sz="2000">
+                        <a:effectLst/>
+                        <a:latin typeface="Arial" panose="020B0604020202020204" pitchFamily="34" charset="0"/>
+                        <a:ea typeface="Calibri"/>
+                        <a:cs typeface="Arial" panose="020B0604020202020204" pitchFamily="34" charset="0"/>
+                      </a:endParaRPr>
+                    </a:p>
+                  </a:txBody>
+                  <a:tcPr marL="67206" marR="67206" marT="0" marB="0"/>
+                </a:tc>
+                <a:extLst>
+                  <a:ext uri="{0D108BD9-81ED-4DB2-BD59-A6C34878D82A}">
+                    <a16:rowId xmlns:a16="http://schemas.microsoft.com/office/drawing/2014/main" val="10002"/>
+                  </a:ext>
+                </a:extLst>
+              </a:tr>
+              <a:tr h="207716">
+                <a:tc vMerge="1">
+                  <a:txBody>
+                    <a:bodyPr/>
+                    <a:lstStyle/>
+                    <a:p>
+                      <a:endParaRPr lang="en-US"/>
+                    </a:p>
+                  </a:txBody>
+                  <a:tcPr/>
+                </a:tc>
+                <a:tc>
+                  <a:txBody>
+                    <a:bodyPr/>
+                    <a:lstStyle/>
+                    <a:p>
+                      <a:pPr marL="0" marR="0" algn="just">
+                        <a:lnSpc>
+                          <a:spcPct val="150000"/>
+                        </a:lnSpc>
+                        <a:spcBef>
+                          <a:spcPts val="0"/>
+                        </a:spcBef>
+                        <a:spcAft>
+                          <a:spcPts val="0"/>
+                        </a:spcAft>
+                      </a:pPr>
+                      <a:r>
+                        <a:rPr lang="en-US" sz="2000">
+                          <a:effectLst/>
+                          <a:latin typeface="Arial" panose="020B0604020202020204" pitchFamily="34" charset="0"/>
+                          <a:cs typeface="Arial" panose="020B0604020202020204" pitchFamily="34" charset="0"/>
+                        </a:rPr>
+                        <a:t>Mô tả đề tài + lý do chọn đề tài.</a:t>
+                      </a:r>
+                      <a:endParaRPr lang="en-US" sz="2000">
+                        <a:effectLst/>
+                        <a:latin typeface="Arial" panose="020B0604020202020204" pitchFamily="34" charset="0"/>
+                        <a:ea typeface="Calibri"/>
+                        <a:cs typeface="Arial" panose="020B0604020202020204" pitchFamily="34" charset="0"/>
+                      </a:endParaRPr>
+                    </a:p>
+                  </a:txBody>
+                  <a:tcPr marL="67206" marR="67206" marT="0" marB="0"/>
+                </a:tc>
+                <a:tc>
+                  <a:txBody>
+                    <a:bodyPr/>
+                    <a:lstStyle/>
+                    <a:p>
+                      <a:pPr marL="0" marR="0" algn="just">
+                        <a:lnSpc>
+                          <a:spcPct val="150000"/>
+                        </a:lnSpc>
+                        <a:spcBef>
+                          <a:spcPts val="0"/>
+                        </a:spcBef>
+                        <a:spcAft>
+                          <a:spcPts val="0"/>
+                        </a:spcAft>
+                      </a:pPr>
+                      <a:r>
+                        <a:rPr lang="en-US" sz="2000">
+                          <a:effectLst/>
+                          <a:latin typeface="Arial" panose="020B0604020202020204" pitchFamily="34" charset="0"/>
+                          <a:cs typeface="Arial" panose="020B0604020202020204" pitchFamily="34" charset="0"/>
+                        </a:rPr>
+                        <a:t>Hùng</a:t>
+                      </a:r>
+                      <a:endParaRPr lang="en-US" sz="2000">
+                        <a:effectLst/>
+                        <a:latin typeface="Arial" panose="020B0604020202020204" pitchFamily="34" charset="0"/>
+                        <a:ea typeface="Calibri"/>
+                        <a:cs typeface="Arial" panose="020B0604020202020204" pitchFamily="34" charset="0"/>
+                      </a:endParaRPr>
+                    </a:p>
+                  </a:txBody>
+                  <a:tcPr marL="67206" marR="67206" marT="0" marB="0"/>
+                </a:tc>
+                <a:extLst>
+                  <a:ext uri="{0D108BD9-81ED-4DB2-BD59-A6C34878D82A}">
+                    <a16:rowId xmlns:a16="http://schemas.microsoft.com/office/drawing/2014/main" val="10003"/>
+                  </a:ext>
+                </a:extLst>
+              </a:tr>
+              <a:tr h="207716">
+                <a:tc vMerge="1">
+                  <a:txBody>
+                    <a:bodyPr/>
+                    <a:lstStyle/>
+                    <a:p>
+                      <a:endParaRPr lang="en-US"/>
+                    </a:p>
+                  </a:txBody>
+                  <a:tcPr/>
+                </a:tc>
+                <a:tc>
+                  <a:txBody>
+                    <a:bodyPr/>
+                    <a:lstStyle/>
+                    <a:p>
+                      <a:pPr marL="0" marR="0" algn="just">
+                        <a:lnSpc>
+                          <a:spcPct val="150000"/>
+                        </a:lnSpc>
+                        <a:spcBef>
+                          <a:spcPts val="0"/>
+                        </a:spcBef>
+                        <a:spcAft>
+                          <a:spcPts val="0"/>
+                        </a:spcAft>
+                      </a:pPr>
+                      <a:r>
+                        <a:rPr lang="en-US" sz="2000">
+                          <a:effectLst/>
+                          <a:latin typeface="Arial" panose="020B0604020202020204" pitchFamily="34" charset="0"/>
+                          <a:cs typeface="Arial" panose="020B0604020202020204" pitchFamily="34" charset="0"/>
+                        </a:rPr>
+                        <a:t>Mục tiêu + phạm vi + ý nghĩa của đề tài.</a:t>
+                      </a:r>
+                      <a:endParaRPr lang="en-US" sz="2000">
+                        <a:effectLst/>
+                        <a:latin typeface="Arial" panose="020B0604020202020204" pitchFamily="34" charset="0"/>
+                        <a:ea typeface="Calibri"/>
+                        <a:cs typeface="Arial" panose="020B0604020202020204" pitchFamily="34" charset="0"/>
+                      </a:endParaRPr>
+                    </a:p>
+                  </a:txBody>
+                  <a:tcPr marL="67206" marR="67206" marT="0" marB="0"/>
+                </a:tc>
+                <a:tc>
+                  <a:txBody>
+                    <a:bodyPr/>
+                    <a:lstStyle/>
+                    <a:p>
+                      <a:pPr marL="0" marR="0" algn="just">
+                        <a:lnSpc>
+                          <a:spcPct val="150000"/>
+                        </a:lnSpc>
+                        <a:spcBef>
+                          <a:spcPts val="0"/>
+                        </a:spcBef>
+                        <a:spcAft>
+                          <a:spcPts val="0"/>
+                        </a:spcAft>
+                      </a:pPr>
+                      <a:r>
+                        <a:rPr lang="en-US" sz="2000">
+                          <a:effectLst/>
+                          <a:latin typeface="Arial" panose="020B0604020202020204" pitchFamily="34" charset="0"/>
+                          <a:cs typeface="Arial" panose="020B0604020202020204" pitchFamily="34" charset="0"/>
+                        </a:rPr>
+                        <a:t>Hoàng</a:t>
+                      </a:r>
+                      <a:endParaRPr lang="en-US" sz="2000">
+                        <a:effectLst/>
+                        <a:latin typeface="Arial" panose="020B0604020202020204" pitchFamily="34" charset="0"/>
+                        <a:ea typeface="Calibri"/>
+                        <a:cs typeface="Arial" panose="020B0604020202020204" pitchFamily="34" charset="0"/>
+                      </a:endParaRPr>
+                    </a:p>
+                  </a:txBody>
+                  <a:tcPr marL="67206" marR="67206" marT="0" marB="0"/>
+                </a:tc>
+                <a:extLst>
+                  <a:ext uri="{0D108BD9-81ED-4DB2-BD59-A6C34878D82A}">
+                    <a16:rowId xmlns:a16="http://schemas.microsoft.com/office/drawing/2014/main" val="10004"/>
+                  </a:ext>
+                </a:extLst>
+              </a:tr>
+              <a:tr h="207716">
+                <a:tc vMerge="1">
+                  <a:txBody>
+                    <a:bodyPr/>
+                    <a:lstStyle/>
+                    <a:p>
+                      <a:endParaRPr lang="en-US"/>
+                    </a:p>
+                  </a:txBody>
+                  <a:tcPr/>
+                </a:tc>
+                <a:tc>
+                  <a:txBody>
+                    <a:bodyPr/>
+                    <a:lstStyle/>
+                    <a:p>
+                      <a:pPr marL="0" marR="0" algn="just">
+                        <a:lnSpc>
+                          <a:spcPct val="150000"/>
+                        </a:lnSpc>
+                        <a:spcBef>
+                          <a:spcPts val="0"/>
+                        </a:spcBef>
+                        <a:spcAft>
+                          <a:spcPts val="0"/>
+                        </a:spcAft>
+                      </a:pPr>
+                      <a:r>
+                        <a:rPr lang="en-US" sz="2000">
+                          <a:effectLst/>
+                          <a:latin typeface="Arial" panose="020B0604020202020204" pitchFamily="34" charset="0"/>
+                          <a:cs typeface="Arial" panose="020B0604020202020204" pitchFamily="34" charset="0"/>
+                        </a:rPr>
+                        <a:t>Tổng quan quy trình thác nước.</a:t>
+                      </a:r>
+                      <a:endParaRPr lang="en-US" sz="2000">
+                        <a:effectLst/>
+                        <a:latin typeface="Arial" panose="020B0604020202020204" pitchFamily="34" charset="0"/>
+                        <a:ea typeface="Calibri"/>
+                        <a:cs typeface="Arial" panose="020B0604020202020204" pitchFamily="34" charset="0"/>
+                      </a:endParaRPr>
+                    </a:p>
+                  </a:txBody>
+                  <a:tcPr marL="67206" marR="67206" marT="0" marB="0"/>
+                </a:tc>
+                <a:tc>
+                  <a:txBody>
+                    <a:bodyPr/>
+                    <a:lstStyle/>
+                    <a:p>
+                      <a:pPr marL="0" marR="0" algn="just">
+                        <a:lnSpc>
+                          <a:spcPct val="150000"/>
+                        </a:lnSpc>
+                        <a:spcBef>
+                          <a:spcPts val="0"/>
+                        </a:spcBef>
+                        <a:spcAft>
+                          <a:spcPts val="0"/>
+                        </a:spcAft>
+                      </a:pPr>
+                      <a:r>
+                        <a:rPr lang="en-US" sz="2000">
+                          <a:effectLst/>
+                          <a:latin typeface="Arial" panose="020B0604020202020204" pitchFamily="34" charset="0"/>
+                          <a:cs typeface="Arial" panose="020B0604020202020204" pitchFamily="34" charset="0"/>
+                        </a:rPr>
+                        <a:t>Lợi, Phúc</a:t>
+                      </a:r>
+                      <a:endParaRPr lang="en-US" sz="2000">
+                        <a:effectLst/>
+                        <a:latin typeface="Arial" panose="020B0604020202020204" pitchFamily="34" charset="0"/>
+                        <a:ea typeface="Calibri"/>
+                        <a:cs typeface="Arial" panose="020B0604020202020204" pitchFamily="34" charset="0"/>
+                      </a:endParaRPr>
+                    </a:p>
+                  </a:txBody>
+                  <a:tcPr marL="67206" marR="67206" marT="0" marB="0"/>
+                </a:tc>
+                <a:extLst>
+                  <a:ext uri="{0D108BD9-81ED-4DB2-BD59-A6C34878D82A}">
+                    <a16:rowId xmlns:a16="http://schemas.microsoft.com/office/drawing/2014/main" val="10005"/>
+                  </a:ext>
+                </a:extLst>
+              </a:tr>
+              <a:tr h="207716">
+                <a:tc vMerge="1">
+                  <a:txBody>
+                    <a:bodyPr/>
+                    <a:lstStyle/>
+                    <a:p>
+                      <a:endParaRPr lang="en-US"/>
+                    </a:p>
+                  </a:txBody>
+                  <a:tcPr/>
+                </a:tc>
+                <a:tc>
+                  <a:txBody>
+                    <a:bodyPr/>
+                    <a:lstStyle/>
+                    <a:p>
+                      <a:pPr marL="0" marR="0" algn="just">
+                        <a:lnSpc>
+                          <a:spcPct val="150000"/>
+                        </a:lnSpc>
+                        <a:spcBef>
+                          <a:spcPts val="0"/>
+                        </a:spcBef>
+                        <a:spcAft>
+                          <a:spcPts val="0"/>
+                        </a:spcAft>
+                      </a:pPr>
+                      <a:r>
+                        <a:rPr lang="en-US" sz="2000">
+                          <a:effectLst/>
+                          <a:latin typeface="Arial" panose="020B0604020202020204" pitchFamily="34" charset="0"/>
+                          <a:cs typeface="Arial" panose="020B0604020202020204" pitchFamily="34" charset="0"/>
+                        </a:rPr>
+                        <a:t>Tổng quan các công cụ.</a:t>
+                      </a:r>
+                      <a:endParaRPr lang="en-US" sz="2000">
+                        <a:effectLst/>
+                        <a:latin typeface="Arial" panose="020B0604020202020204" pitchFamily="34" charset="0"/>
+                        <a:ea typeface="Calibri"/>
+                        <a:cs typeface="Arial" panose="020B0604020202020204" pitchFamily="34" charset="0"/>
+                      </a:endParaRPr>
+                    </a:p>
+                  </a:txBody>
+                  <a:tcPr marL="67206" marR="67206" marT="0" marB="0"/>
+                </a:tc>
+                <a:tc>
+                  <a:txBody>
+                    <a:bodyPr/>
+                    <a:lstStyle/>
+                    <a:p>
+                      <a:pPr marL="0" marR="0" algn="just">
+                        <a:lnSpc>
+                          <a:spcPct val="150000"/>
+                        </a:lnSpc>
+                        <a:spcBef>
+                          <a:spcPts val="0"/>
+                        </a:spcBef>
+                        <a:spcAft>
+                          <a:spcPts val="0"/>
+                        </a:spcAft>
+                      </a:pPr>
+                      <a:r>
+                        <a:rPr lang="en-US" sz="2000">
+                          <a:effectLst/>
+                          <a:latin typeface="Arial" panose="020B0604020202020204" pitchFamily="34" charset="0"/>
+                          <a:cs typeface="Arial" panose="020B0604020202020204" pitchFamily="34" charset="0"/>
+                        </a:rPr>
+                        <a:t>Lợi, Phúc</a:t>
+                      </a:r>
+                      <a:endParaRPr lang="en-US" sz="2000">
+                        <a:effectLst/>
+                        <a:latin typeface="Arial" panose="020B0604020202020204" pitchFamily="34" charset="0"/>
+                        <a:ea typeface="Calibri"/>
+                        <a:cs typeface="Arial" panose="020B0604020202020204" pitchFamily="34" charset="0"/>
+                      </a:endParaRPr>
+                    </a:p>
+                  </a:txBody>
+                  <a:tcPr marL="67206" marR="67206" marT="0" marB="0"/>
+                </a:tc>
+                <a:extLst>
+                  <a:ext uri="{0D108BD9-81ED-4DB2-BD59-A6C34878D82A}">
+                    <a16:rowId xmlns:a16="http://schemas.microsoft.com/office/drawing/2014/main" val="10006"/>
+                  </a:ext>
+                </a:extLst>
+              </a:tr>
+              <a:tr h="207716">
+                <a:tc vMerge="1">
+                  <a:txBody>
+                    <a:bodyPr/>
+                    <a:lstStyle/>
+                    <a:p>
+                      <a:endParaRPr lang="en-US"/>
+                    </a:p>
+                  </a:txBody>
+                  <a:tcPr/>
+                </a:tc>
+                <a:tc>
+                  <a:txBody>
+                    <a:bodyPr/>
+                    <a:lstStyle/>
+                    <a:p>
+                      <a:pPr marL="0" marR="0" algn="just">
+                        <a:lnSpc>
+                          <a:spcPct val="150000"/>
+                        </a:lnSpc>
+                        <a:spcBef>
+                          <a:spcPts val="0"/>
+                        </a:spcBef>
+                        <a:spcAft>
+                          <a:spcPts val="0"/>
+                        </a:spcAft>
+                      </a:pPr>
+                      <a:r>
+                        <a:rPr lang="en-US" sz="2000">
+                          <a:effectLst/>
+                          <a:latin typeface="Arial" panose="020B0604020202020204" pitchFamily="34" charset="0"/>
+                          <a:cs typeface="Arial" panose="020B0604020202020204" pitchFamily="34" charset="0"/>
+                        </a:rPr>
+                        <a:t>Lập activity bar chart.</a:t>
+                      </a:r>
+                      <a:endParaRPr lang="en-US" sz="2000">
+                        <a:effectLst/>
+                        <a:latin typeface="Arial" panose="020B0604020202020204" pitchFamily="34" charset="0"/>
+                        <a:ea typeface="Calibri"/>
+                        <a:cs typeface="Arial" panose="020B0604020202020204" pitchFamily="34" charset="0"/>
+                      </a:endParaRPr>
+                    </a:p>
+                  </a:txBody>
+                  <a:tcPr marL="67206" marR="67206" marT="0" marB="0"/>
+                </a:tc>
+                <a:tc>
+                  <a:txBody>
+                    <a:bodyPr/>
+                    <a:lstStyle/>
+                    <a:p>
+                      <a:pPr marL="0" marR="0" algn="just">
+                        <a:lnSpc>
+                          <a:spcPct val="150000"/>
+                        </a:lnSpc>
+                        <a:spcBef>
+                          <a:spcPts val="0"/>
+                        </a:spcBef>
+                        <a:spcAft>
+                          <a:spcPts val="0"/>
+                        </a:spcAft>
+                      </a:pPr>
+                      <a:r>
+                        <a:rPr lang="en-US" sz="2000">
+                          <a:effectLst/>
+                          <a:latin typeface="Arial" panose="020B0604020202020204" pitchFamily="34" charset="0"/>
+                          <a:cs typeface="Arial" panose="020B0604020202020204" pitchFamily="34" charset="0"/>
+                        </a:rPr>
+                        <a:t>Hùng, Hoàng</a:t>
+                      </a:r>
+                      <a:endParaRPr lang="en-US" sz="2000">
+                        <a:effectLst/>
+                        <a:latin typeface="Arial" panose="020B0604020202020204" pitchFamily="34" charset="0"/>
+                        <a:ea typeface="Calibri"/>
+                        <a:cs typeface="Arial" panose="020B0604020202020204" pitchFamily="34" charset="0"/>
+                      </a:endParaRPr>
+                    </a:p>
+                  </a:txBody>
+                  <a:tcPr marL="67206" marR="67206" marT="0" marB="0"/>
+                </a:tc>
+                <a:extLst>
+                  <a:ext uri="{0D108BD9-81ED-4DB2-BD59-A6C34878D82A}">
+                    <a16:rowId xmlns:a16="http://schemas.microsoft.com/office/drawing/2014/main" val="10007"/>
+                  </a:ext>
+                </a:extLst>
+              </a:tr>
+            </a:tbl>
+          </a:graphicData>
+        </a:graphic>
+      </p:graphicFrame>
+    </p:spTree>
+    <p:extLst>
+      <p:ext uri="{BB962C8B-B14F-4D97-AF65-F5344CB8AC3E}">
+        <p14:creationId xmlns:p14="http://schemas.microsoft.com/office/powerpoint/2010/main" val="2460428511"/>
+      </p:ext>
+    </p:extLst>
+  </p:cSld>
+  <p:clrMapOvr>
+    <a:masterClrMapping/>
+  </p:clrMapOvr>
+  <p:transition spd="slow">
+    <p:wipe/>
+  </p:transition>
+</p:sld>
+</file>
+
+<file path=ppt/slides/slide19.xml><?xml version="1.0" encoding="utf-8"?>
+<p:sld xmlns:a="http://schemas.openxmlformats.org/drawingml/2006/main" xmlns:r="http://schemas.openxmlformats.org/officeDocument/2006/relationships" xmlns:p="http://schemas.openxmlformats.org/presentationml/2006/main">
+  <p:cSld>
+    <p:spTree>
+      <p:nvGrpSpPr>
+        <p:cNvPr id="1" name=""/>
+        <p:cNvGrpSpPr/>
+        <p:nvPr/>
+      </p:nvGrpSpPr>
+      <p:grpSpPr>
+        <a:xfrm>
+          <a:off x="0" y="0"/>
+          <a:ext cx="0" cy="0"/>
+          <a:chOff x="0" y="0"/>
+          <a:chExt cx="0" cy="0"/>
+        </a:xfrm>
+      </p:grpSpPr>
+      <p:pic>
+        <p:nvPicPr>
+          <p:cNvPr id="4" name="Picture 3"/>
+          <p:cNvPicPr>
+            <a:picLocks noChangeAspect="1"/>
+          </p:cNvPicPr>
+          <p:nvPr/>
+        </p:nvPicPr>
+        <p:blipFill>
+          <a:blip r:embed="rId2">
+            <a:extLst>
+              <a:ext uri="{28A0092B-C50C-407E-A947-70E740481C1C}">
+                <a14:useLocalDpi xmlns:a14="http://schemas.microsoft.com/office/drawing/2010/main" val="0"/>
+              </a:ext>
+            </a:extLst>
+          </a:blip>
+          <a:stretch>
+            <a:fillRect/>
+          </a:stretch>
+        </p:blipFill>
+        <p:spPr>
+          <a:xfrm>
+            <a:off x="-9556" y="0"/>
+            <a:ext cx="9153556" cy="6858000"/>
+          </a:xfrm>
+          <a:prstGeom prst="rect">
+            <a:avLst/>
+          </a:prstGeom>
+        </p:spPr>
+      </p:pic>
+      <p:graphicFrame>
+        <p:nvGraphicFramePr>
+          <p:cNvPr id="6" name="Table 5"/>
+          <p:cNvGraphicFramePr>
+            <a:graphicFrameLocks noGrp="1"/>
+          </p:cNvGraphicFramePr>
+          <p:nvPr>
+            <p:extLst>
+              <p:ext uri="{D42A27DB-BD31-4B8C-83A1-F6EECF244321}">
+                <p14:modId xmlns:p14="http://schemas.microsoft.com/office/powerpoint/2010/main" val="4230856646"/>
+              </p:ext>
+            </p:extLst>
+          </p:nvPr>
+        </p:nvGraphicFramePr>
+        <p:xfrm>
+          <a:off x="533400" y="533400"/>
+          <a:ext cx="8229599" cy="5833494"/>
+        </p:xfrm>
+        <a:graphic>
+          <a:graphicData uri="http://schemas.openxmlformats.org/drawingml/2006/table">
+            <a:tbl>
+              <a:tblPr firstRow="1" firstCol="1" bandRow="1">
+                <a:tableStyleId>{5C22544A-7EE6-4342-B048-85BDC9FD1C3A}</a:tableStyleId>
+              </a:tblPr>
+              <a:tblGrid>
+                <a:gridCol w="1452578">
+                  <a:extLst>
+                    <a:ext uri="{9D8B030D-6E8A-4147-A177-3AD203B41FA5}">
+                      <a16:colId xmlns:a16="http://schemas.microsoft.com/office/drawing/2014/main" val="20000"/>
+                    </a:ext>
+                  </a:extLst>
+                </a:gridCol>
+                <a:gridCol w="5410200">
+                  <a:extLst>
+                    <a:ext uri="{9D8B030D-6E8A-4147-A177-3AD203B41FA5}">
+                      <a16:colId xmlns:a16="http://schemas.microsoft.com/office/drawing/2014/main" val="20001"/>
+                    </a:ext>
+                  </a:extLst>
+                </a:gridCol>
+                <a:gridCol w="1366821">
+                  <a:extLst>
+                    <a:ext uri="{9D8B030D-6E8A-4147-A177-3AD203B41FA5}">
+                      <a16:colId xmlns:a16="http://schemas.microsoft.com/office/drawing/2014/main" val="20002"/>
+                    </a:ext>
+                  </a:extLst>
+                </a:gridCol>
+              </a:tblGrid>
+              <a:tr h="685800">
+                <a:tc>
+                  <a:txBody>
+                    <a:bodyPr/>
+                    <a:lstStyle/>
+                    <a:p>
+                      <a:pPr marL="0" marR="0" algn="ctr">
+                        <a:lnSpc>
+                          <a:spcPct val="100000"/>
+                        </a:lnSpc>
+                        <a:spcBef>
+                          <a:spcPts val="0"/>
+                        </a:spcBef>
+                        <a:spcAft>
+                          <a:spcPts val="0"/>
+                        </a:spcAft>
+                      </a:pPr>
+                      <a:r>
+                        <a:rPr lang="en-US" sz="2000">
+                          <a:effectLst/>
+                          <a:latin typeface="Arial" panose="020B0604020202020204" pitchFamily="34" charset="0"/>
+                          <a:cs typeface="Arial" panose="020B0604020202020204" pitchFamily="34" charset="0"/>
+                        </a:rPr>
+                        <a:t>Chương</a:t>
+                      </a:r>
+                      <a:endParaRPr lang="en-US" sz="2000">
+                        <a:effectLst/>
+                        <a:latin typeface="Arial" panose="020B0604020202020204" pitchFamily="34" charset="0"/>
+                        <a:ea typeface="Calibri"/>
+                        <a:cs typeface="Arial" panose="020B0604020202020204" pitchFamily="34" charset="0"/>
+                      </a:endParaRPr>
+                    </a:p>
+                  </a:txBody>
+                  <a:tcPr marL="67206" marR="67206" marT="0" marB="0"/>
+                </a:tc>
+                <a:tc>
+                  <a:txBody>
+                    <a:bodyPr/>
+                    <a:lstStyle/>
+                    <a:p>
+                      <a:pPr marL="0" marR="0" algn="ctr">
+                        <a:lnSpc>
+                          <a:spcPct val="100000"/>
+                        </a:lnSpc>
+                        <a:spcBef>
+                          <a:spcPts val="0"/>
+                        </a:spcBef>
+                        <a:spcAft>
+                          <a:spcPts val="0"/>
+                        </a:spcAft>
+                      </a:pPr>
+                      <a:r>
+                        <a:rPr lang="en-US" sz="2000">
+                          <a:effectLst/>
+                          <a:latin typeface="Arial" panose="020B0604020202020204" pitchFamily="34" charset="0"/>
+                          <a:cs typeface="Arial" panose="020B0604020202020204" pitchFamily="34" charset="0"/>
+                        </a:rPr>
+                        <a:t>Công việc</a:t>
+                      </a:r>
+                      <a:endParaRPr lang="en-US" sz="2000">
+                        <a:effectLst/>
+                        <a:latin typeface="Arial" panose="020B0604020202020204" pitchFamily="34" charset="0"/>
+                        <a:ea typeface="Calibri"/>
+                        <a:cs typeface="Arial" panose="020B0604020202020204" pitchFamily="34" charset="0"/>
+                      </a:endParaRPr>
+                    </a:p>
+                  </a:txBody>
+                  <a:tcPr marL="67206" marR="67206" marT="0" marB="0"/>
+                </a:tc>
+                <a:tc>
+                  <a:txBody>
+                    <a:bodyPr/>
+                    <a:lstStyle/>
+                    <a:p>
+                      <a:pPr marL="0" marR="0" algn="ctr">
+                        <a:lnSpc>
+                          <a:spcPct val="100000"/>
+                        </a:lnSpc>
+                        <a:spcBef>
+                          <a:spcPts val="0"/>
+                        </a:spcBef>
+                        <a:spcAft>
+                          <a:spcPts val="0"/>
+                        </a:spcAft>
+                      </a:pPr>
+                      <a:r>
+                        <a:rPr lang="vi-VN" sz="2000">
+                          <a:effectLst/>
+                          <a:latin typeface="Arial" panose="020B0604020202020204" pitchFamily="34" charset="0"/>
+                          <a:cs typeface="Arial" panose="020B0604020202020204" pitchFamily="34" charset="0"/>
+                        </a:rPr>
+                        <a:t>T</a:t>
+                      </a:r>
+                      <a:r>
+                        <a:rPr lang="en-US" sz="2000">
+                          <a:effectLst/>
+                          <a:latin typeface="Arial" panose="020B0604020202020204" pitchFamily="34" charset="0"/>
+                          <a:cs typeface="Arial" panose="020B0604020202020204" pitchFamily="34" charset="0"/>
+                        </a:rPr>
+                        <a:t>hực hiện</a:t>
+                      </a:r>
+                      <a:endParaRPr lang="en-US" sz="2000">
+                        <a:effectLst/>
+                        <a:latin typeface="Arial" panose="020B0604020202020204" pitchFamily="34" charset="0"/>
+                        <a:ea typeface="Calibri"/>
+                        <a:cs typeface="Arial" panose="020B0604020202020204" pitchFamily="34" charset="0"/>
+                      </a:endParaRPr>
+                    </a:p>
+                  </a:txBody>
+                  <a:tcPr marL="67206" marR="67206" marT="0" marB="0"/>
+                </a:tc>
+                <a:extLst>
+                  <a:ext uri="{0D108BD9-81ED-4DB2-BD59-A6C34878D82A}">
+                    <a16:rowId xmlns:a16="http://schemas.microsoft.com/office/drawing/2014/main" val="10000"/>
+                  </a:ext>
+                </a:extLst>
+              </a:tr>
+              <a:tr h="207716">
+                <a:tc rowSpan="6">
+                  <a:txBody>
+                    <a:bodyPr/>
+                    <a:lstStyle/>
+                    <a:p>
+                      <a:pPr marL="0" marR="0" algn="ctr">
+                        <a:lnSpc>
+                          <a:spcPct val="100000"/>
+                        </a:lnSpc>
+                        <a:spcBef>
+                          <a:spcPts val="0"/>
+                        </a:spcBef>
+                        <a:spcAft>
+                          <a:spcPts val="0"/>
+                        </a:spcAft>
+                      </a:pPr>
+                      <a:r>
+                        <a:rPr lang="en-US" sz="2000">
+                          <a:effectLst/>
+                          <a:latin typeface="Arial" panose="020B0604020202020204" pitchFamily="34" charset="0"/>
+                          <a:ea typeface="Calibri"/>
+                          <a:cs typeface="Arial" panose="020B0604020202020204" pitchFamily="34" charset="0"/>
+                        </a:rPr>
+                        <a:t>2. Xác định và thu thập yêu cầu</a:t>
+                      </a:r>
+                    </a:p>
+                  </a:txBody>
+                  <a:tcPr marL="68580" marR="68580" marT="0" marB="0" anchor="ctr"/>
+                </a:tc>
+                <a:tc>
+                  <a:txBody>
+                    <a:bodyPr/>
+                    <a:lstStyle/>
+                    <a:p>
+                      <a:pPr marL="0" marR="0" algn="just">
+                        <a:lnSpc>
+                          <a:spcPct val="150000"/>
+                        </a:lnSpc>
+                        <a:spcBef>
+                          <a:spcPts val="0"/>
+                        </a:spcBef>
+                        <a:spcAft>
+                          <a:spcPts val="0"/>
+                        </a:spcAft>
+                      </a:pPr>
+                      <a:r>
+                        <a:rPr lang="en-US" sz="2000">
+                          <a:effectLst/>
+                          <a:latin typeface="Arial" panose="020B0604020202020204" pitchFamily="34" charset="0"/>
+                          <a:ea typeface="Calibri"/>
+                          <a:cs typeface="Arial" panose="020B0604020202020204" pitchFamily="34" charset="0"/>
+                        </a:rPr>
+                        <a:t>Khảo sát hiện trạng.</a:t>
+                      </a:r>
+                    </a:p>
+                  </a:txBody>
+                  <a:tcPr marL="68580" marR="68580" marT="0" marB="0"/>
+                </a:tc>
+                <a:tc>
+                  <a:txBody>
+                    <a:bodyPr/>
+                    <a:lstStyle/>
+                    <a:p>
+                      <a:pPr marL="0" marR="0" algn="just">
+                        <a:lnSpc>
+                          <a:spcPct val="150000"/>
+                        </a:lnSpc>
+                        <a:spcBef>
+                          <a:spcPts val="0"/>
+                        </a:spcBef>
+                        <a:spcAft>
+                          <a:spcPts val="0"/>
+                        </a:spcAft>
+                      </a:pPr>
+                      <a:r>
+                        <a:rPr lang="en-US" sz="2000">
+                          <a:effectLst/>
+                          <a:latin typeface="Arial" panose="020B0604020202020204" pitchFamily="34" charset="0"/>
+                          <a:ea typeface="Calibri"/>
+                          <a:cs typeface="Arial" panose="020B0604020202020204" pitchFamily="34" charset="0"/>
+                        </a:rPr>
+                        <a:t>Lợi</a:t>
+                      </a:r>
+                    </a:p>
+                  </a:txBody>
+                  <a:tcPr marL="68580" marR="68580" marT="0" marB="0"/>
+                </a:tc>
+                <a:extLst>
+                  <a:ext uri="{0D108BD9-81ED-4DB2-BD59-A6C34878D82A}">
+                    <a16:rowId xmlns:a16="http://schemas.microsoft.com/office/drawing/2014/main" val="10001"/>
+                  </a:ext>
+                </a:extLst>
+              </a:tr>
+              <a:tr h="207716">
+                <a:tc vMerge="1">
+                  <a:txBody>
+                    <a:bodyPr/>
+                    <a:lstStyle/>
+                    <a:p>
+                      <a:endParaRPr lang="en-US"/>
+                    </a:p>
+                  </a:txBody>
+                  <a:tcPr/>
+                </a:tc>
+                <a:tc>
+                  <a:txBody>
+                    <a:bodyPr/>
+                    <a:lstStyle/>
+                    <a:p>
+                      <a:pPr marL="0" marR="0" algn="just">
+                        <a:lnSpc>
+                          <a:spcPct val="150000"/>
+                        </a:lnSpc>
+                        <a:spcBef>
+                          <a:spcPts val="0"/>
+                        </a:spcBef>
+                        <a:spcAft>
+                          <a:spcPts val="0"/>
+                        </a:spcAft>
+                      </a:pPr>
+                      <a:r>
+                        <a:rPr lang="en-US" sz="2000">
+                          <a:effectLst/>
+                          <a:latin typeface="Arial" panose="020B0604020202020204" pitchFamily="34" charset="0"/>
+                          <a:ea typeface="Calibri"/>
+                          <a:cs typeface="Arial" panose="020B0604020202020204" pitchFamily="34" charset="0"/>
+                        </a:rPr>
+                        <a:t>Xác định yêu cầu chức năng và phi chức năng.</a:t>
+                      </a:r>
+                    </a:p>
+                  </a:txBody>
+                  <a:tcPr marL="68580" marR="68580" marT="0" marB="0"/>
+                </a:tc>
+                <a:tc>
+                  <a:txBody>
+                    <a:bodyPr/>
+                    <a:lstStyle/>
+                    <a:p>
+                      <a:pPr marL="0" marR="0" algn="just">
+                        <a:lnSpc>
+                          <a:spcPct val="150000"/>
+                        </a:lnSpc>
+                        <a:spcBef>
+                          <a:spcPts val="0"/>
+                        </a:spcBef>
+                        <a:spcAft>
+                          <a:spcPts val="0"/>
+                        </a:spcAft>
+                      </a:pPr>
+                      <a:r>
+                        <a:rPr lang="en-US" sz="2000">
+                          <a:effectLst/>
+                          <a:latin typeface="Arial" panose="020B0604020202020204" pitchFamily="34" charset="0"/>
+                          <a:ea typeface="Calibri"/>
+                          <a:cs typeface="Arial" panose="020B0604020202020204" pitchFamily="34" charset="0"/>
+                        </a:rPr>
+                        <a:t>Tất cả</a:t>
+                      </a:r>
+                    </a:p>
+                  </a:txBody>
+                  <a:tcPr marL="68580" marR="68580" marT="0" marB="0"/>
+                </a:tc>
+                <a:extLst>
+                  <a:ext uri="{0D108BD9-81ED-4DB2-BD59-A6C34878D82A}">
+                    <a16:rowId xmlns:a16="http://schemas.microsoft.com/office/drawing/2014/main" val="10002"/>
+                  </a:ext>
+                </a:extLst>
+              </a:tr>
+              <a:tr h="207716">
+                <a:tc vMerge="1">
+                  <a:txBody>
+                    <a:bodyPr/>
+                    <a:lstStyle/>
+                    <a:p>
+                      <a:endParaRPr lang="en-US"/>
+                    </a:p>
+                  </a:txBody>
+                  <a:tcPr/>
+                </a:tc>
+                <a:tc>
+                  <a:txBody>
+                    <a:bodyPr/>
+                    <a:lstStyle/>
+                    <a:p>
+                      <a:pPr marL="0" marR="0" algn="just">
+                        <a:lnSpc>
+                          <a:spcPct val="150000"/>
+                        </a:lnSpc>
+                        <a:spcBef>
+                          <a:spcPts val="0"/>
+                        </a:spcBef>
+                        <a:spcAft>
+                          <a:spcPts val="0"/>
+                        </a:spcAft>
+                      </a:pPr>
+                      <a:r>
+                        <a:rPr lang="en-US" sz="2000">
+                          <a:effectLst/>
+                          <a:latin typeface="Arial" panose="020B0604020202020204" pitchFamily="34" charset="0"/>
+                          <a:ea typeface="Calibri"/>
+                          <a:cs typeface="Arial" panose="020B0604020202020204" pitchFamily="34" charset="0"/>
+                        </a:rPr>
+                        <a:t>BRD, PRD chức năng đăng nhập, đăng xuất, chức năng bán hàng, chức năng thống kê báo cáo theo thời gian.</a:t>
+                      </a:r>
+                    </a:p>
+                  </a:txBody>
+                  <a:tcPr marL="68580" marR="68580" marT="0" marB="0"/>
+                </a:tc>
+                <a:tc>
+                  <a:txBody>
+                    <a:bodyPr/>
+                    <a:lstStyle/>
+                    <a:p>
+                      <a:pPr marL="0" marR="0" algn="just">
+                        <a:lnSpc>
+                          <a:spcPct val="150000"/>
+                        </a:lnSpc>
+                        <a:spcBef>
+                          <a:spcPts val="0"/>
+                        </a:spcBef>
+                        <a:spcAft>
+                          <a:spcPts val="0"/>
+                        </a:spcAft>
+                      </a:pPr>
+                      <a:r>
+                        <a:rPr lang="en-US" sz="2000">
+                          <a:effectLst/>
+                          <a:latin typeface="Arial" panose="020B0604020202020204" pitchFamily="34" charset="0"/>
+                          <a:ea typeface="Calibri"/>
+                          <a:cs typeface="Arial" panose="020B0604020202020204" pitchFamily="34" charset="0"/>
+                        </a:rPr>
+                        <a:t>Hùng</a:t>
+                      </a:r>
+                    </a:p>
+                  </a:txBody>
+                  <a:tcPr marL="68580" marR="68580" marT="0" marB="0"/>
+                </a:tc>
+                <a:extLst>
+                  <a:ext uri="{0D108BD9-81ED-4DB2-BD59-A6C34878D82A}">
+                    <a16:rowId xmlns:a16="http://schemas.microsoft.com/office/drawing/2014/main" val="10003"/>
+                  </a:ext>
+                </a:extLst>
+              </a:tr>
+              <a:tr h="207716">
+                <a:tc vMerge="1">
+                  <a:txBody>
+                    <a:bodyPr/>
+                    <a:lstStyle/>
+                    <a:p>
+                      <a:endParaRPr lang="en-US"/>
+                    </a:p>
+                  </a:txBody>
+                  <a:tcPr/>
+                </a:tc>
+                <a:tc>
+                  <a:txBody>
+                    <a:bodyPr/>
+                    <a:lstStyle/>
+                    <a:p>
+                      <a:pPr marL="0" marR="0" algn="just">
+                        <a:lnSpc>
+                          <a:spcPct val="150000"/>
+                        </a:lnSpc>
+                        <a:spcBef>
+                          <a:spcPts val="0"/>
+                        </a:spcBef>
+                        <a:spcAft>
+                          <a:spcPts val="0"/>
+                        </a:spcAft>
+                      </a:pPr>
+                      <a:r>
+                        <a:rPr lang="en-US" sz="2000">
+                          <a:effectLst/>
+                          <a:latin typeface="Arial" panose="020B0604020202020204" pitchFamily="34" charset="0"/>
+                          <a:ea typeface="Calibri"/>
+                          <a:cs typeface="Arial" panose="020B0604020202020204" pitchFamily="34" charset="0"/>
+                        </a:rPr>
+                        <a:t>BRD, PRD chức năng quản lý thể loại thể sản phẩm, quản lý sản phẩm.</a:t>
+                      </a:r>
+                    </a:p>
+                  </a:txBody>
+                  <a:tcPr marL="68580" marR="68580" marT="0" marB="0"/>
+                </a:tc>
+                <a:tc>
+                  <a:txBody>
+                    <a:bodyPr/>
+                    <a:lstStyle/>
+                    <a:p>
+                      <a:pPr marL="0" marR="0" algn="just">
+                        <a:lnSpc>
+                          <a:spcPct val="150000"/>
+                        </a:lnSpc>
+                        <a:spcBef>
+                          <a:spcPts val="0"/>
+                        </a:spcBef>
+                        <a:spcAft>
+                          <a:spcPts val="0"/>
+                        </a:spcAft>
+                      </a:pPr>
+                      <a:r>
+                        <a:rPr lang="en-US" sz="2000">
+                          <a:effectLst/>
+                          <a:latin typeface="Arial" panose="020B0604020202020204" pitchFamily="34" charset="0"/>
+                          <a:ea typeface="Calibri"/>
+                          <a:cs typeface="Arial" panose="020B0604020202020204" pitchFamily="34" charset="0"/>
+                        </a:rPr>
+                        <a:t>Lợi</a:t>
+                      </a:r>
+                    </a:p>
+                  </a:txBody>
+                  <a:tcPr marL="68580" marR="68580" marT="0" marB="0"/>
+                </a:tc>
+                <a:extLst>
+                  <a:ext uri="{0D108BD9-81ED-4DB2-BD59-A6C34878D82A}">
+                    <a16:rowId xmlns:a16="http://schemas.microsoft.com/office/drawing/2014/main" val="10004"/>
+                  </a:ext>
+                </a:extLst>
+              </a:tr>
+              <a:tr h="207716">
+                <a:tc vMerge="1">
+                  <a:txBody>
+                    <a:bodyPr/>
+                    <a:lstStyle/>
+                    <a:p>
+                      <a:endParaRPr lang="en-US"/>
+                    </a:p>
+                  </a:txBody>
+                  <a:tcPr/>
+                </a:tc>
+                <a:tc>
+                  <a:txBody>
+                    <a:bodyPr/>
+                    <a:lstStyle/>
+                    <a:p>
+                      <a:pPr marL="0" marR="0" algn="just">
+                        <a:lnSpc>
+                          <a:spcPct val="150000"/>
+                        </a:lnSpc>
+                        <a:spcBef>
+                          <a:spcPts val="0"/>
+                        </a:spcBef>
+                        <a:spcAft>
+                          <a:spcPts val="0"/>
+                        </a:spcAft>
+                      </a:pPr>
+                      <a:r>
+                        <a:rPr lang="en-US" sz="2000">
+                          <a:effectLst/>
+                          <a:latin typeface="Arial" panose="020B0604020202020204" pitchFamily="34" charset="0"/>
+                          <a:ea typeface="Calibri"/>
+                          <a:cs typeface="Arial" panose="020B0604020202020204" pitchFamily="34" charset="0"/>
+                        </a:rPr>
+                        <a:t>BRD, PRD chức năng quản lý món thêm, quản lý nhân viên.</a:t>
+                      </a:r>
+                    </a:p>
+                  </a:txBody>
+                  <a:tcPr marL="68580" marR="68580" marT="0" marB="0"/>
+                </a:tc>
+                <a:tc>
+                  <a:txBody>
+                    <a:bodyPr/>
+                    <a:lstStyle/>
+                    <a:p>
+                      <a:pPr marL="0" marR="0" algn="just">
+                        <a:lnSpc>
+                          <a:spcPct val="150000"/>
+                        </a:lnSpc>
+                        <a:spcBef>
+                          <a:spcPts val="0"/>
+                        </a:spcBef>
+                        <a:spcAft>
+                          <a:spcPts val="0"/>
+                        </a:spcAft>
+                      </a:pPr>
+                      <a:r>
+                        <a:rPr lang="en-US" sz="2000">
+                          <a:effectLst/>
+                          <a:latin typeface="Arial" panose="020B0604020202020204" pitchFamily="34" charset="0"/>
+                          <a:ea typeface="Calibri"/>
+                          <a:cs typeface="Arial" panose="020B0604020202020204" pitchFamily="34" charset="0"/>
+                        </a:rPr>
+                        <a:t>Hoàng</a:t>
+                      </a:r>
+                    </a:p>
+                  </a:txBody>
+                  <a:tcPr marL="68580" marR="68580" marT="0" marB="0"/>
+                </a:tc>
+                <a:extLst>
+                  <a:ext uri="{0D108BD9-81ED-4DB2-BD59-A6C34878D82A}">
+                    <a16:rowId xmlns:a16="http://schemas.microsoft.com/office/drawing/2014/main" val="10005"/>
+                  </a:ext>
+                </a:extLst>
+              </a:tr>
+              <a:tr h="207716">
+                <a:tc vMerge="1">
+                  <a:txBody>
+                    <a:bodyPr/>
+                    <a:lstStyle/>
+                    <a:p>
+                      <a:endParaRPr lang="en-US"/>
+                    </a:p>
+                  </a:txBody>
+                  <a:tcPr/>
+                </a:tc>
+                <a:tc>
+                  <a:txBody>
+                    <a:bodyPr/>
+                    <a:lstStyle/>
+                    <a:p>
+                      <a:pPr marL="0" marR="0" algn="just">
+                        <a:lnSpc>
+                          <a:spcPct val="150000"/>
+                        </a:lnSpc>
+                        <a:spcBef>
+                          <a:spcPts val="0"/>
+                        </a:spcBef>
+                        <a:spcAft>
+                          <a:spcPts val="0"/>
+                        </a:spcAft>
+                      </a:pPr>
+                      <a:r>
+                        <a:rPr lang="en-US" sz="2000">
+                          <a:effectLst/>
+                          <a:latin typeface="Arial" panose="020B0604020202020204" pitchFamily="34" charset="0"/>
+                          <a:ea typeface="Calibri"/>
+                          <a:cs typeface="Arial" panose="020B0604020202020204" pitchFamily="34" charset="0"/>
+                        </a:rPr>
+                        <a:t>BRD, PRD chức năng quản lý tài khoản đăng nhập, quản lý đơn hàng.</a:t>
+                      </a:r>
+                    </a:p>
+                  </a:txBody>
+                  <a:tcPr marL="68580" marR="68580" marT="0" marB="0"/>
+                </a:tc>
+                <a:tc>
+                  <a:txBody>
+                    <a:bodyPr/>
+                    <a:lstStyle/>
+                    <a:p>
+                      <a:pPr marL="0" marR="0" algn="just">
+                        <a:lnSpc>
+                          <a:spcPct val="150000"/>
+                        </a:lnSpc>
+                        <a:spcBef>
+                          <a:spcPts val="0"/>
+                        </a:spcBef>
+                        <a:spcAft>
+                          <a:spcPts val="0"/>
+                        </a:spcAft>
+                      </a:pPr>
+                      <a:r>
+                        <a:rPr lang="en-US" sz="2000">
+                          <a:effectLst/>
+                          <a:latin typeface="Arial" panose="020B0604020202020204" pitchFamily="34" charset="0"/>
+                          <a:ea typeface="Calibri"/>
+                          <a:cs typeface="Arial" panose="020B0604020202020204" pitchFamily="34" charset="0"/>
+                        </a:rPr>
+                        <a:t>Trường</a:t>
+                      </a:r>
+                    </a:p>
+                  </a:txBody>
+                  <a:tcPr marL="68580" marR="68580" marT="0" marB="0"/>
+                </a:tc>
+                <a:extLst>
+                  <a:ext uri="{0D108BD9-81ED-4DB2-BD59-A6C34878D82A}">
+                    <a16:rowId xmlns:a16="http://schemas.microsoft.com/office/drawing/2014/main" val="10006"/>
+                  </a:ext>
+                </a:extLst>
+              </a:tr>
+            </a:tbl>
+          </a:graphicData>
+        </a:graphic>
+      </p:graphicFrame>
+    </p:spTree>
+    <p:extLst>
+      <p:ext uri="{BB962C8B-B14F-4D97-AF65-F5344CB8AC3E}">
+        <p14:creationId xmlns:p14="http://schemas.microsoft.com/office/powerpoint/2010/main" val="2369234664"/>
       </p:ext>
     </p:extLst>
   </p:cSld>
@@ -7969,6 +9433,4582 @@
     <p:extLst>
       <p:ext uri="{BB962C8B-B14F-4D97-AF65-F5344CB8AC3E}">
         <p14:creationId xmlns:p14="http://schemas.microsoft.com/office/powerpoint/2010/main" val="2165031363"/>
+      </p:ext>
+    </p:extLst>
+  </p:cSld>
+  <p:clrMapOvr>
+    <a:masterClrMapping/>
+  </p:clrMapOvr>
+  <p:transition spd="slow">
+    <p:wipe/>
+  </p:transition>
+</p:sld>
+</file>
+
+<file path=ppt/slides/slide20.xml><?xml version="1.0" encoding="utf-8"?>
+<p:sld xmlns:a="http://schemas.openxmlformats.org/drawingml/2006/main" xmlns:r="http://schemas.openxmlformats.org/officeDocument/2006/relationships" xmlns:p="http://schemas.openxmlformats.org/presentationml/2006/main">
+  <p:cSld>
+    <p:spTree>
+      <p:nvGrpSpPr>
+        <p:cNvPr id="1" name=""/>
+        <p:cNvGrpSpPr/>
+        <p:nvPr/>
+      </p:nvGrpSpPr>
+      <p:grpSpPr>
+        <a:xfrm>
+          <a:off x="0" y="0"/>
+          <a:ext cx="0" cy="0"/>
+          <a:chOff x="0" y="0"/>
+          <a:chExt cx="0" cy="0"/>
+        </a:xfrm>
+      </p:grpSpPr>
+      <p:pic>
+        <p:nvPicPr>
+          <p:cNvPr id="4" name="Picture 3"/>
+          <p:cNvPicPr>
+            <a:picLocks noChangeAspect="1"/>
+          </p:cNvPicPr>
+          <p:nvPr/>
+        </p:nvPicPr>
+        <p:blipFill>
+          <a:blip r:embed="rId2">
+            <a:extLst>
+              <a:ext uri="{28A0092B-C50C-407E-A947-70E740481C1C}">
+                <a14:useLocalDpi xmlns:a14="http://schemas.microsoft.com/office/drawing/2010/main" val="0"/>
+              </a:ext>
+            </a:extLst>
+          </a:blip>
+          <a:stretch>
+            <a:fillRect/>
+          </a:stretch>
+        </p:blipFill>
+        <p:spPr>
+          <a:xfrm>
+            <a:off x="-9556" y="0"/>
+            <a:ext cx="9153556" cy="6858000"/>
+          </a:xfrm>
+          <a:prstGeom prst="rect">
+            <a:avLst/>
+          </a:prstGeom>
+        </p:spPr>
+      </p:pic>
+      <p:graphicFrame>
+        <p:nvGraphicFramePr>
+          <p:cNvPr id="10" name="Table 9"/>
+          <p:cNvGraphicFramePr>
+            <a:graphicFrameLocks noGrp="1"/>
+          </p:cNvGraphicFramePr>
+          <p:nvPr>
+            <p:extLst>
+              <p:ext uri="{D42A27DB-BD31-4B8C-83A1-F6EECF244321}">
+                <p14:modId xmlns:p14="http://schemas.microsoft.com/office/powerpoint/2010/main" val="2458018577"/>
+              </p:ext>
+            </p:extLst>
+          </p:nvPr>
+        </p:nvGraphicFramePr>
+        <p:xfrm>
+          <a:off x="152401" y="247173"/>
+          <a:ext cx="8686800" cy="5897880"/>
+        </p:xfrm>
+        <a:graphic>
+          <a:graphicData uri="http://schemas.openxmlformats.org/drawingml/2006/table">
+            <a:tbl>
+              <a:tblPr firstRow="1" bandRow="1">
+                <a:tableStyleId>{5C22544A-7EE6-4342-B048-85BDC9FD1C3A}</a:tableStyleId>
+              </a:tblPr>
+              <a:tblGrid>
+                <a:gridCol w="1142999">
+                  <a:extLst>
+                    <a:ext uri="{9D8B030D-6E8A-4147-A177-3AD203B41FA5}">
+                      <a16:colId xmlns:a16="http://schemas.microsoft.com/office/drawing/2014/main" val="20000"/>
+                    </a:ext>
+                  </a:extLst>
+                </a:gridCol>
+                <a:gridCol w="6553200">
+                  <a:extLst>
+                    <a:ext uri="{9D8B030D-6E8A-4147-A177-3AD203B41FA5}">
+                      <a16:colId xmlns:a16="http://schemas.microsoft.com/office/drawing/2014/main" val="20001"/>
+                    </a:ext>
+                  </a:extLst>
+                </a:gridCol>
+                <a:gridCol w="990601">
+                  <a:extLst>
+                    <a:ext uri="{9D8B030D-6E8A-4147-A177-3AD203B41FA5}">
+                      <a16:colId xmlns:a16="http://schemas.microsoft.com/office/drawing/2014/main" val="20002"/>
+                    </a:ext>
+                  </a:extLst>
+                </a:gridCol>
+              </a:tblGrid>
+              <a:tr h="516240">
+                <a:tc>
+                  <a:txBody>
+                    <a:bodyPr/>
+                    <a:lstStyle/>
+                    <a:p>
+                      <a:pPr marL="0" marR="0" algn="ctr">
+                        <a:lnSpc>
+                          <a:spcPct val="100000"/>
+                        </a:lnSpc>
+                        <a:spcBef>
+                          <a:spcPts val="0"/>
+                        </a:spcBef>
+                        <a:spcAft>
+                          <a:spcPts val="0"/>
+                        </a:spcAft>
+                      </a:pPr>
+                      <a:r>
+                        <a:rPr lang="en-US" sz="1800" b="1">
+                          <a:effectLst/>
+                          <a:latin typeface="Arial" panose="020B0604020202020204" pitchFamily="34" charset="0"/>
+                          <a:ea typeface="Calibri"/>
+                          <a:cs typeface="Arial" panose="020B0604020202020204" pitchFamily="34" charset="0"/>
+                        </a:rPr>
+                        <a:t>Chương</a:t>
+                      </a:r>
+                      <a:endParaRPr lang="en-US" sz="1800">
+                        <a:effectLst/>
+                        <a:latin typeface="Arial" panose="020B0604020202020204" pitchFamily="34" charset="0"/>
+                        <a:ea typeface="Calibri"/>
+                        <a:cs typeface="Arial" panose="020B0604020202020204" pitchFamily="34" charset="0"/>
+                      </a:endParaRPr>
+                    </a:p>
+                  </a:txBody>
+                  <a:tcPr marL="68580" marR="68580" marT="0" marB="0"/>
+                </a:tc>
+                <a:tc>
+                  <a:txBody>
+                    <a:bodyPr/>
+                    <a:lstStyle/>
+                    <a:p>
+                      <a:pPr marL="0" marR="0" algn="ctr">
+                        <a:lnSpc>
+                          <a:spcPct val="100000"/>
+                        </a:lnSpc>
+                        <a:spcBef>
+                          <a:spcPts val="0"/>
+                        </a:spcBef>
+                        <a:spcAft>
+                          <a:spcPts val="0"/>
+                        </a:spcAft>
+                      </a:pPr>
+                      <a:r>
+                        <a:rPr lang="en-US" sz="1800" b="1">
+                          <a:effectLst/>
+                          <a:latin typeface="Arial" panose="020B0604020202020204" pitchFamily="34" charset="0"/>
+                          <a:ea typeface="Calibri"/>
+                          <a:cs typeface="Arial" panose="020B0604020202020204" pitchFamily="34" charset="0"/>
+                        </a:rPr>
+                        <a:t>Công việc</a:t>
+                      </a:r>
+                      <a:endParaRPr lang="en-US" sz="1800">
+                        <a:effectLst/>
+                        <a:latin typeface="Arial" panose="020B0604020202020204" pitchFamily="34" charset="0"/>
+                        <a:ea typeface="Calibri"/>
+                        <a:cs typeface="Arial" panose="020B0604020202020204" pitchFamily="34" charset="0"/>
+                      </a:endParaRPr>
+                    </a:p>
+                  </a:txBody>
+                  <a:tcPr marL="68580" marR="68580" marT="0" marB="0"/>
+                </a:tc>
+                <a:tc>
+                  <a:txBody>
+                    <a:bodyPr/>
+                    <a:lstStyle/>
+                    <a:p>
+                      <a:pPr marL="0" marR="0" algn="ctr">
+                        <a:lnSpc>
+                          <a:spcPct val="100000"/>
+                        </a:lnSpc>
+                        <a:spcBef>
+                          <a:spcPts val="0"/>
+                        </a:spcBef>
+                        <a:spcAft>
+                          <a:spcPts val="0"/>
+                        </a:spcAft>
+                      </a:pPr>
+                      <a:r>
+                        <a:rPr lang="vi-VN" sz="1800" b="1">
+                          <a:effectLst/>
+                          <a:latin typeface="Arial" panose="020B0604020202020204" pitchFamily="34" charset="0"/>
+                          <a:ea typeface="Calibri"/>
+                          <a:cs typeface="Arial" panose="020B0604020202020204" pitchFamily="34" charset="0"/>
+                        </a:rPr>
+                        <a:t>T</a:t>
+                      </a:r>
+                      <a:r>
+                        <a:rPr lang="en-US" sz="1800" b="1">
+                          <a:effectLst/>
+                          <a:latin typeface="Arial" panose="020B0604020202020204" pitchFamily="34" charset="0"/>
+                          <a:ea typeface="Calibri"/>
+                          <a:cs typeface="Arial" panose="020B0604020202020204" pitchFamily="34" charset="0"/>
+                        </a:rPr>
+                        <a:t>hực hiện</a:t>
+                      </a:r>
+                      <a:endParaRPr lang="en-US" sz="1800">
+                        <a:effectLst/>
+                        <a:latin typeface="Arial" panose="020B0604020202020204" pitchFamily="34" charset="0"/>
+                        <a:ea typeface="Calibri"/>
+                        <a:cs typeface="Arial" panose="020B0604020202020204" pitchFamily="34" charset="0"/>
+                      </a:endParaRPr>
+                    </a:p>
+                  </a:txBody>
+                  <a:tcPr marL="68580" marR="68580" marT="0" marB="0"/>
+                </a:tc>
+                <a:extLst>
+                  <a:ext uri="{0D108BD9-81ED-4DB2-BD59-A6C34878D82A}">
+                    <a16:rowId xmlns:a16="http://schemas.microsoft.com/office/drawing/2014/main" val="10000"/>
+                  </a:ext>
+                </a:extLst>
+              </a:tr>
+              <a:tr h="380710">
+                <a:tc rowSpan="5">
+                  <a:txBody>
+                    <a:bodyPr/>
+                    <a:lstStyle/>
+                    <a:p>
+                      <a:pPr algn="ctr">
+                        <a:lnSpc>
+                          <a:spcPct val="100000"/>
+                        </a:lnSpc>
+                      </a:pPr>
+                      <a:endParaRPr lang="vi-VN" sz="1800" kern="1200">
+                        <a:solidFill>
+                          <a:schemeClr val="dk1"/>
+                        </a:solidFill>
+                        <a:effectLst/>
+                        <a:latin typeface="+mn-lt"/>
+                        <a:ea typeface="+mn-ea"/>
+                        <a:cs typeface="+mn-cs"/>
+                      </a:endParaRPr>
+                    </a:p>
+                    <a:p>
+                      <a:pPr algn="ctr">
+                        <a:lnSpc>
+                          <a:spcPct val="100000"/>
+                        </a:lnSpc>
+                      </a:pPr>
+                      <a:endParaRPr lang="vi-VN" sz="1800" kern="1200">
+                        <a:solidFill>
+                          <a:schemeClr val="dk1"/>
+                        </a:solidFill>
+                        <a:effectLst/>
+                        <a:latin typeface="+mn-lt"/>
+                        <a:ea typeface="+mn-ea"/>
+                        <a:cs typeface="+mn-cs"/>
+                      </a:endParaRPr>
+                    </a:p>
+                    <a:p>
+                      <a:pPr algn="ctr">
+                        <a:lnSpc>
+                          <a:spcPct val="100000"/>
+                        </a:lnSpc>
+                      </a:pPr>
+                      <a:endParaRPr lang="vi-VN" sz="1800" kern="1200">
+                        <a:solidFill>
+                          <a:schemeClr val="dk1"/>
+                        </a:solidFill>
+                        <a:effectLst/>
+                        <a:latin typeface="+mn-lt"/>
+                        <a:ea typeface="+mn-ea"/>
+                        <a:cs typeface="+mn-cs"/>
+                      </a:endParaRPr>
+                    </a:p>
+                    <a:p>
+                      <a:pPr algn="ctr">
+                        <a:lnSpc>
+                          <a:spcPct val="100000"/>
+                        </a:lnSpc>
+                      </a:pPr>
+                      <a:endParaRPr lang="vi-VN" sz="1800" kern="1200">
+                        <a:solidFill>
+                          <a:schemeClr val="dk1"/>
+                        </a:solidFill>
+                        <a:effectLst/>
+                        <a:latin typeface="+mn-lt"/>
+                        <a:ea typeface="+mn-ea"/>
+                        <a:cs typeface="+mn-cs"/>
+                      </a:endParaRPr>
+                    </a:p>
+                    <a:p>
+                      <a:pPr algn="ctr">
+                        <a:lnSpc>
+                          <a:spcPct val="100000"/>
+                        </a:lnSpc>
+                      </a:pPr>
+                      <a:endParaRPr lang="vi-VN" sz="1800" kern="1200">
+                        <a:solidFill>
+                          <a:schemeClr val="dk1"/>
+                        </a:solidFill>
+                        <a:effectLst/>
+                        <a:latin typeface="+mn-lt"/>
+                        <a:ea typeface="+mn-ea"/>
+                        <a:cs typeface="+mn-cs"/>
+                      </a:endParaRPr>
+                    </a:p>
+                    <a:p>
+                      <a:pPr algn="ctr">
+                        <a:lnSpc>
+                          <a:spcPct val="100000"/>
+                        </a:lnSpc>
+                      </a:pPr>
+                      <a:endParaRPr lang="vi-VN" sz="1800" kern="1200">
+                        <a:solidFill>
+                          <a:schemeClr val="dk1"/>
+                        </a:solidFill>
+                        <a:effectLst/>
+                        <a:latin typeface="+mn-lt"/>
+                        <a:ea typeface="+mn-ea"/>
+                        <a:cs typeface="+mn-cs"/>
+                      </a:endParaRPr>
+                    </a:p>
+                    <a:p>
+                      <a:pPr algn="ctr">
+                        <a:lnSpc>
+                          <a:spcPct val="100000"/>
+                        </a:lnSpc>
+                      </a:pPr>
+                      <a:endParaRPr lang="vi-VN" sz="1800" kern="1200">
+                        <a:solidFill>
+                          <a:schemeClr val="dk1"/>
+                        </a:solidFill>
+                        <a:effectLst/>
+                        <a:latin typeface="Arial" panose="020B0604020202020204" pitchFamily="34" charset="0"/>
+                        <a:ea typeface="+mn-ea"/>
+                        <a:cs typeface="Arial" panose="020B0604020202020204" pitchFamily="34" charset="0"/>
+                      </a:endParaRPr>
+                    </a:p>
+                    <a:p>
+                      <a:pPr algn="ctr">
+                        <a:lnSpc>
+                          <a:spcPct val="100000"/>
+                        </a:lnSpc>
+                      </a:pPr>
+                      <a:r>
+                        <a:rPr lang="en-US" sz="1800" kern="1200">
+                          <a:solidFill>
+                            <a:schemeClr val="dk1"/>
+                          </a:solidFill>
+                          <a:effectLst/>
+                          <a:latin typeface="Arial" panose="020B0604020202020204" pitchFamily="34" charset="0"/>
+                          <a:ea typeface="+mn-ea"/>
+                          <a:cs typeface="Arial" panose="020B0604020202020204" pitchFamily="34" charset="0"/>
+                        </a:rPr>
+                        <a:t>3. Phân tích thiết kế</a:t>
+                      </a:r>
+                      <a:endParaRPr lang="en-US" sz="1800">
+                        <a:latin typeface="Arial" panose="020B0604020202020204" pitchFamily="34" charset="0"/>
+                        <a:cs typeface="Arial" panose="020B0604020202020204" pitchFamily="34" charset="0"/>
+                      </a:endParaRPr>
+                    </a:p>
+                  </a:txBody>
+                  <a:tcPr/>
+                </a:tc>
+                <a:tc>
+                  <a:txBody>
+                    <a:bodyPr/>
+                    <a:lstStyle/>
+                    <a:p>
+                      <a:pPr marL="0" marR="0" algn="just">
+                        <a:lnSpc>
+                          <a:spcPct val="150000"/>
+                        </a:lnSpc>
+                        <a:spcBef>
+                          <a:spcPts val="0"/>
+                        </a:spcBef>
+                        <a:spcAft>
+                          <a:spcPts val="0"/>
+                        </a:spcAft>
+                      </a:pPr>
+                      <a:r>
+                        <a:rPr lang="en-US" sz="1800">
+                          <a:effectLst/>
+                          <a:latin typeface="Arial" panose="020B0604020202020204" pitchFamily="34" charset="0"/>
+                          <a:ea typeface="Calibri"/>
+                          <a:cs typeface="Arial" panose="020B0604020202020204" pitchFamily="34" charset="0"/>
+                        </a:rPr>
+                        <a:t>BFD.</a:t>
+                      </a:r>
+                    </a:p>
+                  </a:txBody>
+                  <a:tcPr marL="68580" marR="68580" marT="0" marB="0"/>
+                </a:tc>
+                <a:tc>
+                  <a:txBody>
+                    <a:bodyPr/>
+                    <a:lstStyle/>
+                    <a:p>
+                      <a:pPr marL="0" marR="0" algn="just">
+                        <a:lnSpc>
+                          <a:spcPct val="150000"/>
+                        </a:lnSpc>
+                        <a:spcBef>
+                          <a:spcPts val="0"/>
+                        </a:spcBef>
+                        <a:spcAft>
+                          <a:spcPts val="0"/>
+                        </a:spcAft>
+                      </a:pPr>
+                      <a:r>
+                        <a:rPr lang="en-US" sz="1800">
+                          <a:effectLst/>
+                          <a:latin typeface="Arial" panose="020B0604020202020204" pitchFamily="34" charset="0"/>
+                          <a:ea typeface="Calibri"/>
+                          <a:cs typeface="Arial" panose="020B0604020202020204" pitchFamily="34" charset="0"/>
+                        </a:rPr>
+                        <a:t>Hùng</a:t>
+                      </a:r>
+                    </a:p>
+                  </a:txBody>
+                  <a:tcPr marL="68580" marR="68580" marT="0" marB="0"/>
+                </a:tc>
+                <a:extLst>
+                  <a:ext uri="{0D108BD9-81ED-4DB2-BD59-A6C34878D82A}">
+                    <a16:rowId xmlns:a16="http://schemas.microsoft.com/office/drawing/2014/main" val="10001"/>
+                  </a:ext>
+                </a:extLst>
+              </a:tr>
+              <a:tr h="419433">
+                <a:tc vMerge="1">
+                  <a:txBody>
+                    <a:bodyPr/>
+                    <a:lstStyle/>
+                    <a:p>
+                      <a:endParaRPr lang="en-US" sz="1600">
+                        <a:latin typeface="Arial" panose="020B0604020202020204" pitchFamily="34" charset="0"/>
+                        <a:cs typeface="Arial" panose="020B0604020202020204" pitchFamily="34" charset="0"/>
+                      </a:endParaRPr>
+                    </a:p>
+                  </a:txBody>
+                  <a:tcPr/>
+                </a:tc>
+                <a:tc>
+                  <a:txBody>
+                    <a:bodyPr/>
+                    <a:lstStyle/>
+                    <a:p>
+                      <a:pPr marL="0" marR="0" algn="just">
+                        <a:lnSpc>
+                          <a:spcPct val="150000"/>
+                        </a:lnSpc>
+                        <a:spcBef>
+                          <a:spcPts val="0"/>
+                        </a:spcBef>
+                        <a:spcAft>
+                          <a:spcPts val="0"/>
+                        </a:spcAft>
+                      </a:pPr>
+                      <a:r>
+                        <a:rPr lang="en-US" sz="1800">
+                          <a:effectLst/>
+                          <a:latin typeface="Arial" panose="020B0604020202020204" pitchFamily="34" charset="0"/>
+                          <a:ea typeface="Calibri"/>
+                          <a:cs typeface="Arial" panose="020B0604020202020204" pitchFamily="34" charset="0"/>
+                        </a:rPr>
+                        <a:t>DFD tổng quát</a:t>
+                      </a:r>
+                      <a:r>
+                        <a:rPr lang="vi-VN" sz="1800">
+                          <a:effectLst/>
+                          <a:latin typeface="Arial" panose="020B0604020202020204" pitchFamily="34" charset="0"/>
+                          <a:ea typeface="Calibri"/>
+                          <a:cs typeface="Arial" panose="020B0604020202020204" pitchFamily="34" charset="0"/>
+                        </a:rPr>
+                        <a:t> </a:t>
+                      </a:r>
+                      <a:r>
+                        <a:rPr lang="en-US" sz="1800">
+                          <a:effectLst/>
+                          <a:latin typeface="Arial" panose="020B0604020202020204" pitchFamily="34" charset="0"/>
+                          <a:ea typeface="Calibri"/>
+                          <a:cs typeface="Arial" panose="020B0604020202020204" pitchFamily="34" charset="0"/>
+                        </a:rPr>
+                        <a:t>từng chức năng tìm kiếm, thêm, sửa thể loại sản phẩm, sản phẩm.</a:t>
+                      </a:r>
+                      <a:endParaRPr lang="vi-VN" sz="1800">
+                        <a:effectLst/>
+                        <a:latin typeface="Arial" panose="020B0604020202020204" pitchFamily="34" charset="0"/>
+                        <a:ea typeface="Calibri"/>
+                        <a:cs typeface="Arial" panose="020B0604020202020204" pitchFamily="34" charset="0"/>
+                      </a:endParaRPr>
+                    </a:p>
+                    <a:p>
+                      <a:pPr marL="0" marR="0" indent="0" algn="just" defTabSz="914400" rtl="0" eaLnBrk="1" fontAlgn="auto" latinLnBrk="0" hangingPunct="1">
+                        <a:lnSpc>
+                          <a:spcPct val="150000"/>
+                        </a:lnSpc>
+                        <a:spcBef>
+                          <a:spcPts val="0"/>
+                        </a:spcBef>
+                        <a:spcAft>
+                          <a:spcPts val="0"/>
+                        </a:spcAft>
+                        <a:buClrTx/>
+                        <a:buSzTx/>
+                        <a:buFontTx/>
+                        <a:buNone/>
+                        <a:tabLst/>
+                        <a:defRPr/>
+                      </a:pPr>
+                      <a:r>
+                        <a:rPr lang="en-US" sz="1800">
+                          <a:effectLst/>
+                          <a:latin typeface="Arial" panose="020B0604020202020204" pitchFamily="34" charset="0"/>
+                          <a:ea typeface="Calibri"/>
+                          <a:cs typeface="Arial" panose="020B0604020202020204" pitchFamily="34" charset="0"/>
+                        </a:rPr>
+                        <a:t>DFD mức 2, 3 quản lý thể loại sản phẩm, quản lý sản phẩm.</a:t>
+                      </a:r>
+                    </a:p>
+                  </a:txBody>
+                  <a:tcPr marL="68580" marR="68580" marT="0" marB="0"/>
+                </a:tc>
+                <a:tc>
+                  <a:txBody>
+                    <a:bodyPr/>
+                    <a:lstStyle/>
+                    <a:p>
+                      <a:pPr marL="0" marR="0" algn="just">
+                        <a:lnSpc>
+                          <a:spcPct val="150000"/>
+                        </a:lnSpc>
+                        <a:spcBef>
+                          <a:spcPts val="0"/>
+                        </a:spcBef>
+                        <a:spcAft>
+                          <a:spcPts val="0"/>
+                        </a:spcAft>
+                      </a:pPr>
+                      <a:r>
+                        <a:rPr lang="en-US" sz="1800">
+                          <a:effectLst/>
+                          <a:latin typeface="Arial" panose="020B0604020202020204" pitchFamily="34" charset="0"/>
+                          <a:ea typeface="Calibri"/>
+                          <a:cs typeface="Arial" panose="020B0604020202020204" pitchFamily="34" charset="0"/>
+                        </a:rPr>
+                        <a:t>Lợi</a:t>
+                      </a:r>
+                    </a:p>
+                  </a:txBody>
+                  <a:tcPr marL="68580" marR="68580" marT="0" marB="0"/>
+                </a:tc>
+                <a:extLst>
+                  <a:ext uri="{0D108BD9-81ED-4DB2-BD59-A6C34878D82A}">
+                    <a16:rowId xmlns:a16="http://schemas.microsoft.com/office/drawing/2014/main" val="10002"/>
+                  </a:ext>
+                </a:extLst>
+              </a:tr>
+              <a:tr h="637037">
+                <a:tc vMerge="1">
+                  <a:txBody>
+                    <a:bodyPr/>
+                    <a:lstStyle/>
+                    <a:p>
+                      <a:endParaRPr lang="en-US" sz="1600">
+                        <a:latin typeface="Arial" panose="020B0604020202020204" pitchFamily="34" charset="0"/>
+                        <a:cs typeface="Arial" panose="020B0604020202020204" pitchFamily="34" charset="0"/>
+                      </a:endParaRPr>
+                    </a:p>
+                  </a:txBody>
+                  <a:tcPr/>
+                </a:tc>
+                <a:tc>
+                  <a:txBody>
+                    <a:bodyPr/>
+                    <a:lstStyle/>
+                    <a:p>
+                      <a:pPr marL="0" marR="0" algn="just">
+                        <a:lnSpc>
+                          <a:spcPct val="150000"/>
+                        </a:lnSpc>
+                        <a:spcBef>
+                          <a:spcPts val="0"/>
+                        </a:spcBef>
+                        <a:spcAft>
+                          <a:spcPts val="0"/>
+                        </a:spcAft>
+                      </a:pPr>
+                      <a:r>
+                        <a:rPr lang="en-US" sz="1800">
+                          <a:effectLst/>
+                          <a:latin typeface="Arial" panose="020B0604020202020204" pitchFamily="34" charset="0"/>
+                          <a:ea typeface="Calibri"/>
+                          <a:cs typeface="Arial" panose="020B0604020202020204" pitchFamily="34" charset="0"/>
+                        </a:rPr>
+                        <a:t>DFD tổng quát từng chức năng tìm kiếm, thêm, sửa món thêm, và tìm kiếm thêm, xóa, sửa, nhân viên.</a:t>
+                      </a:r>
+                      <a:endParaRPr lang="vi-VN" sz="1800">
+                        <a:effectLst/>
+                        <a:latin typeface="Arial" panose="020B0604020202020204" pitchFamily="34" charset="0"/>
+                        <a:ea typeface="Calibri"/>
+                        <a:cs typeface="Arial" panose="020B0604020202020204" pitchFamily="34" charset="0"/>
+                      </a:endParaRPr>
+                    </a:p>
+                    <a:p>
+                      <a:pPr marL="0" marR="0" indent="0" algn="just" defTabSz="914400" rtl="0" eaLnBrk="1" fontAlgn="auto" latinLnBrk="0" hangingPunct="1">
+                        <a:lnSpc>
+                          <a:spcPct val="150000"/>
+                        </a:lnSpc>
+                        <a:spcBef>
+                          <a:spcPts val="0"/>
+                        </a:spcBef>
+                        <a:spcAft>
+                          <a:spcPts val="0"/>
+                        </a:spcAft>
+                        <a:buClrTx/>
+                        <a:buSzTx/>
+                        <a:buFontTx/>
+                        <a:buNone/>
+                        <a:tabLst/>
+                        <a:defRPr/>
+                      </a:pPr>
+                      <a:r>
+                        <a:rPr lang="en-US" sz="1800">
+                          <a:effectLst/>
+                          <a:latin typeface="Arial" panose="020B0604020202020204" pitchFamily="34" charset="0"/>
+                          <a:ea typeface="Calibri"/>
+                          <a:cs typeface="Arial" panose="020B0604020202020204" pitchFamily="34" charset="0"/>
+                        </a:rPr>
+                        <a:t>DFD mức 2, 3 quản lý món thêm, quản lý nhân viên.</a:t>
+                      </a:r>
+                    </a:p>
+                  </a:txBody>
+                  <a:tcPr marL="68580" marR="68580" marT="0" marB="0"/>
+                </a:tc>
+                <a:tc>
+                  <a:txBody>
+                    <a:bodyPr/>
+                    <a:lstStyle/>
+                    <a:p>
+                      <a:pPr marL="0" marR="0" algn="just">
+                        <a:lnSpc>
+                          <a:spcPct val="150000"/>
+                        </a:lnSpc>
+                        <a:spcBef>
+                          <a:spcPts val="0"/>
+                        </a:spcBef>
+                        <a:spcAft>
+                          <a:spcPts val="0"/>
+                        </a:spcAft>
+                      </a:pPr>
+                      <a:r>
+                        <a:rPr lang="en-US" sz="1800">
+                          <a:effectLst/>
+                          <a:latin typeface="Arial" panose="020B0604020202020204" pitchFamily="34" charset="0"/>
+                          <a:ea typeface="Calibri"/>
+                          <a:cs typeface="Arial" panose="020B0604020202020204" pitchFamily="34" charset="0"/>
+                        </a:rPr>
+                        <a:t>Hoàng</a:t>
+                      </a:r>
+                    </a:p>
+                  </a:txBody>
+                  <a:tcPr marL="68580" marR="68580" marT="0" marB="0"/>
+                </a:tc>
+                <a:extLst>
+                  <a:ext uri="{0D108BD9-81ED-4DB2-BD59-A6C34878D82A}">
+                    <a16:rowId xmlns:a16="http://schemas.microsoft.com/office/drawing/2014/main" val="10003"/>
+                  </a:ext>
+                </a:extLst>
+              </a:tr>
+              <a:tr h="637037">
+                <a:tc vMerge="1">
+                  <a:txBody>
+                    <a:bodyPr/>
+                    <a:lstStyle/>
+                    <a:p>
+                      <a:endParaRPr lang="en-US" sz="1600">
+                        <a:latin typeface="Arial" panose="020B0604020202020204" pitchFamily="34" charset="0"/>
+                        <a:cs typeface="Arial" panose="020B0604020202020204" pitchFamily="34" charset="0"/>
+                      </a:endParaRPr>
+                    </a:p>
+                  </a:txBody>
+                  <a:tcPr/>
+                </a:tc>
+                <a:tc>
+                  <a:txBody>
+                    <a:bodyPr/>
+                    <a:lstStyle/>
+                    <a:p>
+                      <a:pPr marL="0" marR="0" algn="just">
+                        <a:lnSpc>
+                          <a:spcPct val="150000"/>
+                        </a:lnSpc>
+                        <a:spcBef>
+                          <a:spcPts val="0"/>
+                        </a:spcBef>
+                        <a:spcAft>
+                          <a:spcPts val="0"/>
+                        </a:spcAft>
+                      </a:pPr>
+                      <a:r>
+                        <a:rPr lang="en-US" sz="1800">
+                          <a:effectLst/>
+                          <a:latin typeface="Arial" panose="020B0604020202020204" pitchFamily="34" charset="0"/>
+                          <a:ea typeface="Calibri"/>
+                          <a:cs typeface="Arial" panose="020B0604020202020204" pitchFamily="34" charset="0"/>
+                        </a:rPr>
+                        <a:t>DFD tổng quát từng chức năng tìm kiếm, thêm, sửa, xóa tài khoản, và tìm kiếm, xóa, in đơn hàng.</a:t>
+                      </a:r>
+                      <a:endParaRPr lang="vi-VN" sz="1800">
+                        <a:effectLst/>
+                        <a:latin typeface="Arial" panose="020B0604020202020204" pitchFamily="34" charset="0"/>
+                        <a:ea typeface="Calibri"/>
+                        <a:cs typeface="Arial" panose="020B0604020202020204" pitchFamily="34" charset="0"/>
+                      </a:endParaRPr>
+                    </a:p>
+                    <a:p>
+                      <a:pPr marL="0" marR="0" indent="0" algn="just" defTabSz="914400" rtl="0" eaLnBrk="1" fontAlgn="auto" latinLnBrk="0" hangingPunct="1">
+                        <a:lnSpc>
+                          <a:spcPct val="150000"/>
+                        </a:lnSpc>
+                        <a:spcBef>
+                          <a:spcPts val="0"/>
+                        </a:spcBef>
+                        <a:spcAft>
+                          <a:spcPts val="0"/>
+                        </a:spcAft>
+                        <a:buClrTx/>
+                        <a:buSzTx/>
+                        <a:buFontTx/>
+                        <a:buNone/>
+                        <a:tabLst/>
+                        <a:defRPr/>
+                      </a:pPr>
+                      <a:r>
+                        <a:rPr lang="en-US" sz="1800">
+                          <a:effectLst/>
+                          <a:latin typeface="Arial" panose="020B0604020202020204" pitchFamily="34" charset="0"/>
+                          <a:ea typeface="Calibri"/>
+                          <a:cs typeface="Arial" panose="020B0604020202020204" pitchFamily="34" charset="0"/>
+                        </a:rPr>
+                        <a:t>DFD mức 2, 3 quản lý tài khoản đăng nhập, quản lý đơn hàng.</a:t>
+                      </a:r>
+                    </a:p>
+                  </a:txBody>
+                  <a:tcPr marL="68580" marR="68580" marT="0" marB="0"/>
+                </a:tc>
+                <a:tc>
+                  <a:txBody>
+                    <a:bodyPr/>
+                    <a:lstStyle/>
+                    <a:p>
+                      <a:pPr marL="0" marR="0" algn="just">
+                        <a:lnSpc>
+                          <a:spcPct val="150000"/>
+                        </a:lnSpc>
+                        <a:spcBef>
+                          <a:spcPts val="0"/>
+                        </a:spcBef>
+                        <a:spcAft>
+                          <a:spcPts val="0"/>
+                        </a:spcAft>
+                      </a:pPr>
+                      <a:r>
+                        <a:rPr lang="en-US" sz="1800">
+                          <a:effectLst/>
+                          <a:latin typeface="Arial" panose="020B0604020202020204" pitchFamily="34" charset="0"/>
+                          <a:ea typeface="Calibri"/>
+                          <a:cs typeface="Arial" panose="020B0604020202020204" pitchFamily="34" charset="0"/>
+                        </a:rPr>
+                        <a:t>Trường</a:t>
+                      </a:r>
+                    </a:p>
+                  </a:txBody>
+                  <a:tcPr marL="68580" marR="68580" marT="0" marB="0"/>
+                </a:tc>
+                <a:extLst>
+                  <a:ext uri="{0D108BD9-81ED-4DB2-BD59-A6C34878D82A}">
+                    <a16:rowId xmlns:a16="http://schemas.microsoft.com/office/drawing/2014/main" val="10004"/>
+                  </a:ext>
+                </a:extLst>
+              </a:tr>
+              <a:tr h="854641">
+                <a:tc vMerge="1">
+                  <a:txBody>
+                    <a:bodyPr/>
+                    <a:lstStyle/>
+                    <a:p>
+                      <a:endParaRPr lang="en-US" sz="1600">
+                        <a:latin typeface="Arial" panose="020B0604020202020204" pitchFamily="34" charset="0"/>
+                        <a:cs typeface="Arial" panose="020B0604020202020204" pitchFamily="34" charset="0"/>
+                      </a:endParaRPr>
+                    </a:p>
+                  </a:txBody>
+                  <a:tcPr/>
+                </a:tc>
+                <a:tc>
+                  <a:txBody>
+                    <a:bodyPr/>
+                    <a:lstStyle/>
+                    <a:p>
+                      <a:pPr marL="0" marR="0" algn="just">
+                        <a:lnSpc>
+                          <a:spcPct val="150000"/>
+                        </a:lnSpc>
+                        <a:spcBef>
+                          <a:spcPts val="0"/>
+                        </a:spcBef>
+                        <a:spcAft>
+                          <a:spcPts val="0"/>
+                        </a:spcAft>
+                      </a:pPr>
+                      <a:r>
+                        <a:rPr lang="en-US" sz="1800">
+                          <a:effectLst/>
+                          <a:latin typeface="Arial" panose="020B0604020202020204" pitchFamily="34" charset="0"/>
+                          <a:ea typeface="Calibri"/>
+                          <a:cs typeface="Arial" panose="020B0604020202020204" pitchFamily="34" charset="0"/>
+                        </a:rPr>
+                        <a:t>DFD tổng quát từng chức năng thống kê sản phẩm, thống kê món thêm, thống kê doanh thu, lập đơn hàng tại bàn, lập đơn hàng mang về, thanh toán đơn hàng tại bàn.</a:t>
+                      </a:r>
+                      <a:endParaRPr lang="vi-VN" sz="1800">
+                        <a:effectLst/>
+                        <a:latin typeface="Arial" panose="020B0604020202020204" pitchFamily="34" charset="0"/>
+                        <a:ea typeface="Calibri"/>
+                        <a:cs typeface="Arial" panose="020B0604020202020204" pitchFamily="34" charset="0"/>
+                      </a:endParaRPr>
+                    </a:p>
+                  </a:txBody>
+                  <a:tcPr marL="68580" marR="68580" marT="0" marB="0"/>
+                </a:tc>
+                <a:tc>
+                  <a:txBody>
+                    <a:bodyPr/>
+                    <a:lstStyle/>
+                    <a:p>
+                      <a:pPr marL="0" marR="0" algn="just">
+                        <a:lnSpc>
+                          <a:spcPct val="150000"/>
+                        </a:lnSpc>
+                        <a:spcBef>
+                          <a:spcPts val="0"/>
+                        </a:spcBef>
+                        <a:spcAft>
+                          <a:spcPts val="0"/>
+                        </a:spcAft>
+                      </a:pPr>
+                      <a:r>
+                        <a:rPr lang="en-US" sz="1800">
+                          <a:effectLst/>
+                          <a:latin typeface="Arial" panose="020B0604020202020204" pitchFamily="34" charset="0"/>
+                          <a:ea typeface="Calibri"/>
+                          <a:cs typeface="Arial" panose="020B0604020202020204" pitchFamily="34" charset="0"/>
+                        </a:rPr>
+                        <a:t>Hùng</a:t>
+                      </a:r>
+                    </a:p>
+                  </a:txBody>
+                  <a:tcPr marL="68580" marR="68580" marT="0" marB="0"/>
+                </a:tc>
+                <a:extLst>
+                  <a:ext uri="{0D108BD9-81ED-4DB2-BD59-A6C34878D82A}">
+                    <a16:rowId xmlns:a16="http://schemas.microsoft.com/office/drawing/2014/main" val="10005"/>
+                  </a:ext>
+                </a:extLst>
+              </a:tr>
+            </a:tbl>
+          </a:graphicData>
+        </a:graphic>
+      </p:graphicFrame>
+    </p:spTree>
+    <p:extLst>
+      <p:ext uri="{BB962C8B-B14F-4D97-AF65-F5344CB8AC3E}">
+        <p14:creationId xmlns:p14="http://schemas.microsoft.com/office/powerpoint/2010/main" val="1002814984"/>
+      </p:ext>
+    </p:extLst>
+  </p:cSld>
+  <p:clrMapOvr>
+    <a:masterClrMapping/>
+  </p:clrMapOvr>
+  <p:transition spd="slow">
+    <p:wipe/>
+  </p:transition>
+</p:sld>
+</file>
+
+<file path=ppt/slides/slide21.xml><?xml version="1.0" encoding="utf-8"?>
+<p:sld xmlns:a="http://schemas.openxmlformats.org/drawingml/2006/main" xmlns:r="http://schemas.openxmlformats.org/officeDocument/2006/relationships" xmlns:p="http://schemas.openxmlformats.org/presentationml/2006/main">
+  <p:cSld>
+    <p:spTree>
+      <p:nvGrpSpPr>
+        <p:cNvPr id="1" name=""/>
+        <p:cNvGrpSpPr/>
+        <p:nvPr/>
+      </p:nvGrpSpPr>
+      <p:grpSpPr>
+        <a:xfrm>
+          <a:off x="0" y="0"/>
+          <a:ext cx="0" cy="0"/>
+          <a:chOff x="0" y="0"/>
+          <a:chExt cx="0" cy="0"/>
+        </a:xfrm>
+      </p:grpSpPr>
+      <p:pic>
+        <p:nvPicPr>
+          <p:cNvPr id="4" name="Picture 3"/>
+          <p:cNvPicPr>
+            <a:picLocks noChangeAspect="1"/>
+          </p:cNvPicPr>
+          <p:nvPr/>
+        </p:nvPicPr>
+        <p:blipFill>
+          <a:blip r:embed="rId2">
+            <a:extLst>
+              <a:ext uri="{28A0092B-C50C-407E-A947-70E740481C1C}">
+                <a14:useLocalDpi xmlns:a14="http://schemas.microsoft.com/office/drawing/2010/main" val="0"/>
+              </a:ext>
+            </a:extLst>
+          </a:blip>
+          <a:stretch>
+            <a:fillRect/>
+          </a:stretch>
+        </p:blipFill>
+        <p:spPr>
+          <a:xfrm>
+            <a:off x="-9556" y="0"/>
+            <a:ext cx="9153556" cy="6858000"/>
+          </a:xfrm>
+          <a:prstGeom prst="rect">
+            <a:avLst/>
+          </a:prstGeom>
+        </p:spPr>
+      </p:pic>
+      <p:graphicFrame>
+        <p:nvGraphicFramePr>
+          <p:cNvPr id="6" name="Table 5"/>
+          <p:cNvGraphicFramePr>
+            <a:graphicFrameLocks noGrp="1"/>
+          </p:cNvGraphicFramePr>
+          <p:nvPr>
+            <p:extLst>
+              <p:ext uri="{D42A27DB-BD31-4B8C-83A1-F6EECF244321}">
+                <p14:modId xmlns:p14="http://schemas.microsoft.com/office/powerpoint/2010/main" val="3805552548"/>
+              </p:ext>
+            </p:extLst>
+          </p:nvPr>
+        </p:nvGraphicFramePr>
+        <p:xfrm>
+          <a:off x="223822" y="203371"/>
+          <a:ext cx="8686799" cy="6451257"/>
+        </p:xfrm>
+        <a:graphic>
+          <a:graphicData uri="http://schemas.openxmlformats.org/drawingml/2006/table">
+            <a:tbl>
+              <a:tblPr firstRow="1" bandRow="1">
+                <a:tableStyleId>{5C22544A-7EE6-4342-B048-85BDC9FD1C3A}</a:tableStyleId>
+              </a:tblPr>
+              <a:tblGrid>
+                <a:gridCol w="1066799">
+                  <a:extLst>
+                    <a:ext uri="{9D8B030D-6E8A-4147-A177-3AD203B41FA5}">
+                      <a16:colId xmlns:a16="http://schemas.microsoft.com/office/drawing/2014/main" val="20000"/>
+                    </a:ext>
+                  </a:extLst>
+                </a:gridCol>
+                <a:gridCol w="6324600">
+                  <a:extLst>
+                    <a:ext uri="{9D8B030D-6E8A-4147-A177-3AD203B41FA5}">
+                      <a16:colId xmlns:a16="http://schemas.microsoft.com/office/drawing/2014/main" val="20001"/>
+                    </a:ext>
+                  </a:extLst>
+                </a:gridCol>
+                <a:gridCol w="1295400">
+                  <a:extLst>
+                    <a:ext uri="{9D8B030D-6E8A-4147-A177-3AD203B41FA5}">
+                      <a16:colId xmlns:a16="http://schemas.microsoft.com/office/drawing/2014/main" val="20002"/>
+                    </a:ext>
+                  </a:extLst>
+                </a:gridCol>
+              </a:tblGrid>
+              <a:tr h="516240">
+                <a:tc>
+                  <a:txBody>
+                    <a:bodyPr/>
+                    <a:lstStyle/>
+                    <a:p>
+                      <a:pPr marL="0" marR="0" algn="ctr">
+                        <a:lnSpc>
+                          <a:spcPct val="150000"/>
+                        </a:lnSpc>
+                        <a:spcBef>
+                          <a:spcPts val="0"/>
+                        </a:spcBef>
+                        <a:spcAft>
+                          <a:spcPts val="0"/>
+                        </a:spcAft>
+                      </a:pPr>
+                      <a:r>
+                        <a:rPr lang="en-US" sz="1800" b="1">
+                          <a:effectLst/>
+                          <a:latin typeface="Arial" panose="020B0604020202020204" pitchFamily="34" charset="0"/>
+                          <a:ea typeface="Calibri"/>
+                          <a:cs typeface="Arial" panose="020B0604020202020204" pitchFamily="34" charset="0"/>
+                        </a:rPr>
+                        <a:t>Chương</a:t>
+                      </a:r>
+                      <a:endParaRPr lang="en-US" sz="1800">
+                        <a:effectLst/>
+                        <a:latin typeface="Arial" panose="020B0604020202020204" pitchFamily="34" charset="0"/>
+                        <a:ea typeface="Calibri"/>
+                        <a:cs typeface="Arial" panose="020B0604020202020204" pitchFamily="34" charset="0"/>
+                      </a:endParaRPr>
+                    </a:p>
+                  </a:txBody>
+                  <a:tcPr marL="68580" marR="68580" marT="0" marB="0"/>
+                </a:tc>
+                <a:tc>
+                  <a:txBody>
+                    <a:bodyPr/>
+                    <a:lstStyle/>
+                    <a:p>
+                      <a:pPr marL="0" marR="0" algn="ctr">
+                        <a:lnSpc>
+                          <a:spcPct val="150000"/>
+                        </a:lnSpc>
+                        <a:spcBef>
+                          <a:spcPts val="0"/>
+                        </a:spcBef>
+                        <a:spcAft>
+                          <a:spcPts val="0"/>
+                        </a:spcAft>
+                      </a:pPr>
+                      <a:r>
+                        <a:rPr lang="en-US" sz="1800" b="1">
+                          <a:effectLst/>
+                          <a:latin typeface="Arial" panose="020B0604020202020204" pitchFamily="34" charset="0"/>
+                          <a:ea typeface="Calibri"/>
+                          <a:cs typeface="Arial" panose="020B0604020202020204" pitchFamily="34" charset="0"/>
+                        </a:rPr>
+                        <a:t>Công việc</a:t>
+                      </a:r>
+                      <a:endParaRPr lang="en-US" sz="1800">
+                        <a:effectLst/>
+                        <a:latin typeface="Arial" panose="020B0604020202020204" pitchFamily="34" charset="0"/>
+                        <a:ea typeface="Calibri"/>
+                        <a:cs typeface="Arial" panose="020B0604020202020204" pitchFamily="34" charset="0"/>
+                      </a:endParaRPr>
+                    </a:p>
+                  </a:txBody>
+                  <a:tcPr marL="68580" marR="68580" marT="0" marB="0"/>
+                </a:tc>
+                <a:tc>
+                  <a:txBody>
+                    <a:bodyPr/>
+                    <a:lstStyle/>
+                    <a:p>
+                      <a:pPr marL="0" marR="0" algn="ctr">
+                        <a:lnSpc>
+                          <a:spcPct val="150000"/>
+                        </a:lnSpc>
+                        <a:spcBef>
+                          <a:spcPts val="0"/>
+                        </a:spcBef>
+                        <a:spcAft>
+                          <a:spcPts val="0"/>
+                        </a:spcAft>
+                      </a:pPr>
+                      <a:r>
+                        <a:rPr lang="vi-VN" sz="1800" b="1">
+                          <a:effectLst/>
+                          <a:latin typeface="Arial" panose="020B0604020202020204" pitchFamily="34" charset="0"/>
+                          <a:ea typeface="Calibri"/>
+                          <a:cs typeface="Arial" panose="020B0604020202020204" pitchFamily="34" charset="0"/>
+                        </a:rPr>
+                        <a:t>T</a:t>
+                      </a:r>
+                      <a:r>
+                        <a:rPr lang="en-US" sz="1800" b="1">
+                          <a:effectLst/>
+                          <a:latin typeface="Arial" panose="020B0604020202020204" pitchFamily="34" charset="0"/>
+                          <a:ea typeface="Calibri"/>
+                          <a:cs typeface="Arial" panose="020B0604020202020204" pitchFamily="34" charset="0"/>
+                        </a:rPr>
+                        <a:t>hực hiện</a:t>
+                      </a:r>
+                      <a:endParaRPr lang="en-US" sz="1800">
+                        <a:effectLst/>
+                        <a:latin typeface="Arial" panose="020B0604020202020204" pitchFamily="34" charset="0"/>
+                        <a:ea typeface="Calibri"/>
+                        <a:cs typeface="Arial" panose="020B0604020202020204" pitchFamily="34" charset="0"/>
+                      </a:endParaRPr>
+                    </a:p>
+                  </a:txBody>
+                  <a:tcPr marL="68580" marR="68580" marT="0" marB="0"/>
+                </a:tc>
+                <a:extLst>
+                  <a:ext uri="{0D108BD9-81ED-4DB2-BD59-A6C34878D82A}">
+                    <a16:rowId xmlns:a16="http://schemas.microsoft.com/office/drawing/2014/main" val="10000"/>
+                  </a:ext>
+                </a:extLst>
+              </a:tr>
+              <a:tr h="380710">
+                <a:tc rowSpan="9">
+                  <a:txBody>
+                    <a:bodyPr/>
+                    <a:lstStyle/>
+                    <a:p>
+                      <a:pPr algn="ctr">
+                        <a:lnSpc>
+                          <a:spcPct val="150000"/>
+                        </a:lnSpc>
+                      </a:pPr>
+                      <a:endParaRPr lang="vi-VN" sz="1800" kern="1200">
+                        <a:solidFill>
+                          <a:schemeClr val="dk1"/>
+                        </a:solidFill>
+                        <a:effectLst/>
+                        <a:latin typeface="+mn-lt"/>
+                        <a:ea typeface="+mn-ea"/>
+                        <a:cs typeface="+mn-cs"/>
+                      </a:endParaRPr>
+                    </a:p>
+                    <a:p>
+                      <a:pPr algn="ctr">
+                        <a:lnSpc>
+                          <a:spcPct val="150000"/>
+                        </a:lnSpc>
+                      </a:pPr>
+                      <a:endParaRPr lang="vi-VN" sz="1800" kern="1200">
+                        <a:solidFill>
+                          <a:schemeClr val="dk1"/>
+                        </a:solidFill>
+                        <a:effectLst/>
+                        <a:latin typeface="+mn-lt"/>
+                        <a:ea typeface="+mn-ea"/>
+                        <a:cs typeface="+mn-cs"/>
+                      </a:endParaRPr>
+                    </a:p>
+                    <a:p>
+                      <a:pPr algn="ctr">
+                        <a:lnSpc>
+                          <a:spcPct val="150000"/>
+                        </a:lnSpc>
+                      </a:pPr>
+                      <a:endParaRPr lang="vi-VN" sz="1800" kern="1200">
+                        <a:solidFill>
+                          <a:schemeClr val="dk1"/>
+                        </a:solidFill>
+                        <a:effectLst/>
+                        <a:latin typeface="+mn-lt"/>
+                        <a:ea typeface="+mn-ea"/>
+                        <a:cs typeface="+mn-cs"/>
+                      </a:endParaRPr>
+                    </a:p>
+                    <a:p>
+                      <a:pPr algn="ctr">
+                        <a:lnSpc>
+                          <a:spcPct val="150000"/>
+                        </a:lnSpc>
+                      </a:pPr>
+                      <a:endParaRPr lang="vi-VN" sz="1800" kern="1200">
+                        <a:solidFill>
+                          <a:schemeClr val="dk1"/>
+                        </a:solidFill>
+                        <a:effectLst/>
+                        <a:latin typeface="+mn-lt"/>
+                        <a:ea typeface="+mn-ea"/>
+                        <a:cs typeface="+mn-cs"/>
+                      </a:endParaRPr>
+                    </a:p>
+                    <a:p>
+                      <a:pPr algn="ctr">
+                        <a:lnSpc>
+                          <a:spcPct val="150000"/>
+                        </a:lnSpc>
+                      </a:pPr>
+                      <a:endParaRPr lang="vi-VN" sz="1800" kern="1200">
+                        <a:solidFill>
+                          <a:schemeClr val="dk1"/>
+                        </a:solidFill>
+                        <a:effectLst/>
+                        <a:latin typeface="Arial" panose="020B0604020202020204" pitchFamily="34" charset="0"/>
+                        <a:ea typeface="+mn-ea"/>
+                        <a:cs typeface="Arial" panose="020B0604020202020204" pitchFamily="34" charset="0"/>
+                      </a:endParaRPr>
+                    </a:p>
+                    <a:p>
+                      <a:pPr algn="ctr">
+                        <a:lnSpc>
+                          <a:spcPct val="150000"/>
+                        </a:lnSpc>
+                      </a:pPr>
+                      <a:r>
+                        <a:rPr lang="en-US" sz="1800" kern="1200">
+                          <a:solidFill>
+                            <a:schemeClr val="dk1"/>
+                          </a:solidFill>
+                          <a:effectLst/>
+                          <a:latin typeface="Arial" panose="020B0604020202020204" pitchFamily="34" charset="0"/>
+                          <a:ea typeface="+mn-ea"/>
+                          <a:cs typeface="Arial" panose="020B0604020202020204" pitchFamily="34" charset="0"/>
+                        </a:rPr>
+                        <a:t>3. Phân tích thiết kế</a:t>
+                      </a:r>
+                      <a:endParaRPr lang="en-US" sz="1800">
+                        <a:latin typeface="Arial" panose="020B0604020202020204" pitchFamily="34" charset="0"/>
+                        <a:cs typeface="Arial" panose="020B0604020202020204" pitchFamily="34" charset="0"/>
+                      </a:endParaRPr>
+                    </a:p>
+                  </a:txBody>
+                  <a:tcPr/>
+                </a:tc>
+                <a:tc>
+                  <a:txBody>
+                    <a:bodyPr/>
+                    <a:lstStyle/>
+                    <a:p>
+                      <a:pPr marL="0" marR="0" algn="just">
+                        <a:lnSpc>
+                          <a:spcPct val="150000"/>
+                        </a:lnSpc>
+                        <a:spcBef>
+                          <a:spcPts val="0"/>
+                        </a:spcBef>
+                        <a:spcAft>
+                          <a:spcPts val="0"/>
+                        </a:spcAft>
+                      </a:pPr>
+                      <a:r>
+                        <a:rPr lang="en-US" sz="1800">
+                          <a:effectLst/>
+                          <a:latin typeface="Arial" panose="020B0604020202020204" pitchFamily="34" charset="0"/>
+                          <a:ea typeface="Calibri"/>
+                          <a:cs typeface="Arial" panose="020B0604020202020204" pitchFamily="34" charset="0"/>
+                        </a:rPr>
+                        <a:t>Usecase và đặc tả chức năng quản lý thể loại sản phẩm, quản lý sản phẩm.</a:t>
+                      </a:r>
+                    </a:p>
+                  </a:txBody>
+                  <a:tcPr marL="68580" marR="68580" marT="0" marB="0"/>
+                </a:tc>
+                <a:tc>
+                  <a:txBody>
+                    <a:bodyPr/>
+                    <a:lstStyle/>
+                    <a:p>
+                      <a:pPr marL="0" marR="0" algn="just">
+                        <a:lnSpc>
+                          <a:spcPct val="150000"/>
+                        </a:lnSpc>
+                        <a:spcBef>
+                          <a:spcPts val="0"/>
+                        </a:spcBef>
+                        <a:spcAft>
+                          <a:spcPts val="0"/>
+                        </a:spcAft>
+                      </a:pPr>
+                      <a:r>
+                        <a:rPr lang="en-US" sz="1800">
+                          <a:effectLst/>
+                          <a:latin typeface="Arial" panose="020B0604020202020204" pitchFamily="34" charset="0"/>
+                          <a:ea typeface="Calibri"/>
+                          <a:cs typeface="Arial" panose="020B0604020202020204" pitchFamily="34" charset="0"/>
+                        </a:rPr>
+                        <a:t>Lợi, Phúc</a:t>
+                      </a:r>
+                    </a:p>
+                  </a:txBody>
+                  <a:tcPr marL="68580" marR="68580" marT="0" marB="0"/>
+                </a:tc>
+                <a:extLst>
+                  <a:ext uri="{0D108BD9-81ED-4DB2-BD59-A6C34878D82A}">
+                    <a16:rowId xmlns:a16="http://schemas.microsoft.com/office/drawing/2014/main" val="10001"/>
+                  </a:ext>
+                </a:extLst>
+              </a:tr>
+              <a:tr h="419433">
+                <a:tc vMerge="1">
+                  <a:txBody>
+                    <a:bodyPr/>
+                    <a:lstStyle/>
+                    <a:p>
+                      <a:endParaRPr lang="en-US" sz="1600">
+                        <a:latin typeface="Arial" panose="020B0604020202020204" pitchFamily="34" charset="0"/>
+                        <a:cs typeface="Arial" panose="020B0604020202020204" pitchFamily="34" charset="0"/>
+                      </a:endParaRPr>
+                    </a:p>
+                  </a:txBody>
+                  <a:tcPr/>
+                </a:tc>
+                <a:tc>
+                  <a:txBody>
+                    <a:bodyPr/>
+                    <a:lstStyle/>
+                    <a:p>
+                      <a:pPr marL="0" marR="0" algn="just">
+                        <a:lnSpc>
+                          <a:spcPct val="150000"/>
+                        </a:lnSpc>
+                        <a:spcBef>
+                          <a:spcPts val="0"/>
+                        </a:spcBef>
+                        <a:spcAft>
+                          <a:spcPts val="0"/>
+                        </a:spcAft>
+                      </a:pPr>
+                      <a:r>
+                        <a:rPr lang="en-US" sz="1800">
+                          <a:effectLst/>
+                          <a:latin typeface="Arial" panose="020B0604020202020204" pitchFamily="34" charset="0"/>
+                          <a:ea typeface="Calibri"/>
+                          <a:cs typeface="Arial" panose="020B0604020202020204" pitchFamily="34" charset="0"/>
+                        </a:rPr>
+                        <a:t>Usecase và đặc tả chức năng quản lý món thêm, quản lý nhân viên.</a:t>
+                      </a:r>
+                    </a:p>
+                  </a:txBody>
+                  <a:tcPr marL="68580" marR="68580" marT="0" marB="0"/>
+                </a:tc>
+                <a:tc>
+                  <a:txBody>
+                    <a:bodyPr/>
+                    <a:lstStyle/>
+                    <a:p>
+                      <a:pPr marL="0" marR="0" algn="just">
+                        <a:lnSpc>
+                          <a:spcPct val="150000"/>
+                        </a:lnSpc>
+                        <a:spcBef>
+                          <a:spcPts val="0"/>
+                        </a:spcBef>
+                        <a:spcAft>
+                          <a:spcPts val="0"/>
+                        </a:spcAft>
+                      </a:pPr>
+                      <a:r>
+                        <a:rPr lang="en-US" sz="1800">
+                          <a:effectLst/>
+                          <a:latin typeface="Arial" panose="020B0604020202020204" pitchFamily="34" charset="0"/>
+                          <a:ea typeface="Calibri"/>
+                          <a:cs typeface="Arial" panose="020B0604020202020204" pitchFamily="34" charset="0"/>
+                        </a:rPr>
+                        <a:t>Hoàng, Phúc</a:t>
+                      </a:r>
+                    </a:p>
+                  </a:txBody>
+                  <a:tcPr marL="68580" marR="68580" marT="0" marB="0"/>
+                </a:tc>
+                <a:extLst>
+                  <a:ext uri="{0D108BD9-81ED-4DB2-BD59-A6C34878D82A}">
+                    <a16:rowId xmlns:a16="http://schemas.microsoft.com/office/drawing/2014/main" val="10002"/>
+                  </a:ext>
+                </a:extLst>
+              </a:tr>
+              <a:tr h="637037">
+                <a:tc vMerge="1">
+                  <a:txBody>
+                    <a:bodyPr/>
+                    <a:lstStyle/>
+                    <a:p>
+                      <a:endParaRPr lang="en-US" sz="1600">
+                        <a:latin typeface="Arial" panose="020B0604020202020204" pitchFamily="34" charset="0"/>
+                        <a:cs typeface="Arial" panose="020B0604020202020204" pitchFamily="34" charset="0"/>
+                      </a:endParaRPr>
+                    </a:p>
+                  </a:txBody>
+                  <a:tcPr/>
+                </a:tc>
+                <a:tc>
+                  <a:txBody>
+                    <a:bodyPr/>
+                    <a:lstStyle/>
+                    <a:p>
+                      <a:pPr marL="0" marR="0" algn="just">
+                        <a:lnSpc>
+                          <a:spcPct val="150000"/>
+                        </a:lnSpc>
+                        <a:spcBef>
+                          <a:spcPts val="0"/>
+                        </a:spcBef>
+                        <a:spcAft>
+                          <a:spcPts val="0"/>
+                        </a:spcAft>
+                      </a:pPr>
+                      <a:r>
+                        <a:rPr lang="en-US" sz="1800">
+                          <a:effectLst/>
+                          <a:latin typeface="Arial" panose="020B0604020202020204" pitchFamily="34" charset="0"/>
+                          <a:ea typeface="Calibri"/>
+                          <a:cs typeface="Arial" panose="020B0604020202020204" pitchFamily="34" charset="0"/>
+                        </a:rPr>
+                        <a:t>Usecase và đặc tả chức năng quản lý đơn hàng, tài khoản đăng nhập.</a:t>
+                      </a:r>
+                    </a:p>
+                  </a:txBody>
+                  <a:tcPr marL="68580" marR="68580" marT="0" marB="0"/>
+                </a:tc>
+                <a:tc>
+                  <a:txBody>
+                    <a:bodyPr/>
+                    <a:lstStyle/>
+                    <a:p>
+                      <a:pPr marL="0" marR="0" algn="just">
+                        <a:lnSpc>
+                          <a:spcPct val="150000"/>
+                        </a:lnSpc>
+                        <a:spcBef>
+                          <a:spcPts val="0"/>
+                        </a:spcBef>
+                        <a:spcAft>
+                          <a:spcPts val="0"/>
+                        </a:spcAft>
+                      </a:pPr>
+                      <a:r>
+                        <a:rPr lang="en-US" sz="1800">
+                          <a:effectLst/>
+                          <a:latin typeface="Arial" panose="020B0604020202020204" pitchFamily="34" charset="0"/>
+                          <a:ea typeface="Calibri"/>
+                          <a:cs typeface="Arial" panose="020B0604020202020204" pitchFamily="34" charset="0"/>
+                        </a:rPr>
+                        <a:t>Trường</a:t>
+                      </a:r>
+                    </a:p>
+                  </a:txBody>
+                  <a:tcPr marL="68580" marR="68580" marT="0" marB="0"/>
+                </a:tc>
+                <a:extLst>
+                  <a:ext uri="{0D108BD9-81ED-4DB2-BD59-A6C34878D82A}">
+                    <a16:rowId xmlns:a16="http://schemas.microsoft.com/office/drawing/2014/main" val="10003"/>
+                  </a:ext>
+                </a:extLst>
+              </a:tr>
+              <a:tr h="637037">
+                <a:tc vMerge="1">
+                  <a:txBody>
+                    <a:bodyPr/>
+                    <a:lstStyle/>
+                    <a:p>
+                      <a:endParaRPr lang="en-US" sz="1600">
+                        <a:latin typeface="Arial" panose="020B0604020202020204" pitchFamily="34" charset="0"/>
+                        <a:cs typeface="Arial" panose="020B0604020202020204" pitchFamily="34" charset="0"/>
+                      </a:endParaRPr>
+                    </a:p>
+                  </a:txBody>
+                  <a:tcPr/>
+                </a:tc>
+                <a:tc>
+                  <a:txBody>
+                    <a:bodyPr/>
+                    <a:lstStyle/>
+                    <a:p>
+                      <a:pPr marL="0" marR="0" algn="just">
+                        <a:lnSpc>
+                          <a:spcPct val="150000"/>
+                        </a:lnSpc>
+                        <a:spcBef>
+                          <a:spcPts val="0"/>
+                        </a:spcBef>
+                        <a:spcAft>
+                          <a:spcPts val="0"/>
+                        </a:spcAft>
+                      </a:pPr>
+                      <a:r>
+                        <a:rPr lang="en-US" sz="1800">
+                          <a:effectLst/>
+                          <a:latin typeface="Arial" panose="020B0604020202020204" pitchFamily="34" charset="0"/>
+                          <a:ea typeface="Calibri"/>
+                          <a:cs typeface="Arial" panose="020B0604020202020204" pitchFamily="34" charset="0"/>
+                        </a:rPr>
+                        <a:t>Usecase và đặc tả chức năng bán hàng, thống kê báo cáo, đăng nhập, đăng xuất. Usecase tổng quát.</a:t>
+                      </a:r>
+                    </a:p>
+                  </a:txBody>
+                  <a:tcPr marL="68580" marR="68580" marT="0" marB="0"/>
+                </a:tc>
+                <a:tc>
+                  <a:txBody>
+                    <a:bodyPr/>
+                    <a:lstStyle/>
+                    <a:p>
+                      <a:pPr marL="0" marR="0" algn="just">
+                        <a:lnSpc>
+                          <a:spcPct val="150000"/>
+                        </a:lnSpc>
+                        <a:spcBef>
+                          <a:spcPts val="0"/>
+                        </a:spcBef>
+                        <a:spcAft>
+                          <a:spcPts val="0"/>
+                        </a:spcAft>
+                      </a:pPr>
+                      <a:r>
+                        <a:rPr lang="en-US" sz="1800">
+                          <a:effectLst/>
+                          <a:latin typeface="Arial" panose="020B0604020202020204" pitchFamily="34" charset="0"/>
+                          <a:ea typeface="Calibri"/>
+                          <a:cs typeface="Arial" panose="020B0604020202020204" pitchFamily="34" charset="0"/>
+                        </a:rPr>
+                        <a:t>Hùng</a:t>
+                      </a:r>
+                    </a:p>
+                  </a:txBody>
+                  <a:tcPr marL="68580" marR="68580" marT="0" marB="0"/>
+                </a:tc>
+                <a:extLst>
+                  <a:ext uri="{0D108BD9-81ED-4DB2-BD59-A6C34878D82A}">
+                    <a16:rowId xmlns:a16="http://schemas.microsoft.com/office/drawing/2014/main" val="10004"/>
+                  </a:ext>
+                </a:extLst>
+              </a:tr>
+              <a:tr h="854641">
+                <a:tc vMerge="1">
+                  <a:txBody>
+                    <a:bodyPr/>
+                    <a:lstStyle/>
+                    <a:p>
+                      <a:endParaRPr lang="en-US" sz="1600">
+                        <a:latin typeface="Arial" panose="020B0604020202020204" pitchFamily="34" charset="0"/>
+                        <a:cs typeface="Arial" panose="020B0604020202020204" pitchFamily="34" charset="0"/>
+                      </a:endParaRPr>
+                    </a:p>
+                  </a:txBody>
+                  <a:tcPr/>
+                </a:tc>
+                <a:tc>
+                  <a:txBody>
+                    <a:bodyPr/>
+                    <a:lstStyle/>
+                    <a:p>
+                      <a:pPr marL="0" marR="0" algn="just">
+                        <a:lnSpc>
+                          <a:spcPct val="150000"/>
+                        </a:lnSpc>
+                        <a:spcBef>
+                          <a:spcPts val="0"/>
+                        </a:spcBef>
+                        <a:spcAft>
+                          <a:spcPts val="0"/>
+                        </a:spcAft>
+                      </a:pPr>
+                      <a:r>
+                        <a:rPr lang="en-US" sz="1800">
+                          <a:effectLst/>
+                          <a:latin typeface="Arial" panose="020B0604020202020204" pitchFamily="34" charset="0"/>
+                          <a:ea typeface="Calibri"/>
+                          <a:cs typeface="Arial" panose="020B0604020202020204" pitchFamily="34" charset="0"/>
+                        </a:rPr>
+                        <a:t>Sequence chức năng quản lý thể loại sản phẩm, quản lý sản phẩm.</a:t>
+                      </a:r>
+                    </a:p>
+                  </a:txBody>
+                  <a:tcPr marL="68580" marR="68580" marT="0" marB="0"/>
+                </a:tc>
+                <a:tc>
+                  <a:txBody>
+                    <a:bodyPr/>
+                    <a:lstStyle/>
+                    <a:p>
+                      <a:pPr marL="0" marR="0" algn="just">
+                        <a:lnSpc>
+                          <a:spcPct val="150000"/>
+                        </a:lnSpc>
+                        <a:spcBef>
+                          <a:spcPts val="0"/>
+                        </a:spcBef>
+                        <a:spcAft>
+                          <a:spcPts val="0"/>
+                        </a:spcAft>
+                      </a:pPr>
+                      <a:r>
+                        <a:rPr lang="en-US" sz="1800">
+                          <a:effectLst/>
+                          <a:latin typeface="Arial" panose="020B0604020202020204" pitchFamily="34" charset="0"/>
+                          <a:ea typeface="Calibri"/>
+                          <a:cs typeface="Arial" panose="020B0604020202020204" pitchFamily="34" charset="0"/>
+                        </a:rPr>
+                        <a:t>Lợi</a:t>
+                      </a:r>
+                    </a:p>
+                  </a:txBody>
+                  <a:tcPr marL="68580" marR="68580" marT="0" marB="0"/>
+                </a:tc>
+                <a:extLst>
+                  <a:ext uri="{0D108BD9-81ED-4DB2-BD59-A6C34878D82A}">
+                    <a16:rowId xmlns:a16="http://schemas.microsoft.com/office/drawing/2014/main" val="10005"/>
+                  </a:ext>
+                </a:extLst>
+              </a:tr>
+              <a:tr h="380710">
+                <a:tc vMerge="1">
+                  <a:txBody>
+                    <a:bodyPr/>
+                    <a:lstStyle/>
+                    <a:p>
+                      <a:endParaRPr lang="en-US" sz="1600">
+                        <a:latin typeface="Arial" panose="020B0604020202020204" pitchFamily="34" charset="0"/>
+                        <a:cs typeface="Arial" panose="020B0604020202020204" pitchFamily="34" charset="0"/>
+                      </a:endParaRPr>
+                    </a:p>
+                  </a:txBody>
+                  <a:tcPr/>
+                </a:tc>
+                <a:tc>
+                  <a:txBody>
+                    <a:bodyPr/>
+                    <a:lstStyle/>
+                    <a:p>
+                      <a:pPr marL="0" marR="0" algn="just">
+                        <a:lnSpc>
+                          <a:spcPct val="150000"/>
+                        </a:lnSpc>
+                        <a:spcBef>
+                          <a:spcPts val="0"/>
+                        </a:spcBef>
+                        <a:spcAft>
+                          <a:spcPts val="0"/>
+                        </a:spcAft>
+                      </a:pPr>
+                      <a:r>
+                        <a:rPr lang="en-US" sz="1800">
+                          <a:effectLst/>
+                          <a:latin typeface="Arial" panose="020B0604020202020204" pitchFamily="34" charset="0"/>
+                          <a:ea typeface="Calibri"/>
+                          <a:cs typeface="Arial" panose="020B0604020202020204" pitchFamily="34" charset="0"/>
+                        </a:rPr>
+                        <a:t>Sequence chức năng quản lý món thêm, quản lý nhân viên.</a:t>
+                      </a:r>
+                    </a:p>
+                  </a:txBody>
+                  <a:tcPr marL="68580" marR="68580" marT="0" marB="0"/>
+                </a:tc>
+                <a:tc>
+                  <a:txBody>
+                    <a:bodyPr/>
+                    <a:lstStyle/>
+                    <a:p>
+                      <a:pPr marL="0" marR="0" algn="just">
+                        <a:lnSpc>
+                          <a:spcPct val="150000"/>
+                        </a:lnSpc>
+                        <a:spcBef>
+                          <a:spcPts val="0"/>
+                        </a:spcBef>
+                        <a:spcAft>
+                          <a:spcPts val="0"/>
+                        </a:spcAft>
+                      </a:pPr>
+                      <a:r>
+                        <a:rPr lang="en-US" sz="1800">
+                          <a:effectLst/>
+                          <a:latin typeface="Arial" panose="020B0604020202020204" pitchFamily="34" charset="0"/>
+                          <a:ea typeface="Calibri"/>
+                          <a:cs typeface="Arial" panose="020B0604020202020204" pitchFamily="34" charset="0"/>
+                        </a:rPr>
+                        <a:t>Hoàng</a:t>
+                      </a:r>
+                    </a:p>
+                  </a:txBody>
+                  <a:tcPr marL="68580" marR="68580" marT="0" marB="0"/>
+                </a:tc>
+                <a:extLst>
+                  <a:ext uri="{0D108BD9-81ED-4DB2-BD59-A6C34878D82A}">
+                    <a16:rowId xmlns:a16="http://schemas.microsoft.com/office/drawing/2014/main" val="10006"/>
+                  </a:ext>
+                </a:extLst>
+              </a:tr>
+              <a:tr h="419433">
+                <a:tc vMerge="1">
+                  <a:txBody>
+                    <a:bodyPr/>
+                    <a:lstStyle/>
+                    <a:p>
+                      <a:endParaRPr lang="en-US" sz="1600">
+                        <a:latin typeface="Arial" panose="020B0604020202020204" pitchFamily="34" charset="0"/>
+                        <a:cs typeface="Arial" panose="020B0604020202020204" pitchFamily="34" charset="0"/>
+                      </a:endParaRPr>
+                    </a:p>
+                  </a:txBody>
+                  <a:tcPr/>
+                </a:tc>
+                <a:tc>
+                  <a:txBody>
+                    <a:bodyPr/>
+                    <a:lstStyle/>
+                    <a:p>
+                      <a:pPr marL="0" marR="0" algn="just">
+                        <a:lnSpc>
+                          <a:spcPct val="150000"/>
+                        </a:lnSpc>
+                        <a:spcBef>
+                          <a:spcPts val="0"/>
+                        </a:spcBef>
+                        <a:spcAft>
+                          <a:spcPts val="0"/>
+                        </a:spcAft>
+                      </a:pPr>
+                      <a:r>
+                        <a:rPr lang="en-US" sz="1800">
+                          <a:effectLst/>
+                          <a:latin typeface="Arial" panose="020B0604020202020204" pitchFamily="34" charset="0"/>
+                          <a:ea typeface="Calibri"/>
+                          <a:cs typeface="Arial" panose="020B0604020202020204" pitchFamily="34" charset="0"/>
+                        </a:rPr>
+                        <a:t>Sequence chức năng quản lý đơn hàng, tài khoản đăng nhập.</a:t>
+                      </a:r>
+                    </a:p>
+                  </a:txBody>
+                  <a:tcPr marL="68580" marR="68580" marT="0" marB="0"/>
+                </a:tc>
+                <a:tc>
+                  <a:txBody>
+                    <a:bodyPr/>
+                    <a:lstStyle/>
+                    <a:p>
+                      <a:pPr marL="0" marR="0" algn="just">
+                        <a:lnSpc>
+                          <a:spcPct val="150000"/>
+                        </a:lnSpc>
+                        <a:spcBef>
+                          <a:spcPts val="0"/>
+                        </a:spcBef>
+                        <a:spcAft>
+                          <a:spcPts val="0"/>
+                        </a:spcAft>
+                      </a:pPr>
+                      <a:r>
+                        <a:rPr lang="en-US" sz="1800">
+                          <a:effectLst/>
+                          <a:latin typeface="Arial" panose="020B0604020202020204" pitchFamily="34" charset="0"/>
+                          <a:ea typeface="Calibri"/>
+                          <a:cs typeface="Arial" panose="020B0604020202020204" pitchFamily="34" charset="0"/>
+                        </a:rPr>
+                        <a:t>Trường</a:t>
+                      </a:r>
+                    </a:p>
+                  </a:txBody>
+                  <a:tcPr marL="68580" marR="68580" marT="0" marB="0"/>
+                </a:tc>
+                <a:extLst>
+                  <a:ext uri="{0D108BD9-81ED-4DB2-BD59-A6C34878D82A}">
+                    <a16:rowId xmlns:a16="http://schemas.microsoft.com/office/drawing/2014/main" val="10007"/>
+                  </a:ext>
+                </a:extLst>
+              </a:tr>
+              <a:tr h="419433">
+                <a:tc vMerge="1">
+                  <a:txBody>
+                    <a:bodyPr/>
+                    <a:lstStyle/>
+                    <a:p>
+                      <a:endParaRPr lang="en-US" sz="1600">
+                        <a:latin typeface="Arial" panose="020B0604020202020204" pitchFamily="34" charset="0"/>
+                        <a:cs typeface="Arial" panose="020B0604020202020204" pitchFamily="34" charset="0"/>
+                      </a:endParaRPr>
+                    </a:p>
+                  </a:txBody>
+                  <a:tcPr/>
+                </a:tc>
+                <a:tc>
+                  <a:txBody>
+                    <a:bodyPr/>
+                    <a:lstStyle/>
+                    <a:p>
+                      <a:pPr marL="0" marR="0" algn="just">
+                        <a:lnSpc>
+                          <a:spcPct val="150000"/>
+                        </a:lnSpc>
+                        <a:spcBef>
+                          <a:spcPts val="0"/>
+                        </a:spcBef>
+                        <a:spcAft>
+                          <a:spcPts val="0"/>
+                        </a:spcAft>
+                      </a:pPr>
+                      <a:r>
+                        <a:rPr lang="en-US" sz="1800">
+                          <a:effectLst/>
+                          <a:latin typeface="Arial" panose="020B0604020202020204" pitchFamily="34" charset="0"/>
+                          <a:ea typeface="Calibri"/>
+                          <a:cs typeface="Arial" panose="020B0604020202020204" pitchFamily="34" charset="0"/>
+                        </a:rPr>
+                        <a:t>Sequence chức năng bán hàng, đăng nhập.</a:t>
+                      </a:r>
+                    </a:p>
+                  </a:txBody>
+                  <a:tcPr marL="68580" marR="68580" marT="0" marB="0"/>
+                </a:tc>
+                <a:tc>
+                  <a:txBody>
+                    <a:bodyPr/>
+                    <a:lstStyle/>
+                    <a:p>
+                      <a:pPr marL="0" marR="0" algn="just">
+                        <a:lnSpc>
+                          <a:spcPct val="150000"/>
+                        </a:lnSpc>
+                        <a:spcBef>
+                          <a:spcPts val="0"/>
+                        </a:spcBef>
+                        <a:spcAft>
+                          <a:spcPts val="0"/>
+                        </a:spcAft>
+                      </a:pPr>
+                      <a:r>
+                        <a:rPr lang="en-US" sz="1800">
+                          <a:effectLst/>
+                          <a:latin typeface="Arial" panose="020B0604020202020204" pitchFamily="34" charset="0"/>
+                          <a:ea typeface="Calibri"/>
+                          <a:cs typeface="Arial" panose="020B0604020202020204" pitchFamily="34" charset="0"/>
+                        </a:rPr>
+                        <a:t>Hùng</a:t>
+                      </a:r>
+                    </a:p>
+                  </a:txBody>
+                  <a:tcPr marL="68580" marR="68580" marT="0" marB="0"/>
+                </a:tc>
+                <a:extLst>
+                  <a:ext uri="{0D108BD9-81ED-4DB2-BD59-A6C34878D82A}">
+                    <a16:rowId xmlns:a16="http://schemas.microsoft.com/office/drawing/2014/main" val="10008"/>
+                  </a:ext>
+                </a:extLst>
+              </a:tr>
+              <a:tr h="419433">
+                <a:tc vMerge="1">
+                  <a:txBody>
+                    <a:bodyPr/>
+                    <a:lstStyle/>
+                    <a:p>
+                      <a:endParaRPr lang="en-US" sz="1600">
+                        <a:latin typeface="Arial" panose="020B0604020202020204" pitchFamily="34" charset="0"/>
+                        <a:cs typeface="Arial" panose="020B0604020202020204" pitchFamily="34" charset="0"/>
+                      </a:endParaRPr>
+                    </a:p>
+                  </a:txBody>
+                  <a:tcPr/>
+                </a:tc>
+                <a:tc>
+                  <a:txBody>
+                    <a:bodyPr/>
+                    <a:lstStyle/>
+                    <a:p>
+                      <a:pPr marL="0" marR="0" algn="just">
+                        <a:lnSpc>
+                          <a:spcPct val="150000"/>
+                        </a:lnSpc>
+                        <a:spcBef>
+                          <a:spcPts val="0"/>
+                        </a:spcBef>
+                        <a:spcAft>
+                          <a:spcPts val="0"/>
+                        </a:spcAft>
+                      </a:pPr>
+                      <a:r>
+                        <a:rPr lang="en-US" sz="1800">
+                          <a:effectLst/>
+                          <a:latin typeface="Arial" panose="020B0604020202020204" pitchFamily="34" charset="0"/>
+                          <a:ea typeface="Calibri"/>
+                          <a:cs typeface="Arial" panose="020B0604020202020204" pitchFamily="34" charset="0"/>
+                        </a:rPr>
+                        <a:t>Sequence chức năng thống kê báo cáo</a:t>
+                      </a:r>
+                    </a:p>
+                  </a:txBody>
+                  <a:tcPr marL="68580" marR="68580" marT="0" marB="0"/>
+                </a:tc>
+                <a:tc>
+                  <a:txBody>
+                    <a:bodyPr/>
+                    <a:lstStyle/>
+                    <a:p>
+                      <a:pPr marL="0" marR="0" algn="just">
+                        <a:lnSpc>
+                          <a:spcPct val="150000"/>
+                        </a:lnSpc>
+                        <a:spcBef>
+                          <a:spcPts val="0"/>
+                        </a:spcBef>
+                        <a:spcAft>
+                          <a:spcPts val="0"/>
+                        </a:spcAft>
+                      </a:pPr>
+                      <a:r>
+                        <a:rPr lang="en-US" sz="1800">
+                          <a:effectLst/>
+                          <a:latin typeface="Arial" panose="020B0604020202020204" pitchFamily="34" charset="0"/>
+                          <a:ea typeface="Calibri"/>
+                          <a:cs typeface="Arial" panose="020B0604020202020204" pitchFamily="34" charset="0"/>
+                        </a:rPr>
+                        <a:t>Phúc</a:t>
+                      </a:r>
+                    </a:p>
+                  </a:txBody>
+                  <a:tcPr marL="68580" marR="68580" marT="0" marB="0"/>
+                </a:tc>
+                <a:extLst>
+                  <a:ext uri="{0D108BD9-81ED-4DB2-BD59-A6C34878D82A}">
+                    <a16:rowId xmlns:a16="http://schemas.microsoft.com/office/drawing/2014/main" val="10009"/>
+                  </a:ext>
+                </a:extLst>
+              </a:tr>
+            </a:tbl>
+          </a:graphicData>
+        </a:graphic>
+      </p:graphicFrame>
+    </p:spTree>
+    <p:extLst>
+      <p:ext uri="{BB962C8B-B14F-4D97-AF65-F5344CB8AC3E}">
+        <p14:creationId xmlns:p14="http://schemas.microsoft.com/office/powerpoint/2010/main" val="4224134295"/>
+      </p:ext>
+    </p:extLst>
+  </p:cSld>
+  <p:clrMapOvr>
+    <a:masterClrMapping/>
+  </p:clrMapOvr>
+  <p:transition spd="slow">
+    <p:wipe/>
+  </p:transition>
+</p:sld>
+</file>
+
+<file path=ppt/slides/slide22.xml><?xml version="1.0" encoding="utf-8"?>
+<p:sld xmlns:a="http://schemas.openxmlformats.org/drawingml/2006/main" xmlns:r="http://schemas.openxmlformats.org/officeDocument/2006/relationships" xmlns:p="http://schemas.openxmlformats.org/presentationml/2006/main">
+  <p:cSld>
+    <p:spTree>
+      <p:nvGrpSpPr>
+        <p:cNvPr id="1" name=""/>
+        <p:cNvGrpSpPr/>
+        <p:nvPr/>
+      </p:nvGrpSpPr>
+      <p:grpSpPr>
+        <a:xfrm>
+          <a:off x="0" y="0"/>
+          <a:ext cx="0" cy="0"/>
+          <a:chOff x="0" y="0"/>
+          <a:chExt cx="0" cy="0"/>
+        </a:xfrm>
+      </p:grpSpPr>
+      <p:pic>
+        <p:nvPicPr>
+          <p:cNvPr id="5" name="Picture 4"/>
+          <p:cNvPicPr>
+            <a:picLocks noChangeAspect="1"/>
+          </p:cNvPicPr>
+          <p:nvPr/>
+        </p:nvPicPr>
+        <p:blipFill>
+          <a:blip r:embed="rId2">
+            <a:extLst>
+              <a:ext uri="{28A0092B-C50C-407E-A947-70E740481C1C}">
+                <a14:useLocalDpi xmlns:a14="http://schemas.microsoft.com/office/drawing/2010/main" val="0"/>
+              </a:ext>
+            </a:extLst>
+          </a:blip>
+          <a:stretch>
+            <a:fillRect/>
+          </a:stretch>
+        </p:blipFill>
+        <p:spPr>
+          <a:xfrm>
+            <a:off x="-9556" y="0"/>
+            <a:ext cx="9153556" cy="6858000"/>
+          </a:xfrm>
+          <a:prstGeom prst="rect">
+            <a:avLst/>
+          </a:prstGeom>
+        </p:spPr>
+      </p:pic>
+      <p:graphicFrame>
+        <p:nvGraphicFramePr>
+          <p:cNvPr id="7" name="Table 6"/>
+          <p:cNvGraphicFramePr>
+            <a:graphicFrameLocks noGrp="1"/>
+          </p:cNvGraphicFramePr>
+          <p:nvPr>
+            <p:extLst>
+              <p:ext uri="{D42A27DB-BD31-4B8C-83A1-F6EECF244321}">
+                <p14:modId xmlns:p14="http://schemas.microsoft.com/office/powerpoint/2010/main" val="3842435331"/>
+              </p:ext>
+            </p:extLst>
+          </p:nvPr>
+        </p:nvGraphicFramePr>
+        <p:xfrm>
+          <a:off x="452422" y="152400"/>
+          <a:ext cx="8229600" cy="6316594"/>
+        </p:xfrm>
+        <a:graphic>
+          <a:graphicData uri="http://schemas.openxmlformats.org/drawingml/2006/table">
+            <a:tbl>
+              <a:tblPr firstRow="1" bandRow="1">
+                <a:tableStyleId>{5C22544A-7EE6-4342-B048-85BDC9FD1C3A}</a:tableStyleId>
+              </a:tblPr>
+              <a:tblGrid>
+                <a:gridCol w="1147778">
+                  <a:extLst>
+                    <a:ext uri="{9D8B030D-6E8A-4147-A177-3AD203B41FA5}">
+                      <a16:colId xmlns:a16="http://schemas.microsoft.com/office/drawing/2014/main" val="20000"/>
+                    </a:ext>
+                  </a:extLst>
+                </a:gridCol>
+                <a:gridCol w="4876800">
+                  <a:extLst>
+                    <a:ext uri="{9D8B030D-6E8A-4147-A177-3AD203B41FA5}">
+                      <a16:colId xmlns:a16="http://schemas.microsoft.com/office/drawing/2014/main" val="20001"/>
+                    </a:ext>
+                  </a:extLst>
+                </a:gridCol>
+                <a:gridCol w="2205022">
+                  <a:extLst>
+                    <a:ext uri="{9D8B030D-6E8A-4147-A177-3AD203B41FA5}">
+                      <a16:colId xmlns:a16="http://schemas.microsoft.com/office/drawing/2014/main" val="20002"/>
+                    </a:ext>
+                  </a:extLst>
+                </a:gridCol>
+              </a:tblGrid>
+              <a:tr h="516240">
+                <a:tc>
+                  <a:txBody>
+                    <a:bodyPr/>
+                    <a:lstStyle/>
+                    <a:p>
+                      <a:pPr marL="0" marR="0" algn="ctr">
+                        <a:lnSpc>
+                          <a:spcPct val="150000"/>
+                        </a:lnSpc>
+                        <a:spcBef>
+                          <a:spcPts val="0"/>
+                        </a:spcBef>
+                        <a:spcAft>
+                          <a:spcPts val="0"/>
+                        </a:spcAft>
+                      </a:pPr>
+                      <a:r>
+                        <a:rPr lang="en-US" sz="1800" b="1">
+                          <a:effectLst/>
+                          <a:latin typeface="Arial" panose="020B0604020202020204" pitchFamily="34" charset="0"/>
+                          <a:ea typeface="Calibri"/>
+                          <a:cs typeface="Arial" panose="020B0604020202020204" pitchFamily="34" charset="0"/>
+                        </a:rPr>
+                        <a:t>Chương</a:t>
+                      </a:r>
+                      <a:endParaRPr lang="en-US" sz="1800">
+                        <a:effectLst/>
+                        <a:latin typeface="Arial" panose="020B0604020202020204" pitchFamily="34" charset="0"/>
+                        <a:ea typeface="Calibri"/>
+                        <a:cs typeface="Arial" panose="020B0604020202020204" pitchFamily="34" charset="0"/>
+                      </a:endParaRPr>
+                    </a:p>
+                  </a:txBody>
+                  <a:tcPr marL="68580" marR="68580" marT="0" marB="0"/>
+                </a:tc>
+                <a:tc>
+                  <a:txBody>
+                    <a:bodyPr/>
+                    <a:lstStyle/>
+                    <a:p>
+                      <a:pPr marL="0" marR="0" algn="ctr">
+                        <a:lnSpc>
+                          <a:spcPct val="150000"/>
+                        </a:lnSpc>
+                        <a:spcBef>
+                          <a:spcPts val="0"/>
+                        </a:spcBef>
+                        <a:spcAft>
+                          <a:spcPts val="0"/>
+                        </a:spcAft>
+                      </a:pPr>
+                      <a:r>
+                        <a:rPr lang="en-US" sz="1800" b="1">
+                          <a:effectLst/>
+                          <a:latin typeface="Arial" panose="020B0604020202020204" pitchFamily="34" charset="0"/>
+                          <a:ea typeface="Calibri"/>
+                          <a:cs typeface="Arial" panose="020B0604020202020204" pitchFamily="34" charset="0"/>
+                        </a:rPr>
+                        <a:t>Công việc</a:t>
+                      </a:r>
+                      <a:endParaRPr lang="en-US" sz="1800">
+                        <a:effectLst/>
+                        <a:latin typeface="Arial" panose="020B0604020202020204" pitchFamily="34" charset="0"/>
+                        <a:ea typeface="Calibri"/>
+                        <a:cs typeface="Arial" panose="020B0604020202020204" pitchFamily="34" charset="0"/>
+                      </a:endParaRPr>
+                    </a:p>
+                  </a:txBody>
+                  <a:tcPr marL="68580" marR="68580" marT="0" marB="0"/>
+                </a:tc>
+                <a:tc>
+                  <a:txBody>
+                    <a:bodyPr/>
+                    <a:lstStyle/>
+                    <a:p>
+                      <a:pPr marL="0" marR="0" algn="ctr">
+                        <a:lnSpc>
+                          <a:spcPct val="150000"/>
+                        </a:lnSpc>
+                        <a:spcBef>
+                          <a:spcPts val="0"/>
+                        </a:spcBef>
+                        <a:spcAft>
+                          <a:spcPts val="0"/>
+                        </a:spcAft>
+                      </a:pPr>
+                      <a:r>
+                        <a:rPr lang="vi-VN" sz="1800" b="1">
+                          <a:effectLst/>
+                          <a:latin typeface="Arial" panose="020B0604020202020204" pitchFamily="34" charset="0"/>
+                          <a:ea typeface="Calibri"/>
+                          <a:cs typeface="Arial" panose="020B0604020202020204" pitchFamily="34" charset="0"/>
+                        </a:rPr>
+                        <a:t>T</a:t>
+                      </a:r>
+                      <a:r>
+                        <a:rPr lang="en-US" sz="1800" b="1">
+                          <a:effectLst/>
+                          <a:latin typeface="Arial" panose="020B0604020202020204" pitchFamily="34" charset="0"/>
+                          <a:ea typeface="Calibri"/>
+                          <a:cs typeface="Arial" panose="020B0604020202020204" pitchFamily="34" charset="0"/>
+                        </a:rPr>
+                        <a:t>hực hiện</a:t>
+                      </a:r>
+                      <a:endParaRPr lang="en-US" sz="1800">
+                        <a:effectLst/>
+                        <a:latin typeface="Arial" panose="020B0604020202020204" pitchFamily="34" charset="0"/>
+                        <a:ea typeface="Calibri"/>
+                        <a:cs typeface="Arial" panose="020B0604020202020204" pitchFamily="34" charset="0"/>
+                      </a:endParaRPr>
+                    </a:p>
+                  </a:txBody>
+                  <a:tcPr marL="68580" marR="68580" marT="0" marB="0"/>
+                </a:tc>
+                <a:extLst>
+                  <a:ext uri="{0D108BD9-81ED-4DB2-BD59-A6C34878D82A}">
+                    <a16:rowId xmlns:a16="http://schemas.microsoft.com/office/drawing/2014/main" val="10000"/>
+                  </a:ext>
+                </a:extLst>
+              </a:tr>
+              <a:tr h="380710">
+                <a:tc rowSpan="8">
+                  <a:txBody>
+                    <a:bodyPr/>
+                    <a:lstStyle/>
+                    <a:p>
+                      <a:pPr algn="ctr">
+                        <a:lnSpc>
+                          <a:spcPct val="150000"/>
+                        </a:lnSpc>
+                      </a:pPr>
+                      <a:endParaRPr lang="vi-VN" sz="1800" kern="1200">
+                        <a:solidFill>
+                          <a:schemeClr val="dk1"/>
+                        </a:solidFill>
+                        <a:effectLst/>
+                        <a:latin typeface="Arial" panose="020B0604020202020204" pitchFamily="34" charset="0"/>
+                        <a:ea typeface="+mn-ea"/>
+                        <a:cs typeface="Arial" panose="020B0604020202020204" pitchFamily="34" charset="0"/>
+                      </a:endParaRPr>
+                    </a:p>
+                    <a:p>
+                      <a:pPr algn="ctr">
+                        <a:lnSpc>
+                          <a:spcPct val="150000"/>
+                        </a:lnSpc>
+                      </a:pPr>
+                      <a:endParaRPr lang="vi-VN" sz="1800" kern="1200">
+                        <a:solidFill>
+                          <a:schemeClr val="dk1"/>
+                        </a:solidFill>
+                        <a:effectLst/>
+                        <a:latin typeface="Arial" panose="020B0604020202020204" pitchFamily="34" charset="0"/>
+                        <a:ea typeface="+mn-ea"/>
+                        <a:cs typeface="Arial" panose="020B0604020202020204" pitchFamily="34" charset="0"/>
+                      </a:endParaRPr>
+                    </a:p>
+                    <a:p>
+                      <a:pPr algn="ctr">
+                        <a:lnSpc>
+                          <a:spcPct val="150000"/>
+                        </a:lnSpc>
+                      </a:pPr>
+                      <a:endParaRPr lang="vi-VN" sz="1800" kern="1200">
+                        <a:solidFill>
+                          <a:schemeClr val="dk1"/>
+                        </a:solidFill>
+                        <a:effectLst/>
+                        <a:latin typeface="Arial" panose="020B0604020202020204" pitchFamily="34" charset="0"/>
+                        <a:ea typeface="+mn-ea"/>
+                        <a:cs typeface="Arial" panose="020B0604020202020204" pitchFamily="34" charset="0"/>
+                      </a:endParaRPr>
+                    </a:p>
+                    <a:p>
+                      <a:pPr algn="ctr">
+                        <a:lnSpc>
+                          <a:spcPct val="150000"/>
+                        </a:lnSpc>
+                      </a:pPr>
+                      <a:endParaRPr lang="vi-VN" sz="1800" kern="1200">
+                        <a:solidFill>
+                          <a:schemeClr val="dk1"/>
+                        </a:solidFill>
+                        <a:effectLst/>
+                        <a:latin typeface="Arial" panose="020B0604020202020204" pitchFamily="34" charset="0"/>
+                        <a:ea typeface="+mn-ea"/>
+                        <a:cs typeface="Arial" panose="020B0604020202020204" pitchFamily="34" charset="0"/>
+                      </a:endParaRPr>
+                    </a:p>
+                    <a:p>
+                      <a:pPr algn="ctr">
+                        <a:lnSpc>
+                          <a:spcPct val="150000"/>
+                        </a:lnSpc>
+                      </a:pPr>
+                      <a:endParaRPr lang="vi-VN" sz="1800" kern="1200">
+                        <a:solidFill>
+                          <a:schemeClr val="dk1"/>
+                        </a:solidFill>
+                        <a:effectLst/>
+                        <a:latin typeface="Arial" panose="020B0604020202020204" pitchFamily="34" charset="0"/>
+                        <a:ea typeface="+mn-ea"/>
+                        <a:cs typeface="Arial" panose="020B0604020202020204" pitchFamily="34" charset="0"/>
+                      </a:endParaRPr>
+                    </a:p>
+                    <a:p>
+                      <a:pPr algn="ctr">
+                        <a:lnSpc>
+                          <a:spcPct val="150000"/>
+                        </a:lnSpc>
+                      </a:pPr>
+                      <a:r>
+                        <a:rPr lang="en-US" sz="1800" kern="1200">
+                          <a:solidFill>
+                            <a:schemeClr val="dk1"/>
+                          </a:solidFill>
+                          <a:effectLst/>
+                          <a:latin typeface="Arial" panose="020B0604020202020204" pitchFamily="34" charset="0"/>
+                          <a:ea typeface="+mn-ea"/>
+                          <a:cs typeface="Arial" panose="020B0604020202020204" pitchFamily="34" charset="0"/>
+                        </a:rPr>
+                        <a:t>3. Phân tích thiết kế</a:t>
+                      </a:r>
+                      <a:endParaRPr lang="en-US" sz="1800">
+                        <a:latin typeface="Arial" panose="020B0604020202020204" pitchFamily="34" charset="0"/>
+                        <a:cs typeface="Arial" panose="020B0604020202020204" pitchFamily="34" charset="0"/>
+                      </a:endParaRPr>
+                    </a:p>
+                  </a:txBody>
+                  <a:tcPr/>
+                </a:tc>
+                <a:tc>
+                  <a:txBody>
+                    <a:bodyPr/>
+                    <a:lstStyle/>
+                    <a:p>
+                      <a:pPr marL="0" marR="0" algn="just">
+                        <a:lnSpc>
+                          <a:spcPct val="150000"/>
+                        </a:lnSpc>
+                        <a:spcBef>
+                          <a:spcPts val="0"/>
+                        </a:spcBef>
+                        <a:spcAft>
+                          <a:spcPts val="0"/>
+                        </a:spcAft>
+                      </a:pPr>
+                      <a:r>
+                        <a:rPr lang="en-US" sz="1800">
+                          <a:effectLst/>
+                          <a:latin typeface="Arial" panose="020B0604020202020204" pitchFamily="34" charset="0"/>
+                          <a:ea typeface="Calibri"/>
+                          <a:cs typeface="Arial" panose="020B0604020202020204" pitchFamily="34" charset="0"/>
+                        </a:rPr>
+                        <a:t>Sơ đồ class</a:t>
+                      </a:r>
+                    </a:p>
+                  </a:txBody>
+                  <a:tcPr marL="68580" marR="68580" marT="0" marB="0"/>
+                </a:tc>
+                <a:tc>
+                  <a:txBody>
+                    <a:bodyPr/>
+                    <a:lstStyle/>
+                    <a:p>
+                      <a:pPr marL="0" marR="0" algn="just">
+                        <a:lnSpc>
+                          <a:spcPct val="150000"/>
+                        </a:lnSpc>
+                        <a:spcBef>
+                          <a:spcPts val="0"/>
+                        </a:spcBef>
+                        <a:spcAft>
+                          <a:spcPts val="0"/>
+                        </a:spcAft>
+                      </a:pPr>
+                      <a:r>
+                        <a:rPr lang="en-US" sz="1800">
+                          <a:effectLst/>
+                          <a:latin typeface="Arial" panose="020B0604020202020204" pitchFamily="34" charset="0"/>
+                          <a:ea typeface="Calibri"/>
+                          <a:cs typeface="Arial" panose="020B0604020202020204" pitchFamily="34" charset="0"/>
+                        </a:rPr>
+                        <a:t>Hùng, Lợi</a:t>
+                      </a:r>
+                    </a:p>
+                  </a:txBody>
+                  <a:tcPr marL="68580" marR="68580" marT="0" marB="0"/>
+                </a:tc>
+                <a:extLst>
+                  <a:ext uri="{0D108BD9-81ED-4DB2-BD59-A6C34878D82A}">
+                    <a16:rowId xmlns:a16="http://schemas.microsoft.com/office/drawing/2014/main" val="10001"/>
+                  </a:ext>
+                </a:extLst>
+              </a:tr>
+              <a:tr h="419433">
+                <a:tc vMerge="1">
+                  <a:txBody>
+                    <a:bodyPr/>
+                    <a:lstStyle/>
+                    <a:p>
+                      <a:endParaRPr lang="en-US" sz="1600">
+                        <a:latin typeface="Arial" panose="020B0604020202020204" pitchFamily="34" charset="0"/>
+                        <a:cs typeface="Arial" panose="020B0604020202020204" pitchFamily="34" charset="0"/>
+                      </a:endParaRPr>
+                    </a:p>
+                  </a:txBody>
+                  <a:tcPr/>
+                </a:tc>
+                <a:tc>
+                  <a:txBody>
+                    <a:bodyPr/>
+                    <a:lstStyle/>
+                    <a:p>
+                      <a:pPr marL="0" marR="0" algn="just">
+                        <a:lnSpc>
+                          <a:spcPct val="150000"/>
+                        </a:lnSpc>
+                        <a:spcBef>
+                          <a:spcPts val="0"/>
+                        </a:spcBef>
+                        <a:spcAft>
+                          <a:spcPts val="0"/>
+                        </a:spcAft>
+                      </a:pPr>
+                      <a:r>
+                        <a:rPr lang="en-US" sz="1800">
+                          <a:effectLst/>
+                          <a:latin typeface="Arial" panose="020B0604020202020204" pitchFamily="34" charset="0"/>
+                          <a:ea typeface="Calibri"/>
+                          <a:cs typeface="Arial" panose="020B0604020202020204" pitchFamily="34" charset="0"/>
+                        </a:rPr>
+                        <a:t>Phân tích, thiết kế cơ sở dữ liệu (ERD, lược đồ cơ sở dữ liệu)</a:t>
+                      </a:r>
+                    </a:p>
+                  </a:txBody>
+                  <a:tcPr marL="68580" marR="68580" marT="0" marB="0"/>
+                </a:tc>
+                <a:tc>
+                  <a:txBody>
+                    <a:bodyPr/>
+                    <a:lstStyle/>
+                    <a:p>
+                      <a:pPr marL="0" marR="0" algn="just">
+                        <a:lnSpc>
+                          <a:spcPct val="150000"/>
+                        </a:lnSpc>
+                        <a:spcBef>
+                          <a:spcPts val="0"/>
+                        </a:spcBef>
+                        <a:spcAft>
+                          <a:spcPts val="0"/>
+                        </a:spcAft>
+                      </a:pPr>
+                      <a:r>
+                        <a:rPr lang="en-US" sz="1800">
+                          <a:effectLst/>
+                          <a:latin typeface="Arial" panose="020B0604020202020204" pitchFamily="34" charset="0"/>
+                          <a:ea typeface="Calibri"/>
+                          <a:cs typeface="Arial" panose="020B0604020202020204" pitchFamily="34" charset="0"/>
+                        </a:rPr>
+                        <a:t>Hùng</a:t>
+                      </a:r>
+                    </a:p>
+                  </a:txBody>
+                  <a:tcPr marL="68580" marR="68580" marT="0" marB="0"/>
+                </a:tc>
+                <a:extLst>
+                  <a:ext uri="{0D108BD9-81ED-4DB2-BD59-A6C34878D82A}">
+                    <a16:rowId xmlns:a16="http://schemas.microsoft.com/office/drawing/2014/main" val="10002"/>
+                  </a:ext>
+                </a:extLst>
+              </a:tr>
+              <a:tr h="637037">
+                <a:tc vMerge="1">
+                  <a:txBody>
+                    <a:bodyPr/>
+                    <a:lstStyle/>
+                    <a:p>
+                      <a:endParaRPr lang="en-US" sz="1600">
+                        <a:latin typeface="Arial" panose="020B0604020202020204" pitchFamily="34" charset="0"/>
+                        <a:cs typeface="Arial" panose="020B0604020202020204" pitchFamily="34" charset="0"/>
+                      </a:endParaRPr>
+                    </a:p>
+                  </a:txBody>
+                  <a:tcPr/>
+                </a:tc>
+                <a:tc>
+                  <a:txBody>
+                    <a:bodyPr/>
+                    <a:lstStyle/>
+                    <a:p>
+                      <a:pPr marL="0" marR="0" algn="just">
+                        <a:lnSpc>
+                          <a:spcPct val="150000"/>
+                        </a:lnSpc>
+                        <a:spcBef>
+                          <a:spcPts val="0"/>
+                        </a:spcBef>
+                        <a:spcAft>
+                          <a:spcPts val="0"/>
+                        </a:spcAft>
+                      </a:pPr>
+                      <a:r>
+                        <a:rPr lang="en-US" sz="1800">
+                          <a:effectLst/>
+                          <a:latin typeface="Arial" panose="020B0604020202020204" pitchFamily="34" charset="0"/>
+                          <a:ea typeface="Calibri"/>
+                          <a:cs typeface="Arial" panose="020B0604020202020204" pitchFamily="34" charset="0"/>
+                        </a:rPr>
+                        <a:t>Thiết kế giao diện đăng nhập, menu chọn chức năng.</a:t>
+                      </a:r>
+                    </a:p>
+                  </a:txBody>
+                  <a:tcPr marL="68580" marR="68580" marT="0" marB="0"/>
+                </a:tc>
+                <a:tc>
+                  <a:txBody>
+                    <a:bodyPr/>
+                    <a:lstStyle/>
+                    <a:p>
+                      <a:pPr marL="0" marR="0" algn="just">
+                        <a:lnSpc>
+                          <a:spcPct val="150000"/>
+                        </a:lnSpc>
+                        <a:spcBef>
+                          <a:spcPts val="0"/>
+                        </a:spcBef>
+                        <a:spcAft>
+                          <a:spcPts val="0"/>
+                        </a:spcAft>
+                      </a:pPr>
+                      <a:r>
+                        <a:rPr lang="en-US" sz="1800">
+                          <a:effectLst/>
+                          <a:latin typeface="Arial" panose="020B0604020202020204" pitchFamily="34" charset="0"/>
+                          <a:ea typeface="Calibri"/>
+                          <a:cs typeface="Arial" panose="020B0604020202020204" pitchFamily="34" charset="0"/>
+                        </a:rPr>
+                        <a:t>Hùng</a:t>
+                      </a:r>
+                    </a:p>
+                  </a:txBody>
+                  <a:tcPr marL="68580" marR="68580" marT="0" marB="0"/>
+                </a:tc>
+                <a:extLst>
+                  <a:ext uri="{0D108BD9-81ED-4DB2-BD59-A6C34878D82A}">
+                    <a16:rowId xmlns:a16="http://schemas.microsoft.com/office/drawing/2014/main" val="10003"/>
+                  </a:ext>
+                </a:extLst>
+              </a:tr>
+              <a:tr h="637037">
+                <a:tc vMerge="1">
+                  <a:txBody>
+                    <a:bodyPr/>
+                    <a:lstStyle/>
+                    <a:p>
+                      <a:endParaRPr lang="en-US" sz="1600">
+                        <a:latin typeface="Arial" panose="020B0604020202020204" pitchFamily="34" charset="0"/>
+                        <a:cs typeface="Arial" panose="020B0604020202020204" pitchFamily="34" charset="0"/>
+                      </a:endParaRPr>
+                    </a:p>
+                  </a:txBody>
+                  <a:tcPr/>
+                </a:tc>
+                <a:tc>
+                  <a:txBody>
+                    <a:bodyPr/>
+                    <a:lstStyle/>
+                    <a:p>
+                      <a:pPr marL="0" marR="0" algn="just">
+                        <a:lnSpc>
+                          <a:spcPct val="150000"/>
+                        </a:lnSpc>
+                        <a:spcBef>
+                          <a:spcPts val="0"/>
+                        </a:spcBef>
+                        <a:spcAft>
+                          <a:spcPts val="0"/>
+                        </a:spcAft>
+                      </a:pPr>
+                      <a:r>
+                        <a:rPr lang="en-US" sz="1800">
+                          <a:effectLst/>
+                          <a:latin typeface="Arial" panose="020B0604020202020204" pitchFamily="34" charset="0"/>
+                          <a:ea typeface="Calibri"/>
+                          <a:cs typeface="Arial" panose="020B0604020202020204" pitchFamily="34" charset="0"/>
+                        </a:rPr>
+                        <a:t>Thiết kế giao diện chức năng quản lý sản phẩm, thể loại sản phẩm.</a:t>
+                      </a:r>
+                    </a:p>
+                  </a:txBody>
+                  <a:tcPr marL="68580" marR="68580" marT="0" marB="0"/>
+                </a:tc>
+                <a:tc>
+                  <a:txBody>
+                    <a:bodyPr/>
+                    <a:lstStyle/>
+                    <a:p>
+                      <a:pPr marL="0" marR="0" algn="just">
+                        <a:lnSpc>
+                          <a:spcPct val="150000"/>
+                        </a:lnSpc>
+                        <a:spcBef>
+                          <a:spcPts val="0"/>
+                        </a:spcBef>
+                        <a:spcAft>
+                          <a:spcPts val="0"/>
+                        </a:spcAft>
+                      </a:pPr>
+                      <a:r>
+                        <a:rPr lang="en-US" sz="1800">
+                          <a:effectLst/>
+                          <a:latin typeface="Arial" panose="020B0604020202020204" pitchFamily="34" charset="0"/>
+                          <a:ea typeface="Calibri"/>
+                          <a:cs typeface="Arial" panose="020B0604020202020204" pitchFamily="34" charset="0"/>
+                        </a:rPr>
+                        <a:t>Lợi</a:t>
+                      </a:r>
+                    </a:p>
+                  </a:txBody>
+                  <a:tcPr marL="68580" marR="68580" marT="0" marB="0"/>
+                </a:tc>
+                <a:extLst>
+                  <a:ext uri="{0D108BD9-81ED-4DB2-BD59-A6C34878D82A}">
+                    <a16:rowId xmlns:a16="http://schemas.microsoft.com/office/drawing/2014/main" val="10004"/>
+                  </a:ext>
+                </a:extLst>
+              </a:tr>
+              <a:tr h="854641">
+                <a:tc vMerge="1">
+                  <a:txBody>
+                    <a:bodyPr/>
+                    <a:lstStyle/>
+                    <a:p>
+                      <a:endParaRPr lang="en-US" sz="1600">
+                        <a:latin typeface="Arial" panose="020B0604020202020204" pitchFamily="34" charset="0"/>
+                        <a:cs typeface="Arial" panose="020B0604020202020204" pitchFamily="34" charset="0"/>
+                      </a:endParaRPr>
+                    </a:p>
+                  </a:txBody>
+                  <a:tcPr/>
+                </a:tc>
+                <a:tc>
+                  <a:txBody>
+                    <a:bodyPr/>
+                    <a:lstStyle/>
+                    <a:p>
+                      <a:pPr marL="0" marR="0" algn="just">
+                        <a:lnSpc>
+                          <a:spcPct val="150000"/>
+                        </a:lnSpc>
+                        <a:spcBef>
+                          <a:spcPts val="0"/>
+                        </a:spcBef>
+                        <a:spcAft>
+                          <a:spcPts val="0"/>
+                        </a:spcAft>
+                      </a:pPr>
+                      <a:r>
+                        <a:rPr lang="en-US" sz="1800">
+                          <a:effectLst/>
+                          <a:latin typeface="Arial" panose="020B0604020202020204" pitchFamily="34" charset="0"/>
+                          <a:ea typeface="Calibri"/>
+                          <a:cs typeface="Arial" panose="020B0604020202020204" pitchFamily="34" charset="0"/>
+                        </a:rPr>
+                        <a:t>Thiết kế giao diện chức năng quản lý đơn hàng, tài khoản đăng nhập.</a:t>
+                      </a:r>
+                    </a:p>
+                  </a:txBody>
+                  <a:tcPr marL="68580" marR="68580" marT="0" marB="0"/>
+                </a:tc>
+                <a:tc>
+                  <a:txBody>
+                    <a:bodyPr/>
+                    <a:lstStyle/>
+                    <a:p>
+                      <a:pPr marL="0" marR="0" algn="just">
+                        <a:lnSpc>
+                          <a:spcPct val="150000"/>
+                        </a:lnSpc>
+                        <a:spcBef>
+                          <a:spcPts val="0"/>
+                        </a:spcBef>
+                        <a:spcAft>
+                          <a:spcPts val="0"/>
+                        </a:spcAft>
+                      </a:pPr>
+                      <a:r>
+                        <a:rPr lang="en-US" sz="1800">
+                          <a:effectLst/>
+                          <a:latin typeface="Arial" panose="020B0604020202020204" pitchFamily="34" charset="0"/>
+                          <a:ea typeface="Calibri"/>
+                          <a:cs typeface="Arial" panose="020B0604020202020204" pitchFamily="34" charset="0"/>
+                        </a:rPr>
+                        <a:t>Trường</a:t>
+                      </a:r>
+                    </a:p>
+                  </a:txBody>
+                  <a:tcPr marL="68580" marR="68580" marT="0" marB="0"/>
+                </a:tc>
+                <a:extLst>
+                  <a:ext uri="{0D108BD9-81ED-4DB2-BD59-A6C34878D82A}">
+                    <a16:rowId xmlns:a16="http://schemas.microsoft.com/office/drawing/2014/main" val="10005"/>
+                  </a:ext>
+                </a:extLst>
+              </a:tr>
+              <a:tr h="380710">
+                <a:tc vMerge="1">
+                  <a:txBody>
+                    <a:bodyPr/>
+                    <a:lstStyle/>
+                    <a:p>
+                      <a:endParaRPr lang="en-US" sz="1600">
+                        <a:latin typeface="Arial" panose="020B0604020202020204" pitchFamily="34" charset="0"/>
+                        <a:cs typeface="Arial" panose="020B0604020202020204" pitchFamily="34" charset="0"/>
+                      </a:endParaRPr>
+                    </a:p>
+                  </a:txBody>
+                  <a:tcPr/>
+                </a:tc>
+                <a:tc>
+                  <a:txBody>
+                    <a:bodyPr/>
+                    <a:lstStyle/>
+                    <a:p>
+                      <a:pPr marL="0" marR="0" algn="just">
+                        <a:lnSpc>
+                          <a:spcPct val="150000"/>
+                        </a:lnSpc>
+                        <a:spcBef>
+                          <a:spcPts val="0"/>
+                        </a:spcBef>
+                        <a:spcAft>
+                          <a:spcPts val="0"/>
+                        </a:spcAft>
+                      </a:pPr>
+                      <a:r>
+                        <a:rPr lang="en-US" sz="1800">
+                          <a:effectLst/>
+                          <a:latin typeface="Arial" panose="020B0604020202020204" pitchFamily="34" charset="0"/>
+                          <a:ea typeface="Calibri"/>
+                          <a:cs typeface="Arial" panose="020B0604020202020204" pitchFamily="34" charset="0"/>
+                        </a:rPr>
+                        <a:t>Thiết kế giao diện chức năng quản lý món thêm, nhân viên.</a:t>
+                      </a:r>
+                    </a:p>
+                  </a:txBody>
+                  <a:tcPr marL="68580" marR="68580" marT="0" marB="0"/>
+                </a:tc>
+                <a:tc>
+                  <a:txBody>
+                    <a:bodyPr/>
+                    <a:lstStyle/>
+                    <a:p>
+                      <a:pPr marL="0" marR="0" algn="just">
+                        <a:lnSpc>
+                          <a:spcPct val="150000"/>
+                        </a:lnSpc>
+                        <a:spcBef>
+                          <a:spcPts val="0"/>
+                        </a:spcBef>
+                        <a:spcAft>
+                          <a:spcPts val="0"/>
+                        </a:spcAft>
+                      </a:pPr>
+                      <a:r>
+                        <a:rPr lang="en-US" sz="1800">
+                          <a:effectLst/>
+                          <a:latin typeface="Arial" panose="020B0604020202020204" pitchFamily="34" charset="0"/>
+                          <a:ea typeface="Calibri"/>
+                          <a:cs typeface="Arial" panose="020B0604020202020204" pitchFamily="34" charset="0"/>
+                        </a:rPr>
+                        <a:t>Hoàng</a:t>
+                      </a:r>
+                    </a:p>
+                  </a:txBody>
+                  <a:tcPr marL="68580" marR="68580" marT="0" marB="0"/>
+                </a:tc>
+                <a:extLst>
+                  <a:ext uri="{0D108BD9-81ED-4DB2-BD59-A6C34878D82A}">
+                    <a16:rowId xmlns:a16="http://schemas.microsoft.com/office/drawing/2014/main" val="10006"/>
+                  </a:ext>
+                </a:extLst>
+              </a:tr>
+              <a:tr h="419433">
+                <a:tc vMerge="1">
+                  <a:txBody>
+                    <a:bodyPr/>
+                    <a:lstStyle/>
+                    <a:p>
+                      <a:endParaRPr lang="en-US" sz="1600">
+                        <a:latin typeface="Arial" panose="020B0604020202020204" pitchFamily="34" charset="0"/>
+                        <a:cs typeface="Arial" panose="020B0604020202020204" pitchFamily="34" charset="0"/>
+                      </a:endParaRPr>
+                    </a:p>
+                  </a:txBody>
+                  <a:tcPr/>
+                </a:tc>
+                <a:tc>
+                  <a:txBody>
+                    <a:bodyPr/>
+                    <a:lstStyle/>
+                    <a:p>
+                      <a:pPr marL="0" marR="0" algn="just">
+                        <a:lnSpc>
+                          <a:spcPct val="150000"/>
+                        </a:lnSpc>
+                        <a:spcBef>
+                          <a:spcPts val="0"/>
+                        </a:spcBef>
+                        <a:spcAft>
+                          <a:spcPts val="0"/>
+                        </a:spcAft>
+                      </a:pPr>
+                      <a:r>
+                        <a:rPr lang="en-US" sz="1800">
+                          <a:effectLst/>
+                          <a:latin typeface="Arial" panose="020B0604020202020204" pitchFamily="34" charset="0"/>
+                          <a:ea typeface="Calibri"/>
+                          <a:cs typeface="Arial" panose="020B0604020202020204" pitchFamily="34" charset="0"/>
+                        </a:rPr>
+                        <a:t>Thiết kế giao diện chức năng bán hàng, thống kê sản phẩm, món thêm và doanh thu.</a:t>
+                      </a:r>
+                    </a:p>
+                  </a:txBody>
+                  <a:tcPr marL="68580" marR="68580" marT="0" marB="0"/>
+                </a:tc>
+                <a:tc>
+                  <a:txBody>
+                    <a:bodyPr/>
+                    <a:lstStyle/>
+                    <a:p>
+                      <a:pPr marL="0" marR="0" algn="just">
+                        <a:lnSpc>
+                          <a:spcPct val="150000"/>
+                        </a:lnSpc>
+                        <a:spcBef>
+                          <a:spcPts val="0"/>
+                        </a:spcBef>
+                        <a:spcAft>
+                          <a:spcPts val="0"/>
+                        </a:spcAft>
+                      </a:pPr>
+                      <a:r>
+                        <a:rPr lang="en-US" sz="1800">
+                          <a:effectLst/>
+                          <a:latin typeface="Arial" panose="020B0604020202020204" pitchFamily="34" charset="0"/>
+                          <a:ea typeface="Calibri"/>
+                          <a:cs typeface="Arial" panose="020B0604020202020204" pitchFamily="34" charset="0"/>
+                        </a:rPr>
+                        <a:t>Hùng</a:t>
+                      </a:r>
+                    </a:p>
+                  </a:txBody>
+                  <a:tcPr marL="68580" marR="68580" marT="0" marB="0"/>
+                </a:tc>
+                <a:extLst>
+                  <a:ext uri="{0D108BD9-81ED-4DB2-BD59-A6C34878D82A}">
+                    <a16:rowId xmlns:a16="http://schemas.microsoft.com/office/drawing/2014/main" val="10007"/>
+                  </a:ext>
+                </a:extLst>
+              </a:tr>
+              <a:tr h="419433">
+                <a:tc vMerge="1">
+                  <a:txBody>
+                    <a:bodyPr/>
+                    <a:lstStyle/>
+                    <a:p>
+                      <a:endParaRPr lang="en-US" sz="1600">
+                        <a:latin typeface="Arial" panose="020B0604020202020204" pitchFamily="34" charset="0"/>
+                        <a:cs typeface="Arial" panose="020B0604020202020204" pitchFamily="34" charset="0"/>
+                      </a:endParaRPr>
+                    </a:p>
+                  </a:txBody>
+                  <a:tcPr/>
+                </a:tc>
+                <a:tc>
+                  <a:txBody>
+                    <a:bodyPr/>
+                    <a:lstStyle/>
+                    <a:p>
+                      <a:pPr marL="0" marR="0" algn="just">
+                        <a:lnSpc>
+                          <a:spcPct val="150000"/>
+                        </a:lnSpc>
+                        <a:spcBef>
+                          <a:spcPts val="0"/>
+                        </a:spcBef>
+                        <a:spcAft>
+                          <a:spcPts val="0"/>
+                        </a:spcAft>
+                      </a:pPr>
+                      <a:r>
+                        <a:rPr lang="en-US" sz="1800">
+                          <a:effectLst/>
+                          <a:latin typeface="Arial" panose="020B0604020202020204" pitchFamily="34" charset="0"/>
+                          <a:ea typeface="Calibri"/>
+                          <a:cs typeface="Arial" panose="020B0604020202020204" pitchFamily="34" charset="0"/>
+                        </a:rPr>
+                        <a:t>Mô tả giao diện, lập bảng xử lý, các hàm.</a:t>
+                      </a:r>
+                    </a:p>
+                  </a:txBody>
+                  <a:tcPr marL="68580" marR="68580" marT="0" marB="0"/>
+                </a:tc>
+                <a:tc>
+                  <a:txBody>
+                    <a:bodyPr/>
+                    <a:lstStyle/>
+                    <a:p>
+                      <a:pPr marL="0" marR="0" algn="just">
+                        <a:lnSpc>
+                          <a:spcPct val="150000"/>
+                        </a:lnSpc>
+                        <a:spcBef>
+                          <a:spcPts val="0"/>
+                        </a:spcBef>
+                        <a:spcAft>
+                          <a:spcPts val="0"/>
+                        </a:spcAft>
+                      </a:pPr>
+                      <a:r>
+                        <a:rPr lang="en-US" sz="1800">
+                          <a:effectLst/>
+                          <a:latin typeface="Arial" panose="020B0604020202020204" pitchFamily="34" charset="0"/>
+                          <a:ea typeface="Calibri"/>
+                          <a:cs typeface="Arial" panose="020B0604020202020204" pitchFamily="34" charset="0"/>
+                        </a:rPr>
+                        <a:t>Hùng, Phúc, Hoàng</a:t>
+                      </a:r>
+                    </a:p>
+                  </a:txBody>
+                  <a:tcPr marL="68580" marR="68580" marT="0" marB="0"/>
+                </a:tc>
+                <a:extLst>
+                  <a:ext uri="{0D108BD9-81ED-4DB2-BD59-A6C34878D82A}">
+                    <a16:rowId xmlns:a16="http://schemas.microsoft.com/office/drawing/2014/main" val="10008"/>
+                  </a:ext>
+                </a:extLst>
+              </a:tr>
+            </a:tbl>
+          </a:graphicData>
+        </a:graphic>
+      </p:graphicFrame>
+    </p:spTree>
+    <p:extLst>
+      <p:ext uri="{BB962C8B-B14F-4D97-AF65-F5344CB8AC3E}">
+        <p14:creationId xmlns:p14="http://schemas.microsoft.com/office/powerpoint/2010/main" val="2498991980"/>
+      </p:ext>
+    </p:extLst>
+  </p:cSld>
+  <p:clrMapOvr>
+    <a:masterClrMapping/>
+  </p:clrMapOvr>
+  <p:transition spd="slow">
+    <p:wipe/>
+  </p:transition>
+</p:sld>
+</file>
+
+<file path=ppt/slides/slide23.xml><?xml version="1.0" encoding="utf-8"?>
+<p:sld xmlns:a="http://schemas.openxmlformats.org/drawingml/2006/main" xmlns:r="http://schemas.openxmlformats.org/officeDocument/2006/relationships" xmlns:p="http://schemas.openxmlformats.org/presentationml/2006/main">
+  <p:cSld>
+    <p:spTree>
+      <p:nvGrpSpPr>
+        <p:cNvPr id="1" name=""/>
+        <p:cNvGrpSpPr/>
+        <p:nvPr/>
+      </p:nvGrpSpPr>
+      <p:grpSpPr>
+        <a:xfrm>
+          <a:off x="0" y="0"/>
+          <a:ext cx="0" cy="0"/>
+          <a:chOff x="0" y="0"/>
+          <a:chExt cx="0" cy="0"/>
+        </a:xfrm>
+      </p:grpSpPr>
+      <p:pic>
+        <p:nvPicPr>
+          <p:cNvPr id="4" name="Picture 3"/>
+          <p:cNvPicPr>
+            <a:picLocks noChangeAspect="1"/>
+          </p:cNvPicPr>
+          <p:nvPr/>
+        </p:nvPicPr>
+        <p:blipFill>
+          <a:blip r:embed="rId2">
+            <a:extLst>
+              <a:ext uri="{28A0092B-C50C-407E-A947-70E740481C1C}">
+                <a14:useLocalDpi xmlns:a14="http://schemas.microsoft.com/office/drawing/2010/main" val="0"/>
+              </a:ext>
+            </a:extLst>
+          </a:blip>
+          <a:stretch>
+            <a:fillRect/>
+          </a:stretch>
+        </p:blipFill>
+        <p:spPr>
+          <a:xfrm>
+            <a:off x="-9556" y="0"/>
+            <a:ext cx="9153556" cy="6858000"/>
+          </a:xfrm>
+          <a:prstGeom prst="rect">
+            <a:avLst/>
+          </a:prstGeom>
+        </p:spPr>
+      </p:pic>
+      <p:graphicFrame>
+        <p:nvGraphicFramePr>
+          <p:cNvPr id="6" name="Table 5"/>
+          <p:cNvGraphicFramePr>
+            <a:graphicFrameLocks noGrp="1"/>
+          </p:cNvGraphicFramePr>
+          <p:nvPr>
+            <p:extLst>
+              <p:ext uri="{D42A27DB-BD31-4B8C-83A1-F6EECF244321}">
+                <p14:modId xmlns:p14="http://schemas.microsoft.com/office/powerpoint/2010/main" val="484616185"/>
+              </p:ext>
+            </p:extLst>
+          </p:nvPr>
+        </p:nvGraphicFramePr>
+        <p:xfrm>
+          <a:off x="185722" y="533400"/>
+          <a:ext cx="8763000" cy="4840231"/>
+        </p:xfrm>
+        <a:graphic>
+          <a:graphicData uri="http://schemas.openxmlformats.org/drawingml/2006/table">
+            <a:tbl>
+              <a:tblPr firstRow="1" bandRow="1">
+                <a:tableStyleId>{5C22544A-7EE6-4342-B048-85BDC9FD1C3A}</a:tableStyleId>
+              </a:tblPr>
+              <a:tblGrid>
+                <a:gridCol w="1643078">
+                  <a:extLst>
+                    <a:ext uri="{9D8B030D-6E8A-4147-A177-3AD203B41FA5}">
+                      <a16:colId xmlns:a16="http://schemas.microsoft.com/office/drawing/2014/main" val="20000"/>
+                    </a:ext>
+                  </a:extLst>
+                </a:gridCol>
+                <a:gridCol w="5562600">
+                  <a:extLst>
+                    <a:ext uri="{9D8B030D-6E8A-4147-A177-3AD203B41FA5}">
+                      <a16:colId xmlns:a16="http://schemas.microsoft.com/office/drawing/2014/main" val="20001"/>
+                    </a:ext>
+                  </a:extLst>
+                </a:gridCol>
+                <a:gridCol w="1557322">
+                  <a:extLst>
+                    <a:ext uri="{9D8B030D-6E8A-4147-A177-3AD203B41FA5}">
+                      <a16:colId xmlns:a16="http://schemas.microsoft.com/office/drawing/2014/main" val="20002"/>
+                    </a:ext>
+                  </a:extLst>
+                </a:gridCol>
+              </a:tblGrid>
+              <a:tr h="516240">
+                <a:tc>
+                  <a:txBody>
+                    <a:bodyPr/>
+                    <a:lstStyle/>
+                    <a:p>
+                      <a:pPr marL="0" marR="0" algn="ctr">
+                        <a:lnSpc>
+                          <a:spcPct val="150000"/>
+                        </a:lnSpc>
+                        <a:spcBef>
+                          <a:spcPts val="0"/>
+                        </a:spcBef>
+                        <a:spcAft>
+                          <a:spcPts val="0"/>
+                        </a:spcAft>
+                      </a:pPr>
+                      <a:r>
+                        <a:rPr lang="en-US" sz="1600" b="1">
+                          <a:effectLst/>
+                          <a:latin typeface="Arial" panose="020B0604020202020204" pitchFamily="34" charset="0"/>
+                          <a:ea typeface="Calibri"/>
+                          <a:cs typeface="Arial" panose="020B0604020202020204" pitchFamily="34" charset="0"/>
+                        </a:rPr>
+                        <a:t>Chương</a:t>
+                      </a:r>
+                      <a:endParaRPr lang="en-US" sz="1600">
+                        <a:effectLst/>
+                        <a:latin typeface="Arial" panose="020B0604020202020204" pitchFamily="34" charset="0"/>
+                        <a:ea typeface="Calibri"/>
+                        <a:cs typeface="Arial" panose="020B0604020202020204" pitchFamily="34" charset="0"/>
+                      </a:endParaRPr>
+                    </a:p>
+                  </a:txBody>
+                  <a:tcPr marL="68580" marR="68580" marT="0" marB="0"/>
+                </a:tc>
+                <a:tc>
+                  <a:txBody>
+                    <a:bodyPr/>
+                    <a:lstStyle/>
+                    <a:p>
+                      <a:pPr marL="0" marR="0" algn="ctr">
+                        <a:lnSpc>
+                          <a:spcPct val="150000"/>
+                        </a:lnSpc>
+                        <a:spcBef>
+                          <a:spcPts val="0"/>
+                        </a:spcBef>
+                        <a:spcAft>
+                          <a:spcPts val="0"/>
+                        </a:spcAft>
+                      </a:pPr>
+                      <a:r>
+                        <a:rPr lang="en-US" sz="1600" b="1">
+                          <a:effectLst/>
+                          <a:latin typeface="Arial" panose="020B0604020202020204" pitchFamily="34" charset="0"/>
+                          <a:ea typeface="Calibri"/>
+                          <a:cs typeface="Arial" panose="020B0604020202020204" pitchFamily="34" charset="0"/>
+                        </a:rPr>
+                        <a:t>Công việc</a:t>
+                      </a:r>
+                      <a:endParaRPr lang="en-US" sz="1600">
+                        <a:effectLst/>
+                        <a:latin typeface="Arial" panose="020B0604020202020204" pitchFamily="34" charset="0"/>
+                        <a:ea typeface="Calibri"/>
+                        <a:cs typeface="Arial" panose="020B0604020202020204" pitchFamily="34" charset="0"/>
+                      </a:endParaRPr>
+                    </a:p>
+                  </a:txBody>
+                  <a:tcPr marL="68580" marR="68580" marT="0" marB="0"/>
+                </a:tc>
+                <a:tc>
+                  <a:txBody>
+                    <a:bodyPr/>
+                    <a:lstStyle/>
+                    <a:p>
+                      <a:pPr marL="0" marR="0" algn="ctr">
+                        <a:lnSpc>
+                          <a:spcPct val="150000"/>
+                        </a:lnSpc>
+                        <a:spcBef>
+                          <a:spcPts val="0"/>
+                        </a:spcBef>
+                        <a:spcAft>
+                          <a:spcPts val="0"/>
+                        </a:spcAft>
+                      </a:pPr>
+                      <a:r>
+                        <a:rPr lang="vi-VN" sz="1600" b="1">
+                          <a:effectLst/>
+                          <a:latin typeface="Arial" panose="020B0604020202020204" pitchFamily="34" charset="0"/>
+                          <a:ea typeface="Calibri"/>
+                          <a:cs typeface="Arial" panose="020B0604020202020204" pitchFamily="34" charset="0"/>
+                        </a:rPr>
+                        <a:t>T</a:t>
+                      </a:r>
+                      <a:r>
+                        <a:rPr lang="en-US" sz="1600" b="1">
+                          <a:effectLst/>
+                          <a:latin typeface="Arial" panose="020B0604020202020204" pitchFamily="34" charset="0"/>
+                          <a:ea typeface="Calibri"/>
+                          <a:cs typeface="Arial" panose="020B0604020202020204" pitchFamily="34" charset="0"/>
+                        </a:rPr>
+                        <a:t>hực hiện</a:t>
+                      </a:r>
+                      <a:endParaRPr lang="en-US" sz="1600">
+                        <a:effectLst/>
+                        <a:latin typeface="Arial" panose="020B0604020202020204" pitchFamily="34" charset="0"/>
+                        <a:ea typeface="Calibri"/>
+                        <a:cs typeface="Arial" panose="020B0604020202020204" pitchFamily="34" charset="0"/>
+                      </a:endParaRPr>
+                    </a:p>
+                  </a:txBody>
+                  <a:tcPr marL="68580" marR="68580" marT="0" marB="0"/>
+                </a:tc>
+                <a:extLst>
+                  <a:ext uri="{0D108BD9-81ED-4DB2-BD59-A6C34878D82A}">
+                    <a16:rowId xmlns:a16="http://schemas.microsoft.com/office/drawing/2014/main" val="10000"/>
+                  </a:ext>
+                </a:extLst>
+              </a:tr>
+              <a:tr h="380710">
+                <a:tc rowSpan="2">
+                  <a:txBody>
+                    <a:bodyPr/>
+                    <a:lstStyle/>
+                    <a:p>
+                      <a:pPr marL="0" marR="0" algn="ctr">
+                        <a:lnSpc>
+                          <a:spcPct val="150000"/>
+                        </a:lnSpc>
+                        <a:spcBef>
+                          <a:spcPts val="0"/>
+                        </a:spcBef>
+                        <a:spcAft>
+                          <a:spcPts val="0"/>
+                        </a:spcAft>
+                      </a:pPr>
+                      <a:r>
+                        <a:rPr lang="en-US" sz="1800" kern="1200">
+                          <a:solidFill>
+                            <a:schemeClr val="dk1"/>
+                          </a:solidFill>
+                          <a:effectLst/>
+                          <a:latin typeface="Arial" panose="020B0604020202020204" pitchFamily="34" charset="0"/>
+                          <a:ea typeface="+mn-ea"/>
+                          <a:cs typeface="Arial" panose="020B0604020202020204" pitchFamily="34" charset="0"/>
+                        </a:rPr>
+                        <a:t>3. Phân tích thiết kế</a:t>
+                      </a:r>
+                      <a:endParaRPr lang="en-US" sz="1800">
+                        <a:effectLst/>
+                        <a:latin typeface="Arial" panose="020B0604020202020204" pitchFamily="34" charset="0"/>
+                        <a:ea typeface="Calibri"/>
+                        <a:cs typeface="Arial" panose="020B0604020202020204" pitchFamily="34" charset="0"/>
+                      </a:endParaRPr>
+                    </a:p>
+                  </a:txBody>
+                  <a:tcPr marL="68580" marR="68580" marT="0" marB="0" anchor="ctr"/>
+                </a:tc>
+                <a:tc>
+                  <a:txBody>
+                    <a:bodyPr/>
+                    <a:lstStyle/>
+                    <a:p>
+                      <a:pPr marL="0" marR="0" algn="just">
+                        <a:lnSpc>
+                          <a:spcPct val="150000"/>
+                        </a:lnSpc>
+                        <a:spcBef>
+                          <a:spcPts val="0"/>
+                        </a:spcBef>
+                        <a:spcAft>
+                          <a:spcPts val="0"/>
+                        </a:spcAft>
+                      </a:pPr>
+                      <a:r>
+                        <a:rPr lang="en-US" sz="1800">
+                          <a:effectLst/>
+                          <a:latin typeface="Arial" panose="020B0604020202020204" pitchFamily="34" charset="0"/>
+                          <a:ea typeface="Calibri"/>
+                          <a:cs typeface="Arial" panose="020B0604020202020204" pitchFamily="34" charset="0"/>
+                        </a:rPr>
+                        <a:t>DFD mức 2 bán hàng</a:t>
+                      </a:r>
+                    </a:p>
+                  </a:txBody>
+                  <a:tcPr marL="68580" marR="68580" marT="0" marB="0"/>
+                </a:tc>
+                <a:tc>
+                  <a:txBody>
+                    <a:bodyPr/>
+                    <a:lstStyle/>
+                    <a:p>
+                      <a:pPr marL="0" marR="0" algn="just">
+                        <a:lnSpc>
+                          <a:spcPct val="150000"/>
+                        </a:lnSpc>
+                        <a:spcBef>
+                          <a:spcPts val="0"/>
+                        </a:spcBef>
+                        <a:spcAft>
+                          <a:spcPts val="0"/>
+                        </a:spcAft>
+                      </a:pPr>
+                      <a:r>
+                        <a:rPr lang="en-US" sz="1800">
+                          <a:effectLst/>
+                          <a:latin typeface="Arial" panose="020B0604020202020204" pitchFamily="34" charset="0"/>
+                          <a:ea typeface="Calibri"/>
+                          <a:cs typeface="Arial" panose="020B0604020202020204" pitchFamily="34" charset="0"/>
+                        </a:rPr>
+                        <a:t>Hùng</a:t>
+                      </a:r>
+                    </a:p>
+                  </a:txBody>
+                  <a:tcPr marL="68580" marR="68580" marT="0" marB="0"/>
+                </a:tc>
+                <a:extLst>
+                  <a:ext uri="{0D108BD9-81ED-4DB2-BD59-A6C34878D82A}">
+                    <a16:rowId xmlns:a16="http://schemas.microsoft.com/office/drawing/2014/main" val="10001"/>
+                  </a:ext>
+                </a:extLst>
+              </a:tr>
+              <a:tr h="380710">
+                <a:tc vMerge="1">
+                  <a:txBody>
+                    <a:bodyPr/>
+                    <a:lstStyle/>
+                    <a:p>
+                      <a:pPr marL="0" marR="0">
+                        <a:lnSpc>
+                          <a:spcPct val="150000"/>
+                        </a:lnSpc>
+                        <a:spcBef>
+                          <a:spcPts val="0"/>
+                        </a:spcBef>
+                        <a:spcAft>
+                          <a:spcPts val="0"/>
+                        </a:spcAft>
+                      </a:pPr>
+                      <a:endParaRPr lang="en-US" sz="1800">
+                        <a:effectLst/>
+                        <a:latin typeface="Arial" panose="020B0604020202020204" pitchFamily="34" charset="0"/>
+                        <a:ea typeface="Calibri"/>
+                        <a:cs typeface="Arial" panose="020B0604020202020204" pitchFamily="34" charset="0"/>
+                      </a:endParaRPr>
+                    </a:p>
+                  </a:txBody>
+                  <a:tcPr marL="68580" marR="68580" marT="0" marB="0" anchor="ctr"/>
+                </a:tc>
+                <a:tc>
+                  <a:txBody>
+                    <a:bodyPr/>
+                    <a:lstStyle/>
+                    <a:p>
+                      <a:pPr marL="0" marR="0" algn="just">
+                        <a:lnSpc>
+                          <a:spcPct val="150000"/>
+                        </a:lnSpc>
+                        <a:spcBef>
+                          <a:spcPts val="0"/>
+                        </a:spcBef>
+                        <a:spcAft>
+                          <a:spcPts val="0"/>
+                        </a:spcAft>
+                      </a:pPr>
+                      <a:r>
+                        <a:rPr lang="en-US" sz="1800">
+                          <a:effectLst/>
+                          <a:latin typeface="Arial" panose="020B0604020202020204" pitchFamily="34" charset="0"/>
+                          <a:ea typeface="Calibri"/>
+                          <a:cs typeface="Arial" panose="020B0604020202020204" pitchFamily="34" charset="0"/>
+                        </a:rPr>
+                        <a:t>DFD mức ngữ cảnh, mức 0, mức 1</a:t>
+                      </a:r>
+                    </a:p>
+                  </a:txBody>
+                  <a:tcPr marL="68580" marR="68580" marT="0" marB="0"/>
+                </a:tc>
+                <a:tc>
+                  <a:txBody>
+                    <a:bodyPr/>
+                    <a:lstStyle/>
+                    <a:p>
+                      <a:pPr marL="0" marR="0" algn="just">
+                        <a:lnSpc>
+                          <a:spcPct val="150000"/>
+                        </a:lnSpc>
+                        <a:spcBef>
+                          <a:spcPts val="0"/>
+                        </a:spcBef>
+                        <a:spcAft>
+                          <a:spcPts val="0"/>
+                        </a:spcAft>
+                      </a:pPr>
+                      <a:r>
+                        <a:rPr lang="en-US" sz="1800">
+                          <a:effectLst/>
+                          <a:latin typeface="Arial" panose="020B0604020202020204" pitchFamily="34" charset="0"/>
+                          <a:ea typeface="Calibri"/>
+                          <a:cs typeface="Arial" panose="020B0604020202020204" pitchFamily="34" charset="0"/>
+                        </a:rPr>
+                        <a:t>Hùng, Hoàng</a:t>
+                      </a:r>
+                    </a:p>
+                  </a:txBody>
+                  <a:tcPr marL="68580" marR="68580" marT="0" marB="0"/>
+                </a:tc>
+                <a:extLst>
+                  <a:ext uri="{0D108BD9-81ED-4DB2-BD59-A6C34878D82A}">
+                    <a16:rowId xmlns:a16="http://schemas.microsoft.com/office/drawing/2014/main" val="10002"/>
+                  </a:ext>
+                </a:extLst>
+              </a:tr>
+              <a:tr h="380710">
+                <a:tc rowSpan="5">
+                  <a:txBody>
+                    <a:bodyPr/>
+                    <a:lstStyle/>
+                    <a:p>
+                      <a:pPr marL="0" marR="0" algn="ctr">
+                        <a:lnSpc>
+                          <a:spcPct val="150000"/>
+                        </a:lnSpc>
+                        <a:spcBef>
+                          <a:spcPts val="0"/>
+                        </a:spcBef>
+                        <a:spcAft>
+                          <a:spcPts val="0"/>
+                        </a:spcAft>
+                      </a:pPr>
+                      <a:r>
+                        <a:rPr lang="en-US" sz="1800">
+                          <a:effectLst/>
+                          <a:latin typeface="Arial" panose="020B0604020202020204" pitchFamily="34" charset="0"/>
+                          <a:ea typeface="Calibri"/>
+                          <a:cs typeface="Arial" panose="020B0604020202020204" pitchFamily="34" charset="0"/>
+                        </a:rPr>
+                        <a:t>4. Lập trình và kiểm thử</a:t>
+                      </a:r>
+                    </a:p>
+                  </a:txBody>
+                  <a:tcPr marL="68580" marR="68580" marT="0" marB="0" anchor="ctr"/>
+                </a:tc>
+                <a:tc>
+                  <a:txBody>
+                    <a:bodyPr/>
+                    <a:lstStyle/>
+                    <a:p>
+                      <a:pPr marL="0" marR="0" algn="just">
+                        <a:lnSpc>
+                          <a:spcPct val="150000"/>
+                        </a:lnSpc>
+                        <a:spcBef>
+                          <a:spcPts val="0"/>
+                        </a:spcBef>
+                        <a:spcAft>
+                          <a:spcPts val="0"/>
+                        </a:spcAft>
+                      </a:pPr>
+                      <a:r>
+                        <a:rPr lang="en-US" sz="1800">
+                          <a:effectLst/>
+                          <a:latin typeface="Arial" panose="020B0604020202020204" pitchFamily="34" charset="0"/>
+                          <a:ea typeface="Calibri"/>
+                          <a:cs typeface="Arial" panose="020B0604020202020204" pitchFamily="34" charset="0"/>
+                        </a:rPr>
+                        <a:t>Cài đặt cơ sở dữ liệu.</a:t>
+                      </a:r>
+                    </a:p>
+                  </a:txBody>
+                  <a:tcPr marL="68580" marR="68580" marT="0" marB="0"/>
+                </a:tc>
+                <a:tc>
+                  <a:txBody>
+                    <a:bodyPr/>
+                    <a:lstStyle/>
+                    <a:p>
+                      <a:pPr marL="0" marR="0" algn="just">
+                        <a:lnSpc>
+                          <a:spcPct val="150000"/>
+                        </a:lnSpc>
+                        <a:spcBef>
+                          <a:spcPts val="0"/>
+                        </a:spcBef>
+                        <a:spcAft>
+                          <a:spcPts val="0"/>
+                        </a:spcAft>
+                      </a:pPr>
+                      <a:r>
+                        <a:rPr lang="en-US" sz="1800">
+                          <a:effectLst/>
+                          <a:latin typeface="Arial" panose="020B0604020202020204" pitchFamily="34" charset="0"/>
+                          <a:ea typeface="Calibri"/>
+                          <a:cs typeface="Arial" panose="020B0604020202020204" pitchFamily="34" charset="0"/>
+                        </a:rPr>
+                        <a:t>Hùng</a:t>
+                      </a:r>
+                    </a:p>
+                  </a:txBody>
+                  <a:tcPr marL="68580" marR="68580" marT="0" marB="0"/>
+                </a:tc>
+                <a:extLst>
+                  <a:ext uri="{0D108BD9-81ED-4DB2-BD59-A6C34878D82A}">
+                    <a16:rowId xmlns:a16="http://schemas.microsoft.com/office/drawing/2014/main" val="10003"/>
+                  </a:ext>
+                </a:extLst>
+              </a:tr>
+              <a:tr h="611520">
+                <a:tc vMerge="1">
+                  <a:txBody>
+                    <a:bodyPr/>
+                    <a:lstStyle/>
+                    <a:p>
+                      <a:endParaRPr lang="en-US"/>
+                    </a:p>
+                  </a:txBody>
+                  <a:tcPr/>
+                </a:tc>
+                <a:tc>
+                  <a:txBody>
+                    <a:bodyPr/>
+                    <a:lstStyle/>
+                    <a:p>
+                      <a:pPr marL="0" marR="0" algn="just">
+                        <a:lnSpc>
+                          <a:spcPct val="150000"/>
+                        </a:lnSpc>
+                        <a:spcBef>
+                          <a:spcPts val="0"/>
+                        </a:spcBef>
+                        <a:spcAft>
+                          <a:spcPts val="0"/>
+                        </a:spcAft>
+                      </a:pPr>
+                      <a:r>
+                        <a:rPr lang="en-US" sz="1800">
+                          <a:effectLst/>
+                          <a:latin typeface="Arial" panose="020B0604020202020204" pitchFamily="34" charset="0"/>
+                          <a:ea typeface="Calibri"/>
+                          <a:cs typeface="Arial" panose="020B0604020202020204" pitchFamily="34" charset="0"/>
+                        </a:rPr>
+                        <a:t>Lập trình giao diện đăng nhập, menu chọn chức năng.</a:t>
+                      </a:r>
+                    </a:p>
+                  </a:txBody>
+                  <a:tcPr marL="68580" marR="68580" marT="0" marB="0"/>
+                </a:tc>
+                <a:tc>
+                  <a:txBody>
+                    <a:bodyPr/>
+                    <a:lstStyle/>
+                    <a:p>
+                      <a:pPr marL="0" marR="0" algn="just">
+                        <a:lnSpc>
+                          <a:spcPct val="150000"/>
+                        </a:lnSpc>
+                        <a:spcBef>
+                          <a:spcPts val="0"/>
+                        </a:spcBef>
+                        <a:spcAft>
+                          <a:spcPts val="0"/>
+                        </a:spcAft>
+                      </a:pPr>
+                      <a:r>
+                        <a:rPr lang="en-US" sz="1800">
+                          <a:effectLst/>
+                          <a:latin typeface="Arial" panose="020B0604020202020204" pitchFamily="34" charset="0"/>
+                          <a:ea typeface="Calibri"/>
+                          <a:cs typeface="Arial" panose="020B0604020202020204" pitchFamily="34" charset="0"/>
+                        </a:rPr>
+                        <a:t>Hùng, Trường</a:t>
+                      </a:r>
+                    </a:p>
+                  </a:txBody>
+                  <a:tcPr marL="68580" marR="68580" marT="0" marB="0"/>
+                </a:tc>
+                <a:extLst>
+                  <a:ext uri="{0D108BD9-81ED-4DB2-BD59-A6C34878D82A}">
+                    <a16:rowId xmlns:a16="http://schemas.microsoft.com/office/drawing/2014/main" val="10004"/>
+                  </a:ext>
+                </a:extLst>
+              </a:tr>
+              <a:tr h="637037">
+                <a:tc vMerge="1">
+                  <a:txBody>
+                    <a:bodyPr/>
+                    <a:lstStyle/>
+                    <a:p>
+                      <a:endParaRPr lang="en-US"/>
+                    </a:p>
+                  </a:txBody>
+                  <a:tcPr/>
+                </a:tc>
+                <a:tc>
+                  <a:txBody>
+                    <a:bodyPr/>
+                    <a:lstStyle/>
+                    <a:p>
+                      <a:pPr marL="0" marR="0" algn="just">
+                        <a:lnSpc>
+                          <a:spcPct val="150000"/>
+                        </a:lnSpc>
+                        <a:spcBef>
+                          <a:spcPts val="0"/>
+                        </a:spcBef>
+                        <a:spcAft>
+                          <a:spcPts val="0"/>
+                        </a:spcAft>
+                      </a:pPr>
+                      <a:r>
+                        <a:rPr lang="en-US" sz="1800">
+                          <a:effectLst/>
+                          <a:latin typeface="Arial" panose="020B0604020202020204" pitchFamily="34" charset="0"/>
+                          <a:ea typeface="Calibri"/>
+                          <a:cs typeface="Arial" panose="020B0604020202020204" pitchFamily="34" charset="0"/>
+                        </a:rPr>
+                        <a:t>Lập trình giao diện nhân viên, món thêm, tài khoản đăng nhập, thể loại sản phẩm, đơn hàng.</a:t>
+                      </a:r>
+                    </a:p>
+                  </a:txBody>
+                  <a:tcPr marL="68580" marR="68580" marT="0" marB="0"/>
+                </a:tc>
+                <a:tc>
+                  <a:txBody>
+                    <a:bodyPr/>
+                    <a:lstStyle/>
+                    <a:p>
+                      <a:pPr marL="0" marR="0" algn="just">
+                        <a:lnSpc>
+                          <a:spcPct val="150000"/>
+                        </a:lnSpc>
+                        <a:spcBef>
+                          <a:spcPts val="0"/>
+                        </a:spcBef>
+                        <a:spcAft>
+                          <a:spcPts val="0"/>
+                        </a:spcAft>
+                      </a:pPr>
+                      <a:r>
+                        <a:rPr lang="en-US" sz="1800">
+                          <a:effectLst/>
+                          <a:latin typeface="Arial" panose="020B0604020202020204" pitchFamily="34" charset="0"/>
+                          <a:ea typeface="Calibri"/>
+                          <a:cs typeface="Arial" panose="020B0604020202020204" pitchFamily="34" charset="0"/>
+                        </a:rPr>
+                        <a:t>Hoàng</a:t>
+                      </a:r>
+                    </a:p>
+                  </a:txBody>
+                  <a:tcPr marL="68580" marR="68580" marT="0" marB="0"/>
+                </a:tc>
+                <a:extLst>
+                  <a:ext uri="{0D108BD9-81ED-4DB2-BD59-A6C34878D82A}">
+                    <a16:rowId xmlns:a16="http://schemas.microsoft.com/office/drawing/2014/main" val="10005"/>
+                  </a:ext>
+                </a:extLst>
+              </a:tr>
+              <a:tr h="637037">
+                <a:tc vMerge="1">
+                  <a:txBody>
+                    <a:bodyPr/>
+                    <a:lstStyle/>
+                    <a:p>
+                      <a:endParaRPr lang="en-US"/>
+                    </a:p>
+                  </a:txBody>
+                  <a:tcPr/>
+                </a:tc>
+                <a:tc>
+                  <a:txBody>
+                    <a:bodyPr/>
+                    <a:lstStyle/>
+                    <a:p>
+                      <a:pPr marL="0" marR="0" algn="just">
+                        <a:lnSpc>
+                          <a:spcPct val="150000"/>
+                        </a:lnSpc>
+                        <a:spcBef>
+                          <a:spcPts val="0"/>
+                        </a:spcBef>
+                        <a:spcAft>
+                          <a:spcPts val="0"/>
+                        </a:spcAft>
+                      </a:pPr>
+                      <a:r>
+                        <a:rPr lang="en-US" sz="1800">
+                          <a:effectLst/>
+                          <a:latin typeface="Arial" panose="020B0604020202020204" pitchFamily="34" charset="0"/>
+                          <a:ea typeface="Calibri"/>
+                          <a:cs typeface="Arial" panose="020B0604020202020204" pitchFamily="34" charset="0"/>
+                        </a:rPr>
+                        <a:t>Lập trình giao diện bán hàng, sản phẩm, thống kê sản phẩm, thống kê món thêm, thống kê doanh thu.</a:t>
+                      </a:r>
+                    </a:p>
+                  </a:txBody>
+                  <a:tcPr marL="68580" marR="68580" marT="0" marB="0"/>
+                </a:tc>
+                <a:tc>
+                  <a:txBody>
+                    <a:bodyPr/>
+                    <a:lstStyle/>
+                    <a:p>
+                      <a:pPr marL="0" marR="0" algn="just">
+                        <a:lnSpc>
+                          <a:spcPct val="150000"/>
+                        </a:lnSpc>
+                        <a:spcBef>
+                          <a:spcPts val="0"/>
+                        </a:spcBef>
+                        <a:spcAft>
+                          <a:spcPts val="0"/>
+                        </a:spcAft>
+                      </a:pPr>
+                      <a:r>
+                        <a:rPr lang="en-US" sz="1800">
+                          <a:effectLst/>
+                          <a:latin typeface="Arial" panose="020B0604020202020204" pitchFamily="34" charset="0"/>
+                          <a:ea typeface="Calibri"/>
+                          <a:cs typeface="Arial" panose="020B0604020202020204" pitchFamily="34" charset="0"/>
+                        </a:rPr>
+                        <a:t>Hùng</a:t>
+                      </a:r>
+                    </a:p>
+                  </a:txBody>
+                  <a:tcPr marL="68580" marR="68580" marT="0" marB="0"/>
+                </a:tc>
+                <a:extLst>
+                  <a:ext uri="{0D108BD9-81ED-4DB2-BD59-A6C34878D82A}">
+                    <a16:rowId xmlns:a16="http://schemas.microsoft.com/office/drawing/2014/main" val="10006"/>
+                  </a:ext>
+                </a:extLst>
+              </a:tr>
+              <a:tr h="854641">
+                <a:tc vMerge="1">
+                  <a:txBody>
+                    <a:bodyPr/>
+                    <a:lstStyle/>
+                    <a:p>
+                      <a:endParaRPr lang="en-US"/>
+                    </a:p>
+                  </a:txBody>
+                  <a:tcPr/>
+                </a:tc>
+                <a:tc>
+                  <a:txBody>
+                    <a:bodyPr/>
+                    <a:lstStyle/>
+                    <a:p>
+                      <a:pPr marL="0" marR="0" algn="just">
+                        <a:lnSpc>
+                          <a:spcPct val="150000"/>
+                        </a:lnSpc>
+                        <a:spcBef>
+                          <a:spcPts val="0"/>
+                        </a:spcBef>
+                        <a:spcAft>
+                          <a:spcPts val="0"/>
+                        </a:spcAft>
+                      </a:pPr>
+                      <a:r>
+                        <a:rPr lang="en-US" sz="1800">
+                          <a:effectLst/>
+                          <a:latin typeface="Arial" panose="020B0604020202020204" pitchFamily="34" charset="0"/>
+                          <a:ea typeface="Calibri"/>
+                          <a:cs typeface="Arial" panose="020B0604020202020204" pitchFamily="34" charset="0"/>
+                        </a:rPr>
+                        <a:t>Lập trình xử lý chức năng bán hàng, thống kê, quản lý sản phẩm, quản lý đơn hàng và đăng nhập.</a:t>
+                      </a:r>
+                    </a:p>
+                  </a:txBody>
+                  <a:tcPr marL="68580" marR="68580" marT="0" marB="0"/>
+                </a:tc>
+                <a:tc>
+                  <a:txBody>
+                    <a:bodyPr/>
+                    <a:lstStyle/>
+                    <a:p>
+                      <a:pPr marL="0" marR="0" algn="just">
+                        <a:lnSpc>
+                          <a:spcPct val="150000"/>
+                        </a:lnSpc>
+                        <a:spcBef>
+                          <a:spcPts val="0"/>
+                        </a:spcBef>
+                        <a:spcAft>
+                          <a:spcPts val="0"/>
+                        </a:spcAft>
+                      </a:pPr>
+                      <a:r>
+                        <a:rPr lang="en-US" sz="1800">
+                          <a:effectLst/>
+                          <a:latin typeface="Arial" panose="020B0604020202020204" pitchFamily="34" charset="0"/>
+                          <a:ea typeface="Calibri"/>
+                          <a:cs typeface="Arial" panose="020B0604020202020204" pitchFamily="34" charset="0"/>
+                        </a:rPr>
+                        <a:t>Hùng</a:t>
+                      </a:r>
+                    </a:p>
+                  </a:txBody>
+                  <a:tcPr marL="68580" marR="68580" marT="0" marB="0"/>
+                </a:tc>
+                <a:extLst>
+                  <a:ext uri="{0D108BD9-81ED-4DB2-BD59-A6C34878D82A}">
+                    <a16:rowId xmlns:a16="http://schemas.microsoft.com/office/drawing/2014/main" val="10007"/>
+                  </a:ext>
+                </a:extLst>
+              </a:tr>
+            </a:tbl>
+          </a:graphicData>
+        </a:graphic>
+      </p:graphicFrame>
+    </p:spTree>
+    <p:extLst>
+      <p:ext uri="{BB962C8B-B14F-4D97-AF65-F5344CB8AC3E}">
+        <p14:creationId xmlns:p14="http://schemas.microsoft.com/office/powerpoint/2010/main" val="2469330192"/>
+      </p:ext>
+    </p:extLst>
+  </p:cSld>
+  <p:clrMapOvr>
+    <a:masterClrMapping/>
+  </p:clrMapOvr>
+  <p:transition spd="slow">
+    <p:wipe/>
+  </p:transition>
+</p:sld>
+</file>
+
+<file path=ppt/slides/slide24.xml><?xml version="1.0" encoding="utf-8"?>
+<p:sld xmlns:a="http://schemas.openxmlformats.org/drawingml/2006/main" xmlns:r="http://schemas.openxmlformats.org/officeDocument/2006/relationships" xmlns:p="http://schemas.openxmlformats.org/presentationml/2006/main">
+  <p:cSld>
+    <p:spTree>
+      <p:nvGrpSpPr>
+        <p:cNvPr id="1" name=""/>
+        <p:cNvGrpSpPr/>
+        <p:nvPr/>
+      </p:nvGrpSpPr>
+      <p:grpSpPr>
+        <a:xfrm>
+          <a:off x="0" y="0"/>
+          <a:ext cx="0" cy="0"/>
+          <a:chOff x="0" y="0"/>
+          <a:chExt cx="0" cy="0"/>
+        </a:xfrm>
+      </p:grpSpPr>
+      <p:pic>
+        <p:nvPicPr>
+          <p:cNvPr id="10" name="Picture 9"/>
+          <p:cNvPicPr>
+            <a:picLocks noChangeAspect="1"/>
+          </p:cNvPicPr>
+          <p:nvPr/>
+        </p:nvPicPr>
+        <p:blipFill>
+          <a:blip r:embed="rId2">
+            <a:extLst>
+              <a:ext uri="{28A0092B-C50C-407E-A947-70E740481C1C}">
+                <a14:useLocalDpi xmlns:a14="http://schemas.microsoft.com/office/drawing/2010/main" val="0"/>
+              </a:ext>
+            </a:extLst>
+          </a:blip>
+          <a:stretch>
+            <a:fillRect/>
+          </a:stretch>
+        </p:blipFill>
+        <p:spPr>
+          <a:xfrm>
+            <a:off x="-9556" y="0"/>
+            <a:ext cx="9153556" cy="6858000"/>
+          </a:xfrm>
+          <a:prstGeom prst="rect">
+            <a:avLst/>
+          </a:prstGeom>
+        </p:spPr>
+      </p:pic>
+      <p:graphicFrame>
+        <p:nvGraphicFramePr>
+          <p:cNvPr id="11" name="Table 10"/>
+          <p:cNvGraphicFramePr>
+            <a:graphicFrameLocks noGrp="1"/>
+          </p:cNvGraphicFramePr>
+          <p:nvPr>
+            <p:extLst>
+              <p:ext uri="{D42A27DB-BD31-4B8C-83A1-F6EECF244321}">
+                <p14:modId xmlns:p14="http://schemas.microsoft.com/office/powerpoint/2010/main" val="2397217750"/>
+              </p:ext>
+            </p:extLst>
+          </p:nvPr>
+        </p:nvGraphicFramePr>
+        <p:xfrm>
+          <a:off x="185722" y="533400"/>
+          <a:ext cx="8763000" cy="3596640"/>
+        </p:xfrm>
+        <a:graphic>
+          <a:graphicData uri="http://schemas.openxmlformats.org/drawingml/2006/table">
+            <a:tbl>
+              <a:tblPr firstRow="1" bandRow="1">
+                <a:tableStyleId>{5C22544A-7EE6-4342-B048-85BDC9FD1C3A}</a:tableStyleId>
+              </a:tblPr>
+              <a:tblGrid>
+                <a:gridCol w="1643078">
+                  <a:extLst>
+                    <a:ext uri="{9D8B030D-6E8A-4147-A177-3AD203B41FA5}">
+                      <a16:colId xmlns:a16="http://schemas.microsoft.com/office/drawing/2014/main" val="20000"/>
+                    </a:ext>
+                  </a:extLst>
+                </a:gridCol>
+                <a:gridCol w="5562600">
+                  <a:extLst>
+                    <a:ext uri="{9D8B030D-6E8A-4147-A177-3AD203B41FA5}">
+                      <a16:colId xmlns:a16="http://schemas.microsoft.com/office/drawing/2014/main" val="20001"/>
+                    </a:ext>
+                  </a:extLst>
+                </a:gridCol>
+                <a:gridCol w="1557322">
+                  <a:extLst>
+                    <a:ext uri="{9D8B030D-6E8A-4147-A177-3AD203B41FA5}">
+                      <a16:colId xmlns:a16="http://schemas.microsoft.com/office/drawing/2014/main" val="20002"/>
+                    </a:ext>
+                  </a:extLst>
+                </a:gridCol>
+              </a:tblGrid>
+              <a:tr h="516240">
+                <a:tc>
+                  <a:txBody>
+                    <a:bodyPr/>
+                    <a:lstStyle/>
+                    <a:p>
+                      <a:pPr marL="0" marR="0" algn="ctr">
+                        <a:lnSpc>
+                          <a:spcPct val="150000"/>
+                        </a:lnSpc>
+                        <a:spcBef>
+                          <a:spcPts val="0"/>
+                        </a:spcBef>
+                        <a:spcAft>
+                          <a:spcPts val="0"/>
+                        </a:spcAft>
+                      </a:pPr>
+                      <a:r>
+                        <a:rPr lang="en-US" sz="1600" b="1">
+                          <a:effectLst/>
+                          <a:latin typeface="Arial" panose="020B0604020202020204" pitchFamily="34" charset="0"/>
+                          <a:ea typeface="Calibri"/>
+                          <a:cs typeface="Arial" panose="020B0604020202020204" pitchFamily="34" charset="0"/>
+                        </a:rPr>
+                        <a:t>Chương</a:t>
+                      </a:r>
+                      <a:endParaRPr lang="en-US" sz="1600">
+                        <a:effectLst/>
+                        <a:latin typeface="Arial" panose="020B0604020202020204" pitchFamily="34" charset="0"/>
+                        <a:ea typeface="Calibri"/>
+                        <a:cs typeface="Arial" panose="020B0604020202020204" pitchFamily="34" charset="0"/>
+                      </a:endParaRPr>
+                    </a:p>
+                  </a:txBody>
+                  <a:tcPr marL="68580" marR="68580" marT="0" marB="0"/>
+                </a:tc>
+                <a:tc>
+                  <a:txBody>
+                    <a:bodyPr/>
+                    <a:lstStyle/>
+                    <a:p>
+                      <a:pPr marL="0" marR="0" algn="ctr">
+                        <a:lnSpc>
+                          <a:spcPct val="150000"/>
+                        </a:lnSpc>
+                        <a:spcBef>
+                          <a:spcPts val="0"/>
+                        </a:spcBef>
+                        <a:spcAft>
+                          <a:spcPts val="0"/>
+                        </a:spcAft>
+                      </a:pPr>
+                      <a:r>
+                        <a:rPr lang="en-US" sz="1600" b="1">
+                          <a:effectLst/>
+                          <a:latin typeface="Arial" panose="020B0604020202020204" pitchFamily="34" charset="0"/>
+                          <a:ea typeface="Calibri"/>
+                          <a:cs typeface="Arial" panose="020B0604020202020204" pitchFamily="34" charset="0"/>
+                        </a:rPr>
+                        <a:t>Công việc</a:t>
+                      </a:r>
+                      <a:endParaRPr lang="en-US" sz="1600">
+                        <a:effectLst/>
+                        <a:latin typeface="Arial" panose="020B0604020202020204" pitchFamily="34" charset="0"/>
+                        <a:ea typeface="Calibri"/>
+                        <a:cs typeface="Arial" panose="020B0604020202020204" pitchFamily="34" charset="0"/>
+                      </a:endParaRPr>
+                    </a:p>
+                  </a:txBody>
+                  <a:tcPr marL="68580" marR="68580" marT="0" marB="0"/>
+                </a:tc>
+                <a:tc>
+                  <a:txBody>
+                    <a:bodyPr/>
+                    <a:lstStyle/>
+                    <a:p>
+                      <a:pPr marL="0" marR="0" algn="ctr">
+                        <a:lnSpc>
+                          <a:spcPct val="150000"/>
+                        </a:lnSpc>
+                        <a:spcBef>
+                          <a:spcPts val="0"/>
+                        </a:spcBef>
+                        <a:spcAft>
+                          <a:spcPts val="0"/>
+                        </a:spcAft>
+                      </a:pPr>
+                      <a:r>
+                        <a:rPr lang="vi-VN" sz="1600" b="1">
+                          <a:effectLst/>
+                          <a:latin typeface="Arial" panose="020B0604020202020204" pitchFamily="34" charset="0"/>
+                          <a:ea typeface="Calibri"/>
+                          <a:cs typeface="Arial" panose="020B0604020202020204" pitchFamily="34" charset="0"/>
+                        </a:rPr>
+                        <a:t>T</a:t>
+                      </a:r>
+                      <a:r>
+                        <a:rPr lang="en-US" sz="1600" b="1">
+                          <a:effectLst/>
+                          <a:latin typeface="Arial" panose="020B0604020202020204" pitchFamily="34" charset="0"/>
+                          <a:ea typeface="Calibri"/>
+                          <a:cs typeface="Arial" panose="020B0604020202020204" pitchFamily="34" charset="0"/>
+                        </a:rPr>
+                        <a:t>hực hiện</a:t>
+                      </a:r>
+                      <a:endParaRPr lang="en-US" sz="1600">
+                        <a:effectLst/>
+                        <a:latin typeface="Arial" panose="020B0604020202020204" pitchFamily="34" charset="0"/>
+                        <a:ea typeface="Calibri"/>
+                        <a:cs typeface="Arial" panose="020B0604020202020204" pitchFamily="34" charset="0"/>
+                      </a:endParaRPr>
+                    </a:p>
+                  </a:txBody>
+                  <a:tcPr marL="68580" marR="68580" marT="0" marB="0"/>
+                </a:tc>
+                <a:extLst>
+                  <a:ext uri="{0D108BD9-81ED-4DB2-BD59-A6C34878D82A}">
+                    <a16:rowId xmlns:a16="http://schemas.microsoft.com/office/drawing/2014/main" val="10000"/>
+                  </a:ext>
+                </a:extLst>
+              </a:tr>
+              <a:tr h="380710">
+                <a:tc rowSpan="3">
+                  <a:txBody>
+                    <a:bodyPr/>
+                    <a:lstStyle/>
+                    <a:p>
+                      <a:pPr marL="0" marR="0" algn="ctr">
+                        <a:lnSpc>
+                          <a:spcPct val="150000"/>
+                        </a:lnSpc>
+                        <a:spcBef>
+                          <a:spcPts val="0"/>
+                        </a:spcBef>
+                        <a:spcAft>
+                          <a:spcPts val="0"/>
+                        </a:spcAft>
+                      </a:pPr>
+                      <a:r>
+                        <a:rPr lang="en-US" sz="1800">
+                          <a:effectLst/>
+                          <a:latin typeface="Arial" panose="020B0604020202020204" pitchFamily="34" charset="0"/>
+                          <a:ea typeface="Calibri"/>
+                          <a:cs typeface="Arial" panose="020B0604020202020204" pitchFamily="34" charset="0"/>
+                        </a:rPr>
+                        <a:t>4. Lập trình và kiếm thử</a:t>
+                      </a:r>
+                    </a:p>
+                  </a:txBody>
+                  <a:tcPr marL="68580" marR="68580" marT="0" marB="0" anchor="ctr"/>
+                </a:tc>
+                <a:tc>
+                  <a:txBody>
+                    <a:bodyPr/>
+                    <a:lstStyle/>
+                    <a:p>
+                      <a:pPr marL="0" marR="0" algn="just">
+                        <a:lnSpc>
+                          <a:spcPct val="150000"/>
+                        </a:lnSpc>
+                        <a:spcBef>
+                          <a:spcPts val="0"/>
+                        </a:spcBef>
+                        <a:spcAft>
+                          <a:spcPts val="0"/>
+                        </a:spcAft>
+                      </a:pPr>
+                      <a:r>
+                        <a:rPr lang="en-US" sz="1800">
+                          <a:effectLst/>
+                          <a:latin typeface="Arial" panose="020B0604020202020204" pitchFamily="34" charset="0"/>
+                          <a:ea typeface="Calibri"/>
+                          <a:cs typeface="Arial" panose="020B0604020202020204" pitchFamily="34" charset="0"/>
+                        </a:rPr>
+                        <a:t>Lập trình xử lý chức năng quản lý nhân viên, quản lý thể loại sản phẩm.</a:t>
+                      </a:r>
+                    </a:p>
+                  </a:txBody>
+                  <a:tcPr marL="68580" marR="68580" marT="0" marB="0"/>
+                </a:tc>
+                <a:tc>
+                  <a:txBody>
+                    <a:bodyPr/>
+                    <a:lstStyle/>
+                    <a:p>
+                      <a:pPr marL="0" marR="0" algn="just">
+                        <a:lnSpc>
+                          <a:spcPct val="150000"/>
+                        </a:lnSpc>
+                        <a:spcBef>
+                          <a:spcPts val="0"/>
+                        </a:spcBef>
+                        <a:spcAft>
+                          <a:spcPts val="0"/>
+                        </a:spcAft>
+                      </a:pPr>
+                      <a:r>
+                        <a:rPr lang="en-US" sz="1800">
+                          <a:effectLst/>
+                          <a:latin typeface="Arial" panose="020B0604020202020204" pitchFamily="34" charset="0"/>
+                          <a:ea typeface="Calibri"/>
+                          <a:cs typeface="Arial" panose="020B0604020202020204" pitchFamily="34" charset="0"/>
+                        </a:rPr>
+                        <a:t>Hoàng</a:t>
+                      </a:r>
+                    </a:p>
+                  </a:txBody>
+                  <a:tcPr marL="68580" marR="68580" marT="0" marB="0"/>
+                </a:tc>
+                <a:extLst>
+                  <a:ext uri="{0D108BD9-81ED-4DB2-BD59-A6C34878D82A}">
+                    <a16:rowId xmlns:a16="http://schemas.microsoft.com/office/drawing/2014/main" val="10001"/>
+                  </a:ext>
+                </a:extLst>
+              </a:tr>
+              <a:tr h="380710">
+                <a:tc vMerge="1">
+                  <a:txBody>
+                    <a:bodyPr/>
+                    <a:lstStyle/>
+                    <a:p>
+                      <a:pPr marL="0" marR="0">
+                        <a:lnSpc>
+                          <a:spcPct val="150000"/>
+                        </a:lnSpc>
+                        <a:spcBef>
+                          <a:spcPts val="0"/>
+                        </a:spcBef>
+                        <a:spcAft>
+                          <a:spcPts val="0"/>
+                        </a:spcAft>
+                      </a:pPr>
+                      <a:endParaRPr lang="en-US" sz="1800">
+                        <a:effectLst/>
+                        <a:latin typeface="Arial" panose="020B0604020202020204" pitchFamily="34" charset="0"/>
+                        <a:ea typeface="Calibri"/>
+                        <a:cs typeface="Arial" panose="020B0604020202020204" pitchFamily="34" charset="0"/>
+                      </a:endParaRPr>
+                    </a:p>
+                  </a:txBody>
+                  <a:tcPr marL="68580" marR="68580" marT="0" marB="0" anchor="ctr"/>
+                </a:tc>
+                <a:tc>
+                  <a:txBody>
+                    <a:bodyPr/>
+                    <a:lstStyle/>
+                    <a:p>
+                      <a:pPr marL="0" marR="0" algn="just">
+                        <a:lnSpc>
+                          <a:spcPct val="150000"/>
+                        </a:lnSpc>
+                        <a:spcBef>
+                          <a:spcPts val="0"/>
+                        </a:spcBef>
+                        <a:spcAft>
+                          <a:spcPts val="0"/>
+                        </a:spcAft>
+                      </a:pPr>
+                      <a:r>
+                        <a:rPr lang="en-US" sz="1800">
+                          <a:effectLst/>
+                          <a:latin typeface="Arial" panose="020B0604020202020204" pitchFamily="34" charset="0"/>
+                          <a:ea typeface="Calibri"/>
+                          <a:cs typeface="Arial" panose="020B0604020202020204" pitchFamily="34" charset="0"/>
+                        </a:rPr>
+                        <a:t>Lập trình xử lý chức năng quản lý tài khoản đăng nhập, quản lý món thêm.</a:t>
+                      </a:r>
+                    </a:p>
+                  </a:txBody>
+                  <a:tcPr marL="68580" marR="68580" marT="0" marB="0"/>
+                </a:tc>
+                <a:tc>
+                  <a:txBody>
+                    <a:bodyPr/>
+                    <a:lstStyle/>
+                    <a:p>
+                      <a:pPr marL="0" marR="0" algn="just">
+                        <a:lnSpc>
+                          <a:spcPct val="150000"/>
+                        </a:lnSpc>
+                        <a:spcBef>
+                          <a:spcPts val="0"/>
+                        </a:spcBef>
+                        <a:spcAft>
+                          <a:spcPts val="0"/>
+                        </a:spcAft>
+                      </a:pPr>
+                      <a:r>
+                        <a:rPr lang="en-US" sz="1800">
+                          <a:effectLst/>
+                          <a:latin typeface="Arial" panose="020B0604020202020204" pitchFamily="34" charset="0"/>
+                          <a:ea typeface="Calibri"/>
+                          <a:cs typeface="Arial" panose="020B0604020202020204" pitchFamily="34" charset="0"/>
+                        </a:rPr>
+                        <a:t>Trường</a:t>
+                      </a:r>
+                    </a:p>
+                  </a:txBody>
+                  <a:tcPr marL="68580" marR="68580" marT="0" marB="0"/>
+                </a:tc>
+                <a:extLst>
+                  <a:ext uri="{0D108BD9-81ED-4DB2-BD59-A6C34878D82A}">
+                    <a16:rowId xmlns:a16="http://schemas.microsoft.com/office/drawing/2014/main" val="10002"/>
+                  </a:ext>
+                </a:extLst>
+              </a:tr>
+              <a:tr h="380710">
+                <a:tc vMerge="1">
+                  <a:txBody>
+                    <a:bodyPr/>
+                    <a:lstStyle/>
+                    <a:p>
+                      <a:pPr marL="0" marR="0">
+                        <a:lnSpc>
+                          <a:spcPct val="150000"/>
+                        </a:lnSpc>
+                        <a:spcBef>
+                          <a:spcPts val="0"/>
+                        </a:spcBef>
+                        <a:spcAft>
+                          <a:spcPts val="0"/>
+                        </a:spcAft>
+                      </a:pPr>
+                      <a:endParaRPr lang="en-US" sz="1800">
+                        <a:effectLst/>
+                        <a:latin typeface="Arial" panose="020B0604020202020204" pitchFamily="34" charset="0"/>
+                        <a:ea typeface="Calibri"/>
+                        <a:cs typeface="Arial" panose="020B0604020202020204" pitchFamily="34" charset="0"/>
+                      </a:endParaRPr>
+                    </a:p>
+                  </a:txBody>
+                  <a:tcPr marL="68580" marR="68580" marT="0" marB="0" anchor="ctr"/>
+                </a:tc>
+                <a:tc>
+                  <a:txBody>
+                    <a:bodyPr/>
+                    <a:lstStyle/>
+                    <a:p>
+                      <a:pPr marL="0" marR="0" algn="just">
+                        <a:lnSpc>
+                          <a:spcPct val="150000"/>
+                        </a:lnSpc>
+                        <a:spcBef>
+                          <a:spcPts val="0"/>
+                        </a:spcBef>
+                        <a:spcAft>
+                          <a:spcPts val="0"/>
+                        </a:spcAft>
+                      </a:pPr>
+                      <a:r>
+                        <a:rPr lang="en-US" sz="1800">
+                          <a:effectLst/>
+                          <a:latin typeface="Arial" panose="020B0604020202020204" pitchFamily="34" charset="0"/>
+                          <a:ea typeface="Calibri"/>
+                          <a:cs typeface="Arial" panose="020B0604020202020204" pitchFamily="34" charset="0"/>
+                        </a:rPr>
+                        <a:t>Kiểm thử phần mềm</a:t>
+                      </a:r>
+                    </a:p>
+                  </a:txBody>
+                  <a:tcPr marL="68580" marR="68580" marT="0" marB="0"/>
+                </a:tc>
+                <a:tc>
+                  <a:txBody>
+                    <a:bodyPr/>
+                    <a:lstStyle/>
+                    <a:p>
+                      <a:pPr marL="0" marR="0" algn="just">
+                        <a:lnSpc>
+                          <a:spcPct val="150000"/>
+                        </a:lnSpc>
+                        <a:spcBef>
+                          <a:spcPts val="0"/>
+                        </a:spcBef>
+                        <a:spcAft>
+                          <a:spcPts val="0"/>
+                        </a:spcAft>
+                      </a:pPr>
+                      <a:r>
+                        <a:rPr lang="en-US" sz="1800">
+                          <a:effectLst/>
+                          <a:latin typeface="Arial" panose="020B0604020202020204" pitchFamily="34" charset="0"/>
+                          <a:ea typeface="Calibri"/>
+                          <a:cs typeface="Arial" panose="020B0604020202020204" pitchFamily="34" charset="0"/>
+                        </a:rPr>
+                        <a:t>Tất cả</a:t>
+                      </a:r>
+                    </a:p>
+                  </a:txBody>
+                  <a:tcPr marL="68580" marR="68580" marT="0" marB="0"/>
+                </a:tc>
+                <a:extLst>
+                  <a:ext uri="{0D108BD9-81ED-4DB2-BD59-A6C34878D82A}">
+                    <a16:rowId xmlns:a16="http://schemas.microsoft.com/office/drawing/2014/main" val="10003"/>
+                  </a:ext>
+                </a:extLst>
+              </a:tr>
+              <a:tr h="380710">
+                <a:tc rowSpan="2">
+                  <a:txBody>
+                    <a:bodyPr/>
+                    <a:lstStyle/>
+                    <a:p>
+                      <a:pPr marL="0" marR="0" algn="ctr">
+                        <a:lnSpc>
+                          <a:spcPct val="150000"/>
+                        </a:lnSpc>
+                        <a:spcBef>
+                          <a:spcPts val="0"/>
+                        </a:spcBef>
+                        <a:spcAft>
+                          <a:spcPts val="0"/>
+                        </a:spcAft>
+                      </a:pPr>
+                      <a:r>
+                        <a:rPr lang="en-US" sz="1800" kern="1200">
+                          <a:solidFill>
+                            <a:schemeClr val="dk1"/>
+                          </a:solidFill>
+                          <a:effectLst/>
+                          <a:latin typeface="Arial" panose="020B0604020202020204" pitchFamily="34" charset="0"/>
+                          <a:ea typeface="+mn-ea"/>
+                          <a:cs typeface="Arial" panose="020B0604020202020204" pitchFamily="34" charset="0"/>
+                        </a:rPr>
+                        <a:t>Viết tài liệu </a:t>
+                      </a:r>
+                      <a:endParaRPr lang="en-US" sz="1800">
+                        <a:effectLst/>
+                        <a:latin typeface="Arial" panose="020B0604020202020204" pitchFamily="34" charset="0"/>
+                        <a:ea typeface="Calibri"/>
+                        <a:cs typeface="Arial" panose="020B0604020202020204" pitchFamily="34" charset="0"/>
+                      </a:endParaRPr>
+                    </a:p>
+                  </a:txBody>
+                  <a:tcPr marL="68580" marR="68580" marT="0" marB="0" anchor="ctr"/>
+                </a:tc>
+                <a:tc>
+                  <a:txBody>
+                    <a:bodyPr/>
+                    <a:lstStyle/>
+                    <a:p>
+                      <a:pPr marL="0" marR="0" algn="just">
+                        <a:lnSpc>
+                          <a:spcPct val="150000"/>
+                        </a:lnSpc>
+                        <a:spcBef>
+                          <a:spcPts val="0"/>
+                        </a:spcBef>
+                        <a:spcAft>
+                          <a:spcPts val="0"/>
+                        </a:spcAft>
+                      </a:pPr>
+                      <a:r>
+                        <a:rPr lang="en-US" sz="1800">
+                          <a:effectLst/>
+                          <a:latin typeface="Arial" panose="020B0604020202020204" pitchFamily="34" charset="0"/>
+                          <a:ea typeface="Calibri"/>
+                          <a:cs typeface="Arial" panose="020B0604020202020204" pitchFamily="34" charset="0"/>
+                        </a:rPr>
+                        <a:t>Tổng hợp tài liệu</a:t>
+                      </a:r>
+                    </a:p>
+                  </a:txBody>
+                  <a:tcPr marL="68580" marR="68580" marT="0" marB="0"/>
+                </a:tc>
+                <a:tc>
+                  <a:txBody>
+                    <a:bodyPr/>
+                    <a:lstStyle/>
+                    <a:p>
+                      <a:pPr marL="0" marR="0" algn="just">
+                        <a:lnSpc>
+                          <a:spcPct val="150000"/>
+                        </a:lnSpc>
+                        <a:spcBef>
+                          <a:spcPts val="0"/>
+                        </a:spcBef>
+                        <a:spcAft>
+                          <a:spcPts val="0"/>
+                        </a:spcAft>
+                      </a:pPr>
+                      <a:r>
+                        <a:rPr lang="en-US" sz="1800">
+                          <a:effectLst/>
+                          <a:latin typeface="Arial" panose="020B0604020202020204" pitchFamily="34" charset="0"/>
+                          <a:ea typeface="Calibri"/>
+                          <a:cs typeface="Arial" panose="020B0604020202020204" pitchFamily="34" charset="0"/>
+                        </a:rPr>
+                        <a:t>Hùng, Hoàng</a:t>
+                      </a:r>
+                    </a:p>
+                  </a:txBody>
+                  <a:tcPr marL="68580" marR="68580" marT="0" marB="0"/>
+                </a:tc>
+                <a:extLst>
+                  <a:ext uri="{0D108BD9-81ED-4DB2-BD59-A6C34878D82A}">
+                    <a16:rowId xmlns:a16="http://schemas.microsoft.com/office/drawing/2014/main" val="10004"/>
+                  </a:ext>
+                </a:extLst>
+              </a:tr>
+              <a:tr h="611520">
+                <a:tc vMerge="1">
+                  <a:txBody>
+                    <a:bodyPr/>
+                    <a:lstStyle/>
+                    <a:p>
+                      <a:endParaRPr lang="en-US"/>
+                    </a:p>
+                  </a:txBody>
+                  <a:tcPr/>
+                </a:tc>
+                <a:tc>
+                  <a:txBody>
+                    <a:bodyPr/>
+                    <a:lstStyle/>
+                    <a:p>
+                      <a:pPr marL="0" marR="0" algn="just">
+                        <a:lnSpc>
+                          <a:spcPct val="150000"/>
+                        </a:lnSpc>
+                        <a:spcBef>
+                          <a:spcPts val="0"/>
+                        </a:spcBef>
+                        <a:spcAft>
+                          <a:spcPts val="0"/>
+                        </a:spcAft>
+                      </a:pPr>
+                      <a:r>
+                        <a:rPr lang="en-US" sz="1800">
+                          <a:effectLst/>
+                          <a:latin typeface="Arial" panose="020B0604020202020204" pitchFamily="34" charset="0"/>
+                          <a:ea typeface="Calibri"/>
+                          <a:cs typeface="Arial" panose="020B0604020202020204" pitchFamily="34" charset="0"/>
+                        </a:rPr>
+                        <a:t>Thiết kế slide thuyết trình</a:t>
+                      </a:r>
+                    </a:p>
+                  </a:txBody>
+                  <a:tcPr marL="68580" marR="68580" marT="0" marB="0"/>
+                </a:tc>
+                <a:tc>
+                  <a:txBody>
+                    <a:bodyPr/>
+                    <a:lstStyle/>
+                    <a:p>
+                      <a:pPr marL="0" marR="0" algn="just">
+                        <a:lnSpc>
+                          <a:spcPct val="150000"/>
+                        </a:lnSpc>
+                        <a:spcBef>
+                          <a:spcPts val="0"/>
+                        </a:spcBef>
+                        <a:spcAft>
+                          <a:spcPts val="0"/>
+                        </a:spcAft>
+                      </a:pPr>
+                      <a:r>
+                        <a:rPr lang="en-US" sz="1800">
+                          <a:effectLst/>
+                          <a:latin typeface="Arial" panose="020B0604020202020204" pitchFamily="34" charset="0"/>
+                          <a:ea typeface="Calibri"/>
+                          <a:cs typeface="Arial" panose="020B0604020202020204" pitchFamily="34" charset="0"/>
+                        </a:rPr>
+                        <a:t>Lợi</a:t>
+                      </a:r>
+                    </a:p>
+                  </a:txBody>
+                  <a:tcPr marL="68580" marR="68580" marT="0" marB="0"/>
+                </a:tc>
+                <a:extLst>
+                  <a:ext uri="{0D108BD9-81ED-4DB2-BD59-A6C34878D82A}">
+                    <a16:rowId xmlns:a16="http://schemas.microsoft.com/office/drawing/2014/main" val="10005"/>
+                  </a:ext>
+                </a:extLst>
+              </a:tr>
+            </a:tbl>
+          </a:graphicData>
+        </a:graphic>
+      </p:graphicFrame>
+    </p:spTree>
+    <p:extLst>
+      <p:ext uri="{BB962C8B-B14F-4D97-AF65-F5344CB8AC3E}">
+        <p14:creationId xmlns:p14="http://schemas.microsoft.com/office/powerpoint/2010/main" val="238660606"/>
+      </p:ext>
+    </p:extLst>
+  </p:cSld>
+  <p:clrMapOvr>
+    <a:masterClrMapping/>
+  </p:clrMapOvr>
+  <p:transition spd="slow">
+    <p:wipe/>
+  </p:transition>
+</p:sld>
+</file>
+
+<file path=ppt/slides/slide25.xml><?xml version="1.0" encoding="utf-8"?>
+<p:sld xmlns:a="http://schemas.openxmlformats.org/drawingml/2006/main" xmlns:r="http://schemas.openxmlformats.org/officeDocument/2006/relationships" xmlns:p="http://schemas.openxmlformats.org/presentationml/2006/main">
+  <p:cSld>
+    <p:spTree>
+      <p:nvGrpSpPr>
+        <p:cNvPr id="1" name=""/>
+        <p:cNvGrpSpPr/>
+        <p:nvPr/>
+      </p:nvGrpSpPr>
+      <p:grpSpPr>
+        <a:xfrm>
+          <a:off x="0" y="0"/>
+          <a:ext cx="0" cy="0"/>
+          <a:chOff x="0" y="0"/>
+          <a:chExt cx="0" cy="0"/>
+        </a:xfrm>
+      </p:grpSpPr>
+      <p:pic>
+        <p:nvPicPr>
+          <p:cNvPr id="4" name="Picture 3"/>
+          <p:cNvPicPr>
+            <a:picLocks noChangeAspect="1"/>
+          </p:cNvPicPr>
+          <p:nvPr/>
+        </p:nvPicPr>
+        <p:blipFill>
+          <a:blip r:embed="rId2">
+            <a:extLst>
+              <a:ext uri="{28A0092B-C50C-407E-A947-70E740481C1C}">
+                <a14:useLocalDpi xmlns:a14="http://schemas.microsoft.com/office/drawing/2010/main" val="0"/>
+              </a:ext>
+            </a:extLst>
+          </a:blip>
+          <a:stretch>
+            <a:fillRect/>
+          </a:stretch>
+        </p:blipFill>
+        <p:spPr>
+          <a:xfrm>
+            <a:off x="-9556" y="0"/>
+            <a:ext cx="9153556" cy="6858000"/>
+          </a:xfrm>
+          <a:prstGeom prst="rect">
+            <a:avLst/>
+          </a:prstGeom>
+        </p:spPr>
+      </p:pic>
+      <p:sp>
+        <p:nvSpPr>
+          <p:cNvPr id="5" name="TextBox 4"/>
+          <p:cNvSpPr txBox="1"/>
+          <p:nvPr/>
+        </p:nvSpPr>
+        <p:spPr>
+          <a:xfrm>
+            <a:off x="1366822" y="2712997"/>
+            <a:ext cx="6400800" cy="1200329"/>
+          </a:xfrm>
+          <a:prstGeom prst="rect">
+            <a:avLst/>
+          </a:prstGeom>
+          <a:noFill/>
+        </p:spPr>
+        <p:txBody>
+          <a:bodyPr wrap="square" rtlCol="0">
+            <a:spAutoFit/>
+          </a:bodyPr>
+          <a:lstStyle/>
+          <a:p>
+            <a:pPr lvl="0" algn="ctr"/>
+            <a:r>
+              <a:rPr lang="vi-VN" sz="3600" b="1" dirty="0" err="1">
+                <a:latin typeface="Arial" panose="020B0604020202020204" pitchFamily="34" charset="0"/>
+                <a:cs typeface="Arial" panose="020B0604020202020204" pitchFamily="34" charset="0"/>
+              </a:rPr>
+              <a:t>Cảm</a:t>
+            </a:r>
+            <a:r>
+              <a:rPr lang="vi-VN" sz="3600" b="1" dirty="0">
+                <a:latin typeface="Arial" panose="020B0604020202020204" pitchFamily="34" charset="0"/>
+                <a:cs typeface="Arial" panose="020B0604020202020204" pitchFamily="34" charset="0"/>
+              </a:rPr>
+              <a:t> ơn </a:t>
+            </a:r>
+            <a:r>
+              <a:rPr lang="vi-VN" sz="3600" b="1" dirty="0" err="1">
+                <a:latin typeface="Arial" panose="020B0604020202020204" pitchFamily="34" charset="0"/>
+                <a:cs typeface="Arial" panose="020B0604020202020204" pitchFamily="34" charset="0"/>
+              </a:rPr>
+              <a:t>thầy</a:t>
+            </a:r>
+            <a:r>
+              <a:rPr lang="vi-VN" sz="3600" b="1" dirty="0">
+                <a:latin typeface="Arial" panose="020B0604020202020204" pitchFamily="34" charset="0"/>
+                <a:cs typeface="Arial" panose="020B0604020202020204" pitchFamily="34" charset="0"/>
+              </a:rPr>
+              <a:t> </a:t>
+            </a:r>
+            <a:r>
+              <a:rPr lang="vi-VN" sz="3600" b="1" dirty="0" err="1">
+                <a:latin typeface="Arial" panose="020B0604020202020204" pitchFamily="34" charset="0"/>
+                <a:cs typeface="Arial" panose="020B0604020202020204" pitchFamily="34" charset="0"/>
+              </a:rPr>
+              <a:t>và</a:t>
+            </a:r>
+            <a:r>
+              <a:rPr lang="vi-VN" sz="3600" b="1" dirty="0">
+                <a:latin typeface="Arial" panose="020B0604020202020204" pitchFamily="34" charset="0"/>
+                <a:cs typeface="Arial" panose="020B0604020202020204" pitchFamily="34" charset="0"/>
+              </a:rPr>
+              <a:t> </a:t>
+            </a:r>
+            <a:r>
+              <a:rPr lang="vi-VN" sz="3600" b="1" dirty="0" err="1">
+                <a:latin typeface="Arial" panose="020B0604020202020204" pitchFamily="34" charset="0"/>
+                <a:cs typeface="Arial" panose="020B0604020202020204" pitchFamily="34" charset="0"/>
+              </a:rPr>
+              <a:t>các</a:t>
+            </a:r>
+            <a:r>
+              <a:rPr lang="vi-VN" sz="3600" b="1" dirty="0">
+                <a:latin typeface="Arial" panose="020B0604020202020204" pitchFamily="34" charset="0"/>
+                <a:cs typeface="Arial" panose="020B0604020202020204" pitchFamily="34" charset="0"/>
+              </a:rPr>
+              <a:t> </a:t>
+            </a:r>
+            <a:r>
+              <a:rPr lang="vi-VN" sz="3600" b="1" dirty="0" err="1">
+                <a:latin typeface="Arial" panose="020B0604020202020204" pitchFamily="34" charset="0"/>
+                <a:cs typeface="Arial" panose="020B0604020202020204" pitchFamily="34" charset="0"/>
+              </a:rPr>
+              <a:t>bạn</a:t>
+            </a:r>
+            <a:r>
+              <a:rPr lang="vi-VN" sz="3600" b="1" dirty="0">
+                <a:latin typeface="Arial" panose="020B0604020202020204" pitchFamily="34" charset="0"/>
+                <a:cs typeface="Arial" panose="020B0604020202020204" pitchFamily="34" charset="0"/>
+              </a:rPr>
+              <a:t> </a:t>
+            </a:r>
+            <a:r>
+              <a:rPr lang="vi-VN" sz="3600" b="1" dirty="0" err="1">
+                <a:latin typeface="Arial" panose="020B0604020202020204" pitchFamily="34" charset="0"/>
+                <a:cs typeface="Arial" panose="020B0604020202020204" pitchFamily="34" charset="0"/>
+              </a:rPr>
+              <a:t>đã</a:t>
+            </a:r>
+            <a:r>
+              <a:rPr lang="vi-VN" sz="3600" b="1" dirty="0">
+                <a:latin typeface="Arial" panose="020B0604020202020204" pitchFamily="34" charset="0"/>
+                <a:cs typeface="Arial" panose="020B0604020202020204" pitchFamily="34" charset="0"/>
+              </a:rPr>
+              <a:t> </a:t>
+            </a:r>
+            <a:r>
+              <a:rPr lang="vi-VN" sz="3600" b="1" dirty="0" err="1">
+                <a:latin typeface="Arial" panose="020B0604020202020204" pitchFamily="34" charset="0"/>
+                <a:cs typeface="Arial" panose="020B0604020202020204" pitchFamily="34" charset="0"/>
+              </a:rPr>
+              <a:t>lắng</a:t>
+            </a:r>
+            <a:r>
+              <a:rPr lang="vi-VN" sz="3600" b="1" dirty="0">
+                <a:latin typeface="Arial" panose="020B0604020202020204" pitchFamily="34" charset="0"/>
+                <a:cs typeface="Arial" panose="020B0604020202020204" pitchFamily="34" charset="0"/>
+              </a:rPr>
+              <a:t> nghe</a:t>
+            </a:r>
+            <a:r>
+              <a:rPr lang="en-US" sz="3600" b="1" dirty="0">
+                <a:latin typeface="Arial" panose="020B0604020202020204" pitchFamily="34" charset="0"/>
+                <a:cs typeface="Arial" panose="020B0604020202020204" pitchFamily="34" charset="0"/>
+              </a:rPr>
+              <a:t>!</a:t>
+            </a:r>
+          </a:p>
+        </p:txBody>
+      </p:sp>
+    </p:spTree>
+    <p:extLst>
+      <p:ext uri="{BB962C8B-B14F-4D97-AF65-F5344CB8AC3E}">
+        <p14:creationId xmlns:p14="http://schemas.microsoft.com/office/powerpoint/2010/main" val="2647419799"/>
       </p:ext>
     </p:extLst>
   </p:cSld>
